--- a/Documentation/Weekly Report/week3/CMSC-4920-Group2-Week3.pptx
+++ b/Documentation/Weekly Report/week3/CMSC-4920-Group2-Week3.pptx
@@ -5,7 +5,7 @@
     <p:sldMasterId id="2147483660" r:id="rId1"/>
   </p:sldMasterIdLst>
   <p:notesMasterIdLst>
-    <p:notesMasterId r:id="rId9"/>
+    <p:notesMasterId r:id="rId10"/>
   </p:notesMasterIdLst>
   <p:sldIdLst>
     <p:sldId id="257" r:id="rId2"/>
@@ -15,6 +15,7 @@
     <p:sldId id="262" r:id="rId6"/>
     <p:sldId id="264" r:id="rId7"/>
     <p:sldId id="263" r:id="rId8"/>
+    <p:sldId id="265" r:id="rId9"/>
   </p:sldIdLst>
   <p:sldSz cx="12192000" cy="6858000"/>
   <p:notesSz cx="6858000" cy="9144000"/>
@@ -124,8 +125,7 @@
 <file path=ppt/revisionInfo.xml><?xml version="1.0" encoding="utf-8"?>
 <p1510:revInfo xmlns:a="http://schemas.openxmlformats.org/drawingml/2006/main" xmlns:r="http://schemas.openxmlformats.org/officeDocument/2006/relationships" xmlns:p1510="http://schemas.microsoft.com/office/powerpoint/2015/10/main">
   <p1510:revLst>
-    <p1510:client id="{31BB0782-3C69-47B4-AC39-00F2DDCDFB2A}" v="1" dt="2026-01-29T19:27:47.343"/>
-    <p1510:client id="{64087836-9088-4F5D-A2AF-1C99B709D4CC}" v="7" dt="2026-01-29T23:27:39.183"/>
+    <p1510:client id="{64087836-9088-4F5D-A2AF-1C99B709D4CC}" v="17" dt="2026-01-31T22:58:00.380"/>
   </p1510:revLst>
 </p1510:revInfo>
 </file>
@@ -216,70 +216,134 @@
           </ac:spMkLst>
         </pc:spChg>
       </pc:sldChg>
-      <pc:sldChg chg="addSp delSp modSp new mod">
-        <pc:chgData name="John Gerega" userId="bd3e1e46fb6a714b" providerId="LiveId" clId="{45F0C402-C550-4C82-B31D-5B32217A5E94}" dt="2026-01-29T19:30:17.690" v="506" actId="1076"/>
-        <pc:sldMkLst>
-          <pc:docMk/>
-          <pc:sldMk cId="3976178676" sldId="260"/>
-        </pc:sldMkLst>
-        <pc:spChg chg="mod">
-          <ac:chgData name="John Gerega" userId="bd3e1e46fb6a714b" providerId="LiveId" clId="{45F0C402-C550-4C82-B31D-5B32217A5E94}" dt="2026-01-29T19:28:40.044" v="496" actId="20577"/>
-          <ac:spMkLst>
-            <pc:docMk/>
-            <pc:sldMk cId="3976178676" sldId="260"/>
-            <ac:spMk id="2" creationId="{C758E20C-8AB0-67B3-E130-098B85CA3DFD}"/>
-          </ac:spMkLst>
-        </pc:spChg>
-        <pc:spChg chg="del">
-          <ac:chgData name="John Gerega" userId="bd3e1e46fb6a714b" providerId="LiveId" clId="{45F0C402-C550-4C82-B31D-5B32217A5E94}" dt="2026-01-29T19:29:15.687" v="497" actId="22"/>
-          <ac:spMkLst>
-            <pc:docMk/>
-            <pc:sldMk cId="3976178676" sldId="260"/>
-            <ac:spMk id="3" creationId="{65878717-CCD1-8F9C-3154-4A56F6236B07}"/>
-          </ac:spMkLst>
-        </pc:spChg>
-        <pc:spChg chg="add del mod">
-          <ac:chgData name="John Gerega" userId="bd3e1e46fb6a714b" providerId="LiveId" clId="{45F0C402-C550-4C82-B31D-5B32217A5E94}" dt="2026-01-29T19:30:15.196" v="505" actId="478"/>
-          <ac:spMkLst>
-            <pc:docMk/>
-            <pc:sldMk cId="3976178676" sldId="260"/>
-            <ac:spMk id="7" creationId="{FEF7EDFF-C76D-4B7A-37ED-EAC08EC100AD}"/>
-          </ac:spMkLst>
-        </pc:spChg>
-        <pc:picChg chg="add del mod ord">
-          <ac:chgData name="John Gerega" userId="bd3e1e46fb6a714b" providerId="LiveId" clId="{45F0C402-C550-4C82-B31D-5B32217A5E94}" dt="2026-01-29T19:29:38.308" v="498" actId="478"/>
-          <ac:picMkLst>
-            <pc:docMk/>
-            <pc:sldMk cId="3976178676" sldId="260"/>
-            <ac:picMk id="5" creationId="{7D1C1A01-19FD-AAFC-BB74-A9D16997A14E}"/>
-          </ac:picMkLst>
-        </pc:picChg>
-        <pc:picChg chg="add mod">
-          <ac:chgData name="John Gerega" userId="bd3e1e46fb6a714b" providerId="LiveId" clId="{45F0C402-C550-4C82-B31D-5B32217A5E94}" dt="2026-01-29T19:30:17.690" v="506" actId="1076"/>
-          <ac:picMkLst>
-            <pc:docMk/>
-            <pc:sldMk cId="3976178676" sldId="260"/>
-            <ac:picMk id="9" creationId="{6E147BA7-C2BD-F75F-6AA7-20EB6ABC1BE7}"/>
-          </ac:picMkLst>
-        </pc:picChg>
-      </pc:sldChg>
     </pc:docChg>
   </pc:docChgLst>
   <pc:docChgLst>
     <pc:chgData name="Margo Bonal" userId="18c9fa0f-b53d-478b-9dc0-6ad88786c19f" providerId="ADAL" clId="{57E2D5E0-CA32-47BE-A2DC-7B0365E99328}"/>
-    <pc:docChg chg="undo custSel addSld delSld modSld">
-      <pc:chgData name="Margo Bonal" userId="18c9fa0f-b53d-478b-9dc0-6ad88786c19f" providerId="ADAL" clId="{57E2D5E0-CA32-47BE-A2DC-7B0365E99328}" dt="2026-01-29T23:57:10.855" v="901" actId="20577"/>
+    <pc:docChg chg="undo redo custSel addSld delSld modSld">
+      <pc:chgData name="Margo Bonal" userId="18c9fa0f-b53d-478b-9dc0-6ad88786c19f" providerId="ADAL" clId="{57E2D5E0-CA32-47BE-A2DC-7B0365E99328}" dt="2026-01-31T23:00:22.227" v="1200" actId="26606"/>
       <pc:docMkLst>
         <pc:docMk/>
       </pc:docMkLst>
+      <pc:sldChg chg="addSp delSp modSp mod setBg">
+        <pc:chgData name="Margo Bonal" userId="18c9fa0f-b53d-478b-9dc0-6ad88786c19f" providerId="ADAL" clId="{57E2D5E0-CA32-47BE-A2DC-7B0365E99328}" dt="2026-01-31T22:59:48.609" v="1196" actId="26606"/>
+        <pc:sldMkLst>
+          <pc:docMk/>
+          <pc:sldMk cId="1562194928" sldId="257"/>
+        </pc:sldMkLst>
+        <pc:spChg chg="mod">
+          <ac:chgData name="Margo Bonal" userId="18c9fa0f-b53d-478b-9dc0-6ad88786c19f" providerId="ADAL" clId="{57E2D5E0-CA32-47BE-A2DC-7B0365E99328}" dt="2026-01-31T22:59:48.609" v="1196" actId="26606"/>
+          <ac:spMkLst>
+            <pc:docMk/>
+            <pc:sldMk cId="1562194928" sldId="257"/>
+            <ac:spMk id="2" creationId="{7E1F449D-2BD2-97B5-DCE5-EA7AA820BE81}"/>
+          </ac:spMkLst>
+        </pc:spChg>
+        <pc:spChg chg="mod">
+          <ac:chgData name="Margo Bonal" userId="18c9fa0f-b53d-478b-9dc0-6ad88786c19f" providerId="ADAL" clId="{57E2D5E0-CA32-47BE-A2DC-7B0365E99328}" dt="2026-01-31T22:59:48.609" v="1196" actId="26606"/>
+          <ac:spMkLst>
+            <pc:docMk/>
+            <pc:sldMk cId="1562194928" sldId="257"/>
+            <ac:spMk id="3" creationId="{BFFB11B0-F653-A213-DE0D-88B0308AFCD4}"/>
+          </ac:spMkLst>
+        </pc:spChg>
+        <pc:spChg chg="add del">
+          <ac:chgData name="Margo Bonal" userId="18c9fa0f-b53d-478b-9dc0-6ad88786c19f" providerId="ADAL" clId="{57E2D5E0-CA32-47BE-A2DC-7B0365E99328}" dt="2026-01-31T22:59:33.514" v="1192" actId="26606"/>
+          <ac:spMkLst>
+            <pc:docMk/>
+            <pc:sldMk cId="1562194928" sldId="257"/>
+            <ac:spMk id="8" creationId="{C3D25154-9EF7-4C33-9AAC-7B3BE089FE0A}"/>
+          </ac:spMkLst>
+        </pc:spChg>
+        <pc:spChg chg="add del">
+          <ac:chgData name="Margo Bonal" userId="18c9fa0f-b53d-478b-9dc0-6ad88786c19f" providerId="ADAL" clId="{57E2D5E0-CA32-47BE-A2DC-7B0365E99328}" dt="2026-01-31T22:59:33.514" v="1192" actId="26606"/>
+          <ac:spMkLst>
+            <pc:docMk/>
+            <pc:sldMk cId="1562194928" sldId="257"/>
+            <ac:spMk id="10" creationId="{1604E8C0-C927-4C06-A96A-BF3323BA76D2}"/>
+          </ac:spMkLst>
+        </pc:spChg>
+        <pc:spChg chg="add del">
+          <ac:chgData name="Margo Bonal" userId="18c9fa0f-b53d-478b-9dc0-6ad88786c19f" providerId="ADAL" clId="{57E2D5E0-CA32-47BE-A2DC-7B0365E99328}" dt="2026-01-31T22:59:37.566" v="1194" actId="26606"/>
+          <ac:spMkLst>
+            <pc:docMk/>
+            <pc:sldMk cId="1562194928" sldId="257"/>
+            <ac:spMk id="19" creationId="{68C84B8E-16E8-4E54-B4AC-84CE51595508}"/>
+          </ac:spMkLst>
+        </pc:spChg>
+        <pc:spChg chg="add del">
+          <ac:chgData name="Margo Bonal" userId="18c9fa0f-b53d-478b-9dc0-6ad88786c19f" providerId="ADAL" clId="{57E2D5E0-CA32-47BE-A2DC-7B0365E99328}" dt="2026-01-31T22:59:37.566" v="1194" actId="26606"/>
+          <ac:spMkLst>
+            <pc:docMk/>
+            <pc:sldMk cId="1562194928" sldId="257"/>
+            <ac:spMk id="20" creationId="{ECE9EEEA-5DB7-4DC7-AF9F-74D1C19B7E2E}"/>
+          </ac:spMkLst>
+        </pc:spChg>
+        <pc:spChg chg="add del">
+          <ac:chgData name="Margo Bonal" userId="18c9fa0f-b53d-478b-9dc0-6ad88786c19f" providerId="ADAL" clId="{57E2D5E0-CA32-47BE-A2DC-7B0365E99328}" dt="2026-01-31T22:59:37.566" v="1194" actId="26606"/>
+          <ac:spMkLst>
+            <pc:docMk/>
+            <pc:sldMk cId="1562194928" sldId="257"/>
+            <ac:spMk id="21" creationId="{DF199147-B958-49C0-9BE2-65BDD892F2BB}"/>
+          </ac:spMkLst>
+        </pc:spChg>
+        <pc:spChg chg="add del">
+          <ac:chgData name="Margo Bonal" userId="18c9fa0f-b53d-478b-9dc0-6ad88786c19f" providerId="ADAL" clId="{57E2D5E0-CA32-47BE-A2DC-7B0365E99328}" dt="2026-01-31T22:59:37.566" v="1194" actId="26606"/>
+          <ac:spMkLst>
+            <pc:docMk/>
+            <pc:sldMk cId="1562194928" sldId="257"/>
+            <ac:spMk id="22" creationId="{EF70505D-EC2C-4D1A-86DE-2583778074ED}"/>
+          </ac:spMkLst>
+        </pc:spChg>
+        <pc:spChg chg="add del">
+          <ac:chgData name="Margo Bonal" userId="18c9fa0f-b53d-478b-9dc0-6ad88786c19f" providerId="ADAL" clId="{57E2D5E0-CA32-47BE-A2DC-7B0365E99328}" dt="2026-01-31T22:59:48.609" v="1196" actId="26606"/>
+          <ac:spMkLst>
+            <pc:docMk/>
+            <pc:sldMk cId="1562194928" sldId="257"/>
+            <ac:spMk id="24" creationId="{C3D25154-9EF7-4C33-9AAC-7B3BE089FE0A}"/>
+          </ac:spMkLst>
+        </pc:spChg>
+        <pc:spChg chg="add del">
+          <ac:chgData name="Margo Bonal" userId="18c9fa0f-b53d-478b-9dc0-6ad88786c19f" providerId="ADAL" clId="{57E2D5E0-CA32-47BE-A2DC-7B0365E99328}" dt="2026-01-31T22:59:48.609" v="1196" actId="26606"/>
+          <ac:spMkLst>
+            <pc:docMk/>
+            <pc:sldMk cId="1562194928" sldId="257"/>
+            <ac:spMk id="25" creationId="{1604E8C0-C927-4C06-A96A-BF3323BA76D2}"/>
+          </ac:spMkLst>
+        </pc:spChg>
+        <pc:grpChg chg="add del">
+          <ac:chgData name="Margo Bonal" userId="18c9fa0f-b53d-478b-9dc0-6ad88786c19f" providerId="ADAL" clId="{57E2D5E0-CA32-47BE-A2DC-7B0365E99328}" dt="2026-01-31T22:59:33.514" v="1192" actId="26606"/>
+          <ac:grpSpMkLst>
+            <pc:docMk/>
+            <pc:sldMk cId="1562194928" sldId="257"/>
+            <ac:grpSpMk id="12" creationId="{9DCECFD5-4C30-4892-9FF0-540E17955A55}"/>
+          </ac:grpSpMkLst>
+        </pc:grpChg>
+        <pc:grpChg chg="add del">
+          <ac:chgData name="Margo Bonal" userId="18c9fa0f-b53d-478b-9dc0-6ad88786c19f" providerId="ADAL" clId="{57E2D5E0-CA32-47BE-A2DC-7B0365E99328}" dt="2026-01-31T22:59:37.566" v="1194" actId="26606"/>
+          <ac:grpSpMkLst>
+            <pc:docMk/>
+            <pc:sldMk cId="1562194928" sldId="257"/>
+            <ac:grpSpMk id="16" creationId="{2DF20BDF-18D7-4E94-9BA1-9CEB40470CB6}"/>
+          </ac:grpSpMkLst>
+        </pc:grpChg>
+        <pc:grpChg chg="add del">
+          <ac:chgData name="Margo Bonal" userId="18c9fa0f-b53d-478b-9dc0-6ad88786c19f" providerId="ADAL" clId="{57E2D5E0-CA32-47BE-A2DC-7B0365E99328}" dt="2026-01-31T22:59:48.609" v="1196" actId="26606"/>
+          <ac:grpSpMkLst>
+            <pc:docMk/>
+            <pc:sldMk cId="1562194928" sldId="257"/>
+            <ac:grpSpMk id="26" creationId="{9DCECFD5-4C30-4892-9FF0-540E17955A55}"/>
+          </ac:grpSpMkLst>
+        </pc:grpChg>
+      </pc:sldChg>
       <pc:sldChg chg="modSp mod">
-        <pc:chgData name="Margo Bonal" userId="18c9fa0f-b53d-478b-9dc0-6ad88786c19f" providerId="ADAL" clId="{57E2D5E0-CA32-47BE-A2DC-7B0365E99328}" dt="2026-01-29T23:56:40.862" v="884" actId="313"/>
+        <pc:chgData name="Margo Bonal" userId="18c9fa0f-b53d-478b-9dc0-6ad88786c19f" providerId="ADAL" clId="{57E2D5E0-CA32-47BE-A2DC-7B0365E99328}" dt="2026-01-31T22:54:37.716" v="1147" actId="113"/>
         <pc:sldMkLst>
           <pc:docMk/>
           <pc:sldMk cId="1703198578" sldId="258"/>
         </pc:sldMkLst>
         <pc:spChg chg="mod">
-          <ac:chgData name="Margo Bonal" userId="18c9fa0f-b53d-478b-9dc0-6ad88786c19f" providerId="ADAL" clId="{57E2D5E0-CA32-47BE-A2DC-7B0365E99328}" dt="2026-01-29T23:56:40.862" v="884" actId="313"/>
+          <ac:chgData name="Margo Bonal" userId="18c9fa0f-b53d-478b-9dc0-6ad88786c19f" providerId="ADAL" clId="{57E2D5E0-CA32-47BE-A2DC-7B0365E99328}" dt="2026-01-31T22:54:37.716" v="1147" actId="113"/>
           <ac:spMkLst>
             <pc:docMk/>
             <pc:sldMk cId="1703198578" sldId="258"/>
@@ -288,13 +352,13 @@
         </pc:spChg>
       </pc:sldChg>
       <pc:sldChg chg="modSp mod">
-        <pc:chgData name="Margo Bonal" userId="18c9fa0f-b53d-478b-9dc0-6ad88786c19f" providerId="ADAL" clId="{57E2D5E0-CA32-47BE-A2DC-7B0365E99328}" dt="2026-01-29T23:57:10.855" v="901" actId="20577"/>
+        <pc:chgData name="Margo Bonal" userId="18c9fa0f-b53d-478b-9dc0-6ad88786c19f" providerId="ADAL" clId="{57E2D5E0-CA32-47BE-A2DC-7B0365E99328}" dt="2026-01-31T22:54:27.950" v="1145" actId="20577"/>
         <pc:sldMkLst>
           <pc:docMk/>
           <pc:sldMk cId="2435356693" sldId="259"/>
         </pc:sldMkLst>
         <pc:spChg chg="mod">
-          <ac:chgData name="Margo Bonal" userId="18c9fa0f-b53d-478b-9dc0-6ad88786c19f" providerId="ADAL" clId="{57E2D5E0-CA32-47BE-A2DC-7B0365E99328}" dt="2026-01-29T23:54:10.059" v="802" actId="27636"/>
+          <ac:chgData name="Margo Bonal" userId="18c9fa0f-b53d-478b-9dc0-6ad88786c19f" providerId="ADAL" clId="{57E2D5E0-CA32-47BE-A2DC-7B0365E99328}" dt="2026-01-31T22:53:51.214" v="1125" actId="403"/>
           <ac:spMkLst>
             <pc:docMk/>
             <pc:sldMk cId="2435356693" sldId="259"/>
@@ -310,7 +374,7 @@
           </ac:spMkLst>
         </pc:spChg>
         <pc:spChg chg="mod">
-          <ac:chgData name="Margo Bonal" userId="18c9fa0f-b53d-478b-9dc0-6ad88786c19f" providerId="ADAL" clId="{57E2D5E0-CA32-47BE-A2DC-7B0365E99328}" dt="2026-01-29T23:57:10.855" v="901" actId="20577"/>
+          <ac:chgData name="Margo Bonal" userId="18c9fa0f-b53d-478b-9dc0-6ad88786c19f" providerId="ADAL" clId="{57E2D5E0-CA32-47BE-A2DC-7B0365E99328}" dt="2026-01-31T22:54:27.950" v="1145" actId="20577"/>
           <ac:spMkLst>
             <pc:docMk/>
             <pc:sldMk cId="2435356693" sldId="259"/>
@@ -318,283 +382,12 @@
           </ac:spMkLst>
         </pc:spChg>
       </pc:sldChg>
-      <pc:sldChg chg="addSp delSp modSp del mod setBg">
-        <pc:chgData name="Margo Bonal" userId="18c9fa0f-b53d-478b-9dc0-6ad88786c19f" providerId="ADAL" clId="{57E2D5E0-CA32-47BE-A2DC-7B0365E99328}" dt="2026-01-29T23:27:41.909" v="110" actId="2696"/>
-        <pc:sldMkLst>
-          <pc:docMk/>
-          <pc:sldMk cId="3976178676" sldId="260"/>
-        </pc:sldMkLst>
-        <pc:spChg chg="mod">
-          <ac:chgData name="Margo Bonal" userId="18c9fa0f-b53d-478b-9dc0-6ad88786c19f" providerId="ADAL" clId="{57E2D5E0-CA32-47BE-A2DC-7B0365E99328}" dt="2026-01-29T23:25:57.499" v="53" actId="26606"/>
-          <ac:spMkLst>
-            <pc:docMk/>
-            <pc:sldMk cId="3976178676" sldId="260"/>
-            <ac:spMk id="2" creationId="{C758E20C-8AB0-67B3-E130-098B85CA3DFD}"/>
-          </ac:spMkLst>
-        </pc:spChg>
-        <pc:spChg chg="add del">
-          <ac:chgData name="Margo Bonal" userId="18c9fa0f-b53d-478b-9dc0-6ad88786c19f" providerId="ADAL" clId="{57E2D5E0-CA32-47BE-A2DC-7B0365E99328}" dt="2026-01-29T23:26:08.549" v="56" actId="26606"/>
-          <ac:spMkLst>
-            <pc:docMk/>
-            <pc:sldMk cId="3976178676" sldId="260"/>
-            <ac:spMk id="6" creationId="{7049A7D3-684C-4C59-A4B6-7B308A6AD34D}"/>
-          </ac:spMkLst>
-        </pc:spChg>
-        <pc:spChg chg="add del">
-          <ac:chgData name="Margo Bonal" userId="18c9fa0f-b53d-478b-9dc0-6ad88786c19f" providerId="ADAL" clId="{57E2D5E0-CA32-47BE-A2DC-7B0365E99328}" dt="2026-01-29T23:26:08.549" v="56" actId="26606"/>
-          <ac:spMkLst>
-            <pc:docMk/>
-            <pc:sldMk cId="3976178676" sldId="260"/>
-            <ac:spMk id="11" creationId="{D7B1087B-C592-40E7-B532-60B453A2FE6A}"/>
-          </ac:spMkLst>
-        </pc:spChg>
-        <pc:spChg chg="add">
-          <ac:chgData name="Margo Bonal" userId="18c9fa0f-b53d-478b-9dc0-6ad88786c19f" providerId="ADAL" clId="{57E2D5E0-CA32-47BE-A2DC-7B0365E99328}" dt="2026-01-29T23:25:57.499" v="53" actId="26606"/>
-          <ac:spMkLst>
-            <pc:docMk/>
-            <pc:sldMk cId="3976178676" sldId="260"/>
-            <ac:spMk id="13" creationId="{14AE7447-E8F8-4A0F-9E3D-94842BFF886E}"/>
-          </ac:spMkLst>
-        </pc:spChg>
-        <pc:spChg chg="add del">
-          <ac:chgData name="Margo Bonal" userId="18c9fa0f-b53d-478b-9dc0-6ad88786c19f" providerId="ADAL" clId="{57E2D5E0-CA32-47BE-A2DC-7B0365E99328}" dt="2026-01-29T23:26:08.549" v="56" actId="26606"/>
-          <ac:spMkLst>
-            <pc:docMk/>
-            <pc:sldMk cId="3976178676" sldId="260"/>
-            <ac:spMk id="19" creationId="{0680B5D0-24EC-465A-A0E6-C4DF951E0043}"/>
-          </ac:spMkLst>
-        </pc:spChg>
-        <pc:spChg chg="add del">
-          <ac:chgData name="Margo Bonal" userId="18c9fa0f-b53d-478b-9dc0-6ad88786c19f" providerId="ADAL" clId="{57E2D5E0-CA32-47BE-A2DC-7B0365E99328}" dt="2026-01-29T23:26:08.549" v="56" actId="26606"/>
-          <ac:spMkLst>
-            <pc:docMk/>
-            <pc:sldMk cId="3976178676" sldId="260"/>
-            <ac:spMk id="21" creationId="{30BF1B50-A83E-4ED6-A2AA-C943C1F89F85}"/>
-          </ac:spMkLst>
-        </pc:spChg>
-        <pc:spChg chg="add">
-          <ac:chgData name="Margo Bonal" userId="18c9fa0f-b53d-478b-9dc0-6ad88786c19f" providerId="ADAL" clId="{57E2D5E0-CA32-47BE-A2DC-7B0365E99328}" dt="2026-01-29T23:25:57.499" v="53" actId="26606"/>
-          <ac:spMkLst>
-            <pc:docMk/>
-            <pc:sldMk cId="3976178676" sldId="260"/>
-            <ac:spMk id="23" creationId="{1F31E8B2-210B-4B90-83BB-3B180732EF38}"/>
-          </ac:spMkLst>
-        </pc:spChg>
-        <pc:spChg chg="add del">
-          <ac:chgData name="Margo Bonal" userId="18c9fa0f-b53d-478b-9dc0-6ad88786c19f" providerId="ADAL" clId="{57E2D5E0-CA32-47BE-A2DC-7B0365E99328}" dt="2026-01-29T23:26:08.549" v="56" actId="26606"/>
-          <ac:spMkLst>
-            <pc:docMk/>
-            <pc:sldMk cId="3976178676" sldId="260"/>
-            <ac:spMk id="25" creationId="{6B387409-2B98-40F8-A65F-EF7CF989512F}"/>
-          </ac:spMkLst>
-        </pc:spChg>
-        <pc:spChg chg="add">
-          <ac:chgData name="Margo Bonal" userId="18c9fa0f-b53d-478b-9dc0-6ad88786c19f" providerId="ADAL" clId="{57E2D5E0-CA32-47BE-A2DC-7B0365E99328}" dt="2026-01-29T23:26:08.549" v="56" actId="26606"/>
-          <ac:spMkLst>
-            <pc:docMk/>
-            <pc:sldMk cId="3976178676" sldId="260"/>
-            <ac:spMk id="34" creationId="{7049A7D3-684C-4C59-A4B6-7B308A6AD34D}"/>
-          </ac:spMkLst>
-        </pc:spChg>
-        <pc:spChg chg="add">
-          <ac:chgData name="Margo Bonal" userId="18c9fa0f-b53d-478b-9dc0-6ad88786c19f" providerId="ADAL" clId="{57E2D5E0-CA32-47BE-A2DC-7B0365E99328}" dt="2026-01-29T23:26:08.549" v="56" actId="26606"/>
-          <ac:spMkLst>
-            <pc:docMk/>
-            <pc:sldMk cId="3976178676" sldId="260"/>
-            <ac:spMk id="36" creationId="{D7B1087B-C592-40E7-B532-60B453A2FE6A}"/>
-          </ac:spMkLst>
-        </pc:spChg>
-        <pc:spChg chg="add">
-          <ac:chgData name="Margo Bonal" userId="18c9fa0f-b53d-478b-9dc0-6ad88786c19f" providerId="ADAL" clId="{57E2D5E0-CA32-47BE-A2DC-7B0365E99328}" dt="2026-01-29T23:26:08.549" v="56" actId="26606"/>
-          <ac:spMkLst>
-            <pc:docMk/>
-            <pc:sldMk cId="3976178676" sldId="260"/>
-            <ac:spMk id="44" creationId="{0680B5D0-24EC-465A-A0E6-C4DF951E0043}"/>
-          </ac:spMkLst>
-        </pc:spChg>
-        <pc:spChg chg="add">
-          <ac:chgData name="Margo Bonal" userId="18c9fa0f-b53d-478b-9dc0-6ad88786c19f" providerId="ADAL" clId="{57E2D5E0-CA32-47BE-A2DC-7B0365E99328}" dt="2026-01-29T23:26:08.549" v="56" actId="26606"/>
-          <ac:spMkLst>
-            <pc:docMk/>
-            <pc:sldMk cId="3976178676" sldId="260"/>
-            <ac:spMk id="46" creationId="{30BF1B50-A83E-4ED6-A2AA-C943C1F89F85}"/>
-          </ac:spMkLst>
-        </pc:spChg>
-        <pc:spChg chg="add">
-          <ac:chgData name="Margo Bonal" userId="18c9fa0f-b53d-478b-9dc0-6ad88786c19f" providerId="ADAL" clId="{57E2D5E0-CA32-47BE-A2DC-7B0365E99328}" dt="2026-01-29T23:26:08.549" v="56" actId="26606"/>
-          <ac:spMkLst>
-            <pc:docMk/>
-            <pc:sldMk cId="3976178676" sldId="260"/>
-            <ac:spMk id="50" creationId="{6B387409-2B98-40F8-A65F-EF7CF989512F}"/>
-          </ac:spMkLst>
-        </pc:spChg>
-        <pc:grpChg chg="add">
-          <ac:chgData name="Margo Bonal" userId="18c9fa0f-b53d-478b-9dc0-6ad88786c19f" providerId="ADAL" clId="{57E2D5E0-CA32-47BE-A2DC-7B0365E99328}" dt="2026-01-29T23:25:57.499" v="53" actId="26606"/>
-          <ac:grpSpMkLst>
-            <pc:docMk/>
-            <pc:sldMk cId="3976178676" sldId="260"/>
-            <ac:grpSpMk id="27" creationId="{C9E5F284-A588-4AE7-A36D-1C93E4FD0241}"/>
-          </ac:grpSpMkLst>
-        </pc:grpChg>
-        <pc:picChg chg="add del mod">
-          <ac:chgData name="Margo Bonal" userId="18c9fa0f-b53d-478b-9dc0-6ad88786c19f" providerId="ADAL" clId="{57E2D5E0-CA32-47BE-A2DC-7B0365E99328}" dt="2026-01-29T23:27:29.081" v="106" actId="478"/>
-          <ac:picMkLst>
-            <pc:docMk/>
-            <pc:sldMk cId="3976178676" sldId="260"/>
-            <ac:picMk id="4" creationId="{5583A2AF-30A6-507B-FC50-43A58E77C611}"/>
-          </ac:picMkLst>
-        </pc:picChg>
-        <pc:picChg chg="del">
-          <ac:chgData name="Margo Bonal" userId="18c9fa0f-b53d-478b-9dc0-6ad88786c19f" providerId="ADAL" clId="{57E2D5E0-CA32-47BE-A2DC-7B0365E99328}" dt="2026-01-29T23:25:12.698" v="48" actId="478"/>
-          <ac:picMkLst>
-            <pc:docMk/>
-            <pc:sldMk cId="3976178676" sldId="260"/>
-            <ac:picMk id="9" creationId="{6E147BA7-C2BD-F75F-6AA7-20EB6ABC1BE7}"/>
-          </ac:picMkLst>
-        </pc:picChg>
-      </pc:sldChg>
       <pc:sldChg chg="addSp delSp modSp new mod setBg setClrOvrMap">
-        <pc:chgData name="Margo Bonal" userId="18c9fa0f-b53d-478b-9dc0-6ad88786c19f" providerId="ADAL" clId="{57E2D5E0-CA32-47BE-A2DC-7B0365E99328}" dt="2026-01-29T23:43:31.332" v="214" actId="1076"/>
+        <pc:chgData name="Margo Bonal" userId="18c9fa0f-b53d-478b-9dc0-6ad88786c19f" providerId="ADAL" clId="{57E2D5E0-CA32-47BE-A2DC-7B0365E99328}" dt="2026-01-31T22:56:10.416" v="1165" actId="208"/>
         <pc:sldMkLst>
           <pc:docMk/>
           <pc:sldMk cId="3708001290" sldId="261"/>
         </pc:sldMkLst>
-        <pc:spChg chg="del">
-          <ac:chgData name="Margo Bonal" userId="18c9fa0f-b53d-478b-9dc0-6ad88786c19f" providerId="ADAL" clId="{57E2D5E0-CA32-47BE-A2DC-7B0365E99328}" dt="2026-01-29T23:18:31.311" v="1" actId="21"/>
-          <ac:spMkLst>
-            <pc:docMk/>
-            <pc:sldMk cId="3708001290" sldId="261"/>
-            <ac:spMk id="2" creationId="{EE571224-8117-917B-B3AF-0F50A609ADFF}"/>
-          </ac:spMkLst>
-        </pc:spChg>
-        <pc:spChg chg="add del mod">
-          <ac:chgData name="Margo Bonal" userId="18c9fa0f-b53d-478b-9dc0-6ad88786c19f" providerId="ADAL" clId="{57E2D5E0-CA32-47BE-A2DC-7B0365E99328}" dt="2026-01-29T23:18:46.550" v="11" actId="22"/>
-          <ac:spMkLst>
-            <pc:docMk/>
-            <pc:sldMk cId="3708001290" sldId="261"/>
-            <ac:spMk id="3" creationId="{56DC0684-1B81-2E00-8554-4272FAED3EB3}"/>
-          </ac:spMkLst>
-        </pc:spChg>
-        <pc:spChg chg="add mod">
-          <ac:chgData name="Margo Bonal" userId="18c9fa0f-b53d-478b-9dc0-6ad88786c19f" providerId="ADAL" clId="{57E2D5E0-CA32-47BE-A2DC-7B0365E99328}" dt="2026-01-29T23:18:39.773" v="8"/>
-          <ac:spMkLst>
-            <pc:docMk/>
-            <pc:sldMk cId="3708001290" sldId="261"/>
-            <ac:spMk id="4" creationId="{EE571224-8117-917B-B3AF-0F50A609ADFF}"/>
-          </ac:spMkLst>
-        </pc:spChg>
-        <pc:spChg chg="add del mod ord">
-          <ac:chgData name="Margo Bonal" userId="18c9fa0f-b53d-478b-9dc0-6ad88786c19f" providerId="ADAL" clId="{57E2D5E0-CA32-47BE-A2DC-7B0365E99328}" dt="2026-01-29T23:40:53.105" v="178" actId="21"/>
-          <ac:spMkLst>
-            <pc:docMk/>
-            <pc:sldMk cId="3708001290" sldId="261"/>
-            <ac:spMk id="8" creationId="{ECD6F106-7412-EE95-048F-100B7B5878BB}"/>
-          </ac:spMkLst>
-        </pc:spChg>
-        <pc:spChg chg="add del">
-          <ac:chgData name="Margo Bonal" userId="18c9fa0f-b53d-478b-9dc0-6ad88786c19f" providerId="ADAL" clId="{57E2D5E0-CA32-47BE-A2DC-7B0365E99328}" dt="2026-01-29T23:21:35.714" v="26" actId="26606"/>
-          <ac:spMkLst>
-            <pc:docMk/>
-            <pc:sldMk cId="3708001290" sldId="261"/>
-            <ac:spMk id="11" creationId="{ECC4F6A0-FB5D-824C-E58B-FD21D4971488}"/>
-          </ac:spMkLst>
-        </pc:spChg>
-        <pc:spChg chg="add del">
-          <ac:chgData name="Margo Bonal" userId="18c9fa0f-b53d-478b-9dc0-6ad88786c19f" providerId="ADAL" clId="{57E2D5E0-CA32-47BE-A2DC-7B0365E99328}" dt="2026-01-29T23:21:35.714" v="26" actId="26606"/>
-          <ac:spMkLst>
-            <pc:docMk/>
-            <pc:sldMk cId="3708001290" sldId="261"/>
-            <ac:spMk id="14" creationId="{472095BC-C06B-45BD-A206-0F75C6A4A963}"/>
-          </ac:spMkLst>
-        </pc:spChg>
-        <pc:spChg chg="add del">
-          <ac:chgData name="Margo Bonal" userId="18c9fa0f-b53d-478b-9dc0-6ad88786c19f" providerId="ADAL" clId="{57E2D5E0-CA32-47BE-A2DC-7B0365E99328}" dt="2026-01-29T23:21:35.714" v="26" actId="26606"/>
-          <ac:spMkLst>
-            <pc:docMk/>
-            <pc:sldMk cId="3708001290" sldId="261"/>
-            <ac:spMk id="16" creationId="{4D40AAF3-394B-453B-8AF1-B796F8F9F977}"/>
-          </ac:spMkLst>
-        </pc:spChg>
-        <pc:spChg chg="add del">
-          <ac:chgData name="Margo Bonal" userId="18c9fa0f-b53d-478b-9dc0-6ad88786c19f" providerId="ADAL" clId="{57E2D5E0-CA32-47BE-A2DC-7B0365E99328}" dt="2026-01-29T23:41:56.627" v="188" actId="26606"/>
-          <ac:spMkLst>
-            <pc:docMk/>
-            <pc:sldMk cId="3708001290" sldId="261"/>
-            <ac:spMk id="17" creationId="{F79FF99C-BAA9-404F-9C96-6DD456B4F795}"/>
-          </ac:spMkLst>
-        </pc:spChg>
-        <pc:spChg chg="add del">
-          <ac:chgData name="Margo Bonal" userId="18c9fa0f-b53d-478b-9dc0-6ad88786c19f" providerId="ADAL" clId="{57E2D5E0-CA32-47BE-A2DC-7B0365E99328}" dt="2026-01-29T23:21:35.714" v="26" actId="26606"/>
-          <ac:spMkLst>
-            <pc:docMk/>
-            <pc:sldMk cId="3708001290" sldId="261"/>
-            <ac:spMk id="18" creationId="{A4D0672D-43C7-420C-A186-48122D7CD59D}"/>
-          </ac:spMkLst>
-        </pc:spChg>
-        <pc:spChg chg="add del">
-          <ac:chgData name="Margo Bonal" userId="18c9fa0f-b53d-478b-9dc0-6ad88786c19f" providerId="ADAL" clId="{57E2D5E0-CA32-47BE-A2DC-7B0365E99328}" dt="2026-01-29T23:40:58.949" v="180" actId="21"/>
-          <ac:spMkLst>
-            <pc:docMk/>
-            <pc:sldMk cId="3708001290" sldId="261"/>
-            <ac:spMk id="19" creationId="{5B0EF5D3-4F03-DCC4-E9C4-25515AAAA5C6}"/>
-          </ac:spMkLst>
-        </pc:spChg>
-        <pc:spChg chg="add del">
-          <ac:chgData name="Margo Bonal" userId="18c9fa0f-b53d-478b-9dc0-6ad88786c19f" providerId="ADAL" clId="{57E2D5E0-CA32-47BE-A2DC-7B0365E99328}" dt="2026-01-29T23:41:56.627" v="188" actId="26606"/>
-          <ac:spMkLst>
-            <pc:docMk/>
-            <pc:sldMk cId="3708001290" sldId="261"/>
-            <ac:spMk id="21" creationId="{49C44AFD-C72D-4D9C-84C6-73E615CED884}"/>
-          </ac:spMkLst>
-        </pc:spChg>
-        <pc:spChg chg="add del">
-          <ac:chgData name="Margo Bonal" userId="18c9fa0f-b53d-478b-9dc0-6ad88786c19f" providerId="ADAL" clId="{57E2D5E0-CA32-47BE-A2DC-7B0365E99328}" dt="2026-01-29T23:21:45.276" v="32" actId="26606"/>
-          <ac:spMkLst>
-            <pc:docMk/>
-            <pc:sldMk cId="3708001290" sldId="261"/>
-            <ac:spMk id="22" creationId="{49B7FFA5-14CB-4A4F-9BCC-CA3AA5D9D276}"/>
-          </ac:spMkLst>
-        </pc:spChg>
-        <pc:spChg chg="add del">
-          <ac:chgData name="Margo Bonal" userId="18c9fa0f-b53d-478b-9dc0-6ad88786c19f" providerId="ADAL" clId="{57E2D5E0-CA32-47BE-A2DC-7B0365E99328}" dt="2026-01-29T23:21:37.261" v="28" actId="26606"/>
-          <ac:spMkLst>
-            <pc:docMk/>
-            <pc:sldMk cId="3708001290" sldId="261"/>
-            <ac:spMk id="24" creationId="{BCE5EFF9-B12A-4A10-94DD-F33EDBCD2707}"/>
-          </ac:spMkLst>
-        </pc:spChg>
-        <pc:spChg chg="add del">
-          <ac:chgData name="Margo Bonal" userId="18c9fa0f-b53d-478b-9dc0-6ad88786c19f" providerId="ADAL" clId="{57E2D5E0-CA32-47BE-A2DC-7B0365E99328}" dt="2026-01-29T23:21:37.261" v="28" actId="26606"/>
-          <ac:spMkLst>
-            <pc:docMk/>
-            <pc:sldMk cId="3708001290" sldId="261"/>
-            <ac:spMk id="25" creationId="{426EEE46-1E2E-459B-85C5-B12A77BED95B}"/>
-          </ac:spMkLst>
-        </pc:spChg>
-        <pc:spChg chg="add del">
-          <ac:chgData name="Margo Bonal" userId="18c9fa0f-b53d-478b-9dc0-6ad88786c19f" providerId="ADAL" clId="{57E2D5E0-CA32-47BE-A2DC-7B0365E99328}" dt="2026-01-29T23:21:37.261" v="28" actId="26606"/>
-          <ac:spMkLst>
-            <pc:docMk/>
-            <pc:sldMk cId="3708001290" sldId="261"/>
-            <ac:spMk id="26" creationId="{4F1CA82B-BE28-9691-C9BC-1E30F6A266CC}"/>
-          </ac:spMkLst>
-        </pc:spChg>
-        <pc:spChg chg="add del">
-          <ac:chgData name="Margo Bonal" userId="18c9fa0f-b53d-478b-9dc0-6ad88786c19f" providerId="ADAL" clId="{57E2D5E0-CA32-47BE-A2DC-7B0365E99328}" dt="2026-01-29T23:21:38.575" v="30" actId="26606"/>
-          <ac:spMkLst>
-            <pc:docMk/>
-            <pc:sldMk cId="3708001290" sldId="261"/>
-            <ac:spMk id="30" creationId="{881BB01C-2DAE-48BD-8E81-DAE2E1BC4DA8}"/>
-          </ac:spMkLst>
-        </pc:spChg>
-        <pc:spChg chg="add del">
-          <ac:chgData name="Margo Bonal" userId="18c9fa0f-b53d-478b-9dc0-6ad88786c19f" providerId="ADAL" clId="{57E2D5E0-CA32-47BE-A2DC-7B0365E99328}" dt="2026-01-29T23:21:38.575" v="30" actId="26606"/>
-          <ac:spMkLst>
-            <pc:docMk/>
-            <pc:sldMk cId="3708001290" sldId="261"/>
-            <ac:spMk id="31" creationId="{ED8BAB6F-1566-78A6-0273-D246A03D561E}"/>
-          </ac:spMkLst>
-        </pc:spChg>
         <pc:spChg chg="add">
           <ac:chgData name="Margo Bonal" userId="18c9fa0f-b53d-478b-9dc0-6ad88786c19f" providerId="ADAL" clId="{57E2D5E0-CA32-47BE-A2DC-7B0365E99328}" dt="2026-01-29T23:41:56.627" v="188" actId="26606"/>
           <ac:spMkLst>
@@ -611,62 +404,6 @@
             <ac:spMk id="34" creationId="{417CDA24-35F8-4540-8C52-3096D6D94949}"/>
           </ac:spMkLst>
         </pc:spChg>
-        <pc:spChg chg="add del">
-          <ac:chgData name="Margo Bonal" userId="18c9fa0f-b53d-478b-9dc0-6ad88786c19f" providerId="ADAL" clId="{57E2D5E0-CA32-47BE-A2DC-7B0365E99328}" dt="2026-01-29T23:21:45.276" v="32" actId="26606"/>
-          <ac:spMkLst>
-            <pc:docMk/>
-            <pc:sldMk cId="3708001290" sldId="261"/>
-            <ac:spMk id="35" creationId="{E009DD9B-5EE2-4C0D-8B2B-351C8C102205}"/>
-          </ac:spMkLst>
-        </pc:spChg>
-        <pc:spChg chg="add del">
-          <ac:chgData name="Margo Bonal" userId="18c9fa0f-b53d-478b-9dc0-6ad88786c19f" providerId="ADAL" clId="{57E2D5E0-CA32-47BE-A2DC-7B0365E99328}" dt="2026-01-29T23:21:45.276" v="32" actId="26606"/>
-          <ac:spMkLst>
-            <pc:docMk/>
-            <pc:sldMk cId="3708001290" sldId="261"/>
-            <ac:spMk id="36" creationId="{E720DB99-7745-4E75-9D96-AAB6D55C531E}"/>
-          </ac:spMkLst>
-        </pc:spChg>
-        <pc:spChg chg="add del">
-          <ac:chgData name="Margo Bonal" userId="18c9fa0f-b53d-478b-9dc0-6ad88786c19f" providerId="ADAL" clId="{57E2D5E0-CA32-47BE-A2DC-7B0365E99328}" dt="2026-01-29T23:21:45.276" v="32" actId="26606"/>
-          <ac:spMkLst>
-            <pc:docMk/>
-            <pc:sldMk cId="3708001290" sldId="261"/>
-            <ac:spMk id="37" creationId="{D68803C4-E159-4360-B7BB-74205C8F782D}"/>
-          </ac:spMkLst>
-        </pc:spChg>
-        <pc:spChg chg="add del">
-          <ac:chgData name="Margo Bonal" userId="18c9fa0f-b53d-478b-9dc0-6ad88786c19f" providerId="ADAL" clId="{57E2D5E0-CA32-47BE-A2DC-7B0365E99328}" dt="2026-01-29T23:21:45.276" v="32" actId="26606"/>
-          <ac:spMkLst>
-            <pc:docMk/>
-            <pc:sldMk cId="3708001290" sldId="261"/>
-            <ac:spMk id="38" creationId="{D9CDF205-F532-1A6E-5E26-83DE13D8D6F7}"/>
-          </ac:spMkLst>
-        </pc:spChg>
-        <pc:spChg chg="add del">
-          <ac:chgData name="Margo Bonal" userId="18c9fa0f-b53d-478b-9dc0-6ad88786c19f" providerId="ADAL" clId="{57E2D5E0-CA32-47BE-A2DC-7B0365E99328}" dt="2026-01-29T23:21:45.276" v="32" actId="26606"/>
-          <ac:spMkLst>
-            <pc:docMk/>
-            <pc:sldMk cId="3708001290" sldId="261"/>
-            <ac:spMk id="39" creationId="{504B0465-3B07-49BF-BEA7-D81476246293}"/>
-          </ac:spMkLst>
-        </pc:spChg>
-        <pc:spChg chg="add del">
-          <ac:chgData name="Margo Bonal" userId="18c9fa0f-b53d-478b-9dc0-6ad88786c19f" providerId="ADAL" clId="{57E2D5E0-CA32-47BE-A2DC-7B0365E99328}" dt="2026-01-29T23:21:45.276" v="32" actId="26606"/>
-          <ac:spMkLst>
-            <pc:docMk/>
-            <pc:sldMk cId="3708001290" sldId="261"/>
-            <ac:spMk id="40" creationId="{04E48745-7512-4EC2-9E20-9092D12150CA}"/>
-          </ac:spMkLst>
-        </pc:spChg>
-        <pc:spChg chg="add del mod">
-          <ac:chgData name="Margo Bonal" userId="18c9fa0f-b53d-478b-9dc0-6ad88786c19f" providerId="ADAL" clId="{57E2D5E0-CA32-47BE-A2DC-7B0365E99328}" dt="2026-01-29T23:40:55.693" v="179" actId="21"/>
-          <ac:spMkLst>
-            <pc:docMk/>
-            <pc:sldMk cId="3708001290" sldId="261"/>
-            <ac:spMk id="41" creationId="{514A85F9-F22B-7C42-BEA2-0A2DAC51125B}"/>
-          </ac:spMkLst>
-        </pc:spChg>
         <pc:spChg chg="add">
           <ac:chgData name="Margo Bonal" userId="18c9fa0f-b53d-478b-9dc0-6ad88786c19f" providerId="ADAL" clId="{57E2D5E0-CA32-47BE-A2DC-7B0365E99328}" dt="2026-01-29T23:41:56.627" v="188" actId="26606"/>
           <ac:spMkLst>
@@ -675,56 +412,16 @@
             <ac:spMk id="42" creationId="{FA75DFED-A0C1-4A83-BE1D-0271C1826EF6}"/>
           </ac:spMkLst>
         </pc:spChg>
-        <pc:grpChg chg="add del">
-          <ac:chgData name="Margo Bonal" userId="18c9fa0f-b53d-478b-9dc0-6ad88786c19f" providerId="ADAL" clId="{57E2D5E0-CA32-47BE-A2DC-7B0365E99328}" dt="2026-01-29T23:21:35.714" v="26" actId="26606"/>
-          <ac:grpSpMkLst>
-            <pc:docMk/>
-            <pc:sldMk cId="3708001290" sldId="261"/>
-            <ac:grpSpMk id="20" creationId="{D96E3E53-A85C-4F1C-8D49-274B28584203}"/>
-          </ac:grpSpMkLst>
-        </pc:grpChg>
-        <pc:grpChg chg="add del">
-          <ac:chgData name="Margo Bonal" userId="18c9fa0f-b53d-478b-9dc0-6ad88786c19f" providerId="ADAL" clId="{57E2D5E0-CA32-47BE-A2DC-7B0365E99328}" dt="2026-01-29T23:41:56.627" v="188" actId="26606"/>
-          <ac:grpSpMkLst>
-            <pc:docMk/>
-            <pc:sldMk cId="3708001290" sldId="261"/>
-            <ac:grpSpMk id="23" creationId="{1D25B14F-36E0-41E8-956F-CABEF1ADD65F}"/>
-          </ac:grpSpMkLst>
-        </pc:grpChg>
-        <pc:grpChg chg="add del">
-          <ac:chgData name="Margo Bonal" userId="18c9fa0f-b53d-478b-9dc0-6ad88786c19f" providerId="ADAL" clId="{57E2D5E0-CA32-47BE-A2DC-7B0365E99328}" dt="2026-01-29T23:21:37.261" v="28" actId="26606"/>
-          <ac:grpSpMkLst>
-            <pc:docMk/>
-            <pc:sldMk cId="3708001290" sldId="261"/>
-            <ac:grpSpMk id="27" creationId="{BB3C3B5B-B6A2-4C52-831F-3D4FBEF9254F}"/>
-          </ac:grpSpMkLst>
-        </pc:grpChg>
-        <pc:grpChg chg="add del">
-          <ac:chgData name="Margo Bonal" userId="18c9fa0f-b53d-478b-9dc0-6ad88786c19f" providerId="ADAL" clId="{57E2D5E0-CA32-47BE-A2DC-7B0365E99328}" dt="2026-01-29T23:21:38.575" v="30" actId="26606"/>
-          <ac:grpSpMkLst>
-            <pc:docMk/>
-            <pc:sldMk cId="3708001290" sldId="261"/>
-            <ac:grpSpMk id="32" creationId="{AD55FF18-1979-4730-A345-E74E328F0777}"/>
-          </ac:grpSpMkLst>
-        </pc:grpChg>
         <pc:picChg chg="add mod ord modCrop">
-          <ac:chgData name="Margo Bonal" userId="18c9fa0f-b53d-478b-9dc0-6ad88786c19f" providerId="ADAL" clId="{57E2D5E0-CA32-47BE-A2DC-7B0365E99328}" dt="2026-01-29T23:43:24.527" v="211" actId="1076"/>
+          <ac:chgData name="Margo Bonal" userId="18c9fa0f-b53d-478b-9dc0-6ad88786c19f" providerId="ADAL" clId="{57E2D5E0-CA32-47BE-A2DC-7B0365E99328}" dt="2026-01-31T22:56:03.567" v="1160" actId="208"/>
           <ac:picMkLst>
             <pc:docMk/>
             <pc:sldMk cId="3708001290" sldId="261"/>
             <ac:picMk id="6" creationId="{1CCEA760-AC1A-80DA-A52F-AB45225E82D7}"/>
           </ac:picMkLst>
         </pc:picChg>
-        <pc:picChg chg="add del mod modCrop">
-          <ac:chgData name="Margo Bonal" userId="18c9fa0f-b53d-478b-9dc0-6ad88786c19f" providerId="ADAL" clId="{57E2D5E0-CA32-47BE-A2DC-7B0365E99328}" dt="2026-01-29T23:21:48.093" v="33" actId="478"/>
-          <ac:picMkLst>
-            <pc:docMk/>
-            <pc:sldMk cId="3708001290" sldId="261"/>
-            <ac:picMk id="7" creationId="{A3B7E5B4-F618-2FC6-B825-6002AF6969CD}"/>
-          </ac:picMkLst>
-        </pc:picChg>
         <pc:picChg chg="add mod ord">
-          <ac:chgData name="Margo Bonal" userId="18c9fa0f-b53d-478b-9dc0-6ad88786c19f" providerId="ADAL" clId="{57E2D5E0-CA32-47BE-A2DC-7B0365E99328}" dt="2026-01-29T23:43:31.332" v="214" actId="1076"/>
+          <ac:chgData name="Margo Bonal" userId="18c9fa0f-b53d-478b-9dc0-6ad88786c19f" providerId="ADAL" clId="{57E2D5E0-CA32-47BE-A2DC-7B0365E99328}" dt="2026-01-31T22:56:10.416" v="1165" actId="208"/>
           <ac:picMkLst>
             <pc:docMk/>
             <pc:sldMk cId="3708001290" sldId="261"/>
@@ -732,7 +429,7 @@
           </ac:picMkLst>
         </pc:picChg>
         <pc:picChg chg="add mod">
-          <ac:chgData name="Margo Bonal" userId="18c9fa0f-b53d-478b-9dc0-6ad88786c19f" providerId="ADAL" clId="{57E2D5E0-CA32-47BE-A2DC-7B0365E99328}" dt="2026-01-29T23:43:26.683" v="212" actId="14100"/>
+          <ac:chgData name="Margo Bonal" userId="18c9fa0f-b53d-478b-9dc0-6ad88786c19f" providerId="ADAL" clId="{57E2D5E0-CA32-47BE-A2DC-7B0365E99328}" dt="2026-01-31T22:56:04.806" v="1161" actId="208"/>
           <ac:picMkLst>
             <pc:docMk/>
             <pc:sldMk cId="3708001290" sldId="261"/>
@@ -740,7 +437,7 @@
           </ac:picMkLst>
         </pc:picChg>
         <pc:picChg chg="add mod ord modCrop">
-          <ac:chgData name="Margo Bonal" userId="18c9fa0f-b53d-478b-9dc0-6ad88786c19f" providerId="ADAL" clId="{57E2D5E0-CA32-47BE-A2DC-7B0365E99328}" dt="2026-01-29T23:42:50.068" v="207" actId="1076"/>
+          <ac:chgData name="Margo Bonal" userId="18c9fa0f-b53d-478b-9dc0-6ad88786c19f" providerId="ADAL" clId="{57E2D5E0-CA32-47BE-A2DC-7B0365E99328}" dt="2026-01-31T22:56:08.647" v="1164" actId="208"/>
           <ac:picMkLst>
             <pc:docMk/>
             <pc:sldMk cId="3708001290" sldId="261"/>
@@ -748,78 +445,86 @@
           </ac:picMkLst>
         </pc:picChg>
       </pc:sldChg>
-      <pc:sldChg chg="addSp delSp modSp new mod">
-        <pc:chgData name="Margo Bonal" userId="18c9fa0f-b53d-478b-9dc0-6ad88786c19f" providerId="ADAL" clId="{57E2D5E0-CA32-47BE-A2DC-7B0365E99328}" dt="2026-01-29T23:38:01.731" v="123" actId="732"/>
+      <pc:sldChg chg="addSp delSp modSp new mod setBg">
+        <pc:chgData name="Margo Bonal" userId="18c9fa0f-b53d-478b-9dc0-6ad88786c19f" providerId="ADAL" clId="{57E2D5E0-CA32-47BE-A2DC-7B0365E99328}" dt="2026-01-31T22:55:59.473" v="1159" actId="208"/>
         <pc:sldMkLst>
           <pc:docMk/>
           <pc:sldMk cId="827058196" sldId="262"/>
         </pc:sldMkLst>
         <pc:spChg chg="mod">
-          <ac:chgData name="Margo Bonal" userId="18c9fa0f-b53d-478b-9dc0-6ad88786c19f" providerId="ADAL" clId="{57E2D5E0-CA32-47BE-A2DC-7B0365E99328}" dt="2026-01-29T23:37:41.799" v="120" actId="14100"/>
+          <ac:chgData name="Margo Bonal" userId="18c9fa0f-b53d-478b-9dc0-6ad88786c19f" providerId="ADAL" clId="{57E2D5E0-CA32-47BE-A2DC-7B0365E99328}" dt="2026-01-31T22:55:04.735" v="1148" actId="26606"/>
           <ac:spMkLst>
             <pc:docMk/>
             <pc:sldMk cId="827058196" sldId="262"/>
             <ac:spMk id="2" creationId="{3594D35B-E34D-531A-4357-21EE919D7179}"/>
           </ac:spMkLst>
         </pc:spChg>
-        <pc:spChg chg="del">
-          <ac:chgData name="Margo Bonal" userId="18c9fa0f-b53d-478b-9dc0-6ad88786c19f" providerId="ADAL" clId="{57E2D5E0-CA32-47BE-A2DC-7B0365E99328}" dt="2026-01-29T23:20:08.563" v="13" actId="22"/>
+        <pc:spChg chg="add">
+          <ac:chgData name="Margo Bonal" userId="18c9fa0f-b53d-478b-9dc0-6ad88786c19f" providerId="ADAL" clId="{57E2D5E0-CA32-47BE-A2DC-7B0365E99328}" dt="2026-01-31T22:55:04.735" v="1148" actId="26606"/>
           <ac:spMkLst>
             <pc:docMk/>
             <pc:sldMk cId="827058196" sldId="262"/>
-            <ac:spMk id="3" creationId="{8C9C7145-00BA-6376-4E0C-A139AE771192}"/>
+            <ac:spMk id="19" creationId="{DCC0DCE3-8753-43BB-86D2-6452D91E4179}"/>
           </ac:spMkLst>
         </pc:spChg>
-        <pc:spChg chg="add del mod">
-          <ac:chgData name="Margo Bonal" userId="18c9fa0f-b53d-478b-9dc0-6ad88786c19f" providerId="ADAL" clId="{57E2D5E0-CA32-47BE-A2DC-7B0365E99328}" dt="2026-01-29T23:21:50.341" v="34"/>
+        <pc:spChg chg="add">
+          <ac:chgData name="Margo Bonal" userId="18c9fa0f-b53d-478b-9dc0-6ad88786c19f" providerId="ADAL" clId="{57E2D5E0-CA32-47BE-A2DC-7B0365E99328}" dt="2026-01-31T22:55:04.735" v="1148" actId="26606"/>
           <ac:spMkLst>
             <pc:docMk/>
             <pc:sldMk cId="827058196" sldId="262"/>
-            <ac:spMk id="7" creationId="{0D572D9E-93CE-86A1-180B-A893EEFABB78}"/>
+            <ac:spMk id="21" creationId="{D28BC7A6-65CA-4655-8641-7BDE9699BF93}"/>
           </ac:spMkLst>
         </pc:spChg>
-        <pc:spChg chg="add del mod">
-          <ac:chgData name="Margo Bonal" userId="18c9fa0f-b53d-478b-9dc0-6ad88786c19f" providerId="ADAL" clId="{57E2D5E0-CA32-47BE-A2DC-7B0365E99328}" dt="2026-01-29T23:27:11.528" v="83" actId="478"/>
+        <pc:spChg chg="add">
+          <ac:chgData name="Margo Bonal" userId="18c9fa0f-b53d-478b-9dc0-6ad88786c19f" providerId="ADAL" clId="{57E2D5E0-CA32-47BE-A2DC-7B0365E99328}" dt="2026-01-31T22:55:04.735" v="1148" actId="26606"/>
           <ac:spMkLst>
             <pc:docMk/>
             <pc:sldMk cId="827058196" sldId="262"/>
-            <ac:spMk id="16" creationId="{36A18871-6392-DA03-57C1-A65D941BC1E7}"/>
+            <ac:spMk id="23" creationId="{58755CF4-45A8-4971-A14E-D6DE02B48273}"/>
           </ac:spMkLst>
         </pc:spChg>
-        <pc:picChg chg="add del mod ord">
-          <ac:chgData name="Margo Bonal" userId="18c9fa0f-b53d-478b-9dc0-6ad88786c19f" providerId="ADAL" clId="{57E2D5E0-CA32-47BE-A2DC-7B0365E99328}" dt="2026-01-29T23:20:52.791" v="16" actId="478"/>
-          <ac:picMkLst>
+        <pc:spChg chg="add">
+          <ac:chgData name="Margo Bonal" userId="18c9fa0f-b53d-478b-9dc0-6ad88786c19f" providerId="ADAL" clId="{57E2D5E0-CA32-47BE-A2DC-7B0365E99328}" dt="2026-01-31T22:55:04.735" v="1148" actId="26606"/>
+          <ac:spMkLst>
             <pc:docMk/>
             <pc:sldMk cId="827058196" sldId="262"/>
-            <ac:picMk id="5" creationId="{F14243CF-E359-D16E-C27C-69526E76AAFB}"/>
-          </ac:picMkLst>
-        </pc:picChg>
-        <pc:picChg chg="add del mod">
-          <ac:chgData name="Margo Bonal" userId="18c9fa0f-b53d-478b-9dc0-6ad88786c19f" providerId="ADAL" clId="{57E2D5E0-CA32-47BE-A2DC-7B0365E99328}" dt="2026-01-29T23:26:46.715" v="76" actId="478"/>
-          <ac:picMkLst>
+            <ac:spMk id="29" creationId="{B945C839-5223-449A-83FF-07A83C46BCEA}"/>
+          </ac:spMkLst>
+        </pc:spChg>
+        <pc:spChg chg="add">
+          <ac:chgData name="Margo Bonal" userId="18c9fa0f-b53d-478b-9dc0-6ad88786c19f" providerId="ADAL" clId="{57E2D5E0-CA32-47BE-A2DC-7B0365E99328}" dt="2026-01-31T22:55:04.735" v="1148" actId="26606"/>
+          <ac:spMkLst>
             <pc:docMk/>
             <pc:sldMk cId="827058196" sldId="262"/>
-            <ac:picMk id="8" creationId="{975FFE57-09E2-E0D4-A5A1-17356447D934}"/>
-          </ac:picMkLst>
-        </pc:picChg>
-        <pc:picChg chg="add mod">
-          <ac:chgData name="Margo Bonal" userId="18c9fa0f-b53d-478b-9dc0-6ad88786c19f" providerId="ADAL" clId="{57E2D5E0-CA32-47BE-A2DC-7B0365E99328}" dt="2026-01-29T23:27:13.803" v="84" actId="1076"/>
+            <ac:spMk id="31" creationId="{7D673E84-7710-46C2-AB60-0C54F719CC93}"/>
+          </ac:spMkLst>
+        </pc:spChg>
+        <pc:spChg chg="add">
+          <ac:chgData name="Margo Bonal" userId="18c9fa0f-b53d-478b-9dc0-6ad88786c19f" providerId="ADAL" clId="{57E2D5E0-CA32-47BE-A2DC-7B0365E99328}" dt="2026-01-31T22:55:04.735" v="1148" actId="26606"/>
+          <ac:spMkLst>
+            <pc:docMk/>
+            <pc:sldMk cId="827058196" sldId="262"/>
+            <ac:spMk id="33" creationId="{139CA32C-70F8-4CA5-AA5D-57191F4D875C}"/>
+          </ac:spMkLst>
+        </pc:spChg>
+        <pc:spChg chg="add">
+          <ac:chgData name="Margo Bonal" userId="18c9fa0f-b53d-478b-9dc0-6ad88786c19f" providerId="ADAL" clId="{57E2D5E0-CA32-47BE-A2DC-7B0365E99328}" dt="2026-01-31T22:55:04.735" v="1148" actId="26606"/>
+          <ac:spMkLst>
+            <pc:docMk/>
+            <pc:sldMk cId="827058196" sldId="262"/>
+            <ac:spMk id="35" creationId="{22A7090A-8739-4C0E-AE2B-E9574F8390E5}"/>
+          </ac:spMkLst>
+        </pc:spChg>
+        <pc:picChg chg="add mod ord">
+          <ac:chgData name="Margo Bonal" userId="18c9fa0f-b53d-478b-9dc0-6ad88786c19f" providerId="ADAL" clId="{57E2D5E0-CA32-47BE-A2DC-7B0365E99328}" dt="2026-01-31T22:55:59.473" v="1159" actId="208"/>
           <ac:picMkLst>
             <pc:docMk/>
             <pc:sldMk cId="827058196" sldId="262"/>
             <ac:picMk id="10" creationId="{3F76ABA8-33C8-2F6C-1D75-48BF572734BD}"/>
           </ac:picMkLst>
         </pc:picChg>
-        <pc:picChg chg="add del mod">
-          <ac:chgData name="Margo Bonal" userId="18c9fa0f-b53d-478b-9dc0-6ad88786c19f" providerId="ADAL" clId="{57E2D5E0-CA32-47BE-A2DC-7B0365E99328}" dt="2026-01-29T23:22:35.727" v="44" actId="21"/>
-          <ac:picMkLst>
-            <pc:docMk/>
-            <pc:sldMk cId="827058196" sldId="262"/>
-            <ac:picMk id="12" creationId="{45A01729-2B0D-969E-B73F-AA1BC68140EF}"/>
-          </ac:picMkLst>
-        </pc:picChg>
         <pc:picChg chg="add mod modCrop">
-          <ac:chgData name="Margo Bonal" userId="18c9fa0f-b53d-478b-9dc0-6ad88786c19f" providerId="ADAL" clId="{57E2D5E0-CA32-47BE-A2DC-7B0365E99328}" dt="2026-01-29T23:38:01.731" v="123" actId="732"/>
+          <ac:chgData name="Margo Bonal" userId="18c9fa0f-b53d-478b-9dc0-6ad88786c19f" providerId="ADAL" clId="{57E2D5E0-CA32-47BE-A2DC-7B0365E99328}" dt="2026-01-31T22:55:57.572" v="1158" actId="208"/>
           <ac:picMkLst>
             <pc:docMk/>
             <pc:sldMk cId="827058196" sldId="262"/>
@@ -828,7 +533,7 @@
         </pc:picChg>
       </pc:sldChg>
       <pc:sldChg chg="addSp delSp modSp new mod">
-        <pc:chgData name="Margo Bonal" userId="18c9fa0f-b53d-478b-9dc0-6ad88786c19f" providerId="ADAL" clId="{57E2D5E0-CA32-47BE-A2DC-7B0365E99328}" dt="2026-01-29T23:39:18.198" v="156" actId="1076"/>
+        <pc:chgData name="Margo Bonal" userId="18c9fa0f-b53d-478b-9dc0-6ad88786c19f" providerId="ADAL" clId="{57E2D5E0-CA32-47BE-A2DC-7B0365E99328}" dt="2026-01-31T22:55:50.874" v="1157" actId="208"/>
         <pc:sldMkLst>
           <pc:docMk/>
           <pc:sldMk cId="244322644" sldId="263"/>
@@ -841,16 +546,8 @@
             <ac:spMk id="2" creationId="{3249A3CD-DB04-912A-5CE5-3B55E41D6AA3}"/>
           </ac:spMkLst>
         </pc:spChg>
-        <pc:spChg chg="del mod">
-          <ac:chgData name="Margo Bonal" userId="18c9fa0f-b53d-478b-9dc0-6ad88786c19f" providerId="ADAL" clId="{57E2D5E0-CA32-47BE-A2DC-7B0365E99328}" dt="2026-01-29T23:27:39.183" v="109"/>
-          <ac:spMkLst>
-            <pc:docMk/>
-            <pc:sldMk cId="244322644" sldId="263"/>
-            <ac:spMk id="3" creationId="{232564BA-69B4-7EEB-1DBC-AE9BCCFE6512}"/>
-          </ac:spMkLst>
-        </pc:spChg>
         <pc:picChg chg="add mod">
-          <ac:chgData name="Margo Bonal" userId="18c9fa0f-b53d-478b-9dc0-6ad88786c19f" providerId="ADAL" clId="{57E2D5E0-CA32-47BE-A2DC-7B0365E99328}" dt="2026-01-29T23:39:18.198" v="156" actId="1076"/>
+          <ac:chgData name="Margo Bonal" userId="18c9fa0f-b53d-478b-9dc0-6ad88786c19f" providerId="ADAL" clId="{57E2D5E0-CA32-47BE-A2DC-7B0365E99328}" dt="2026-01-31T22:55:50.874" v="1157" actId="208"/>
           <ac:picMkLst>
             <pc:docMk/>
             <pc:sldMk cId="244322644" sldId="263"/>
@@ -858,30 +555,78 @@
           </ac:picMkLst>
         </pc:picChg>
       </pc:sldChg>
-      <pc:sldChg chg="addSp delSp modSp new mod">
-        <pc:chgData name="Margo Bonal" userId="18c9fa0f-b53d-478b-9dc0-6ad88786c19f" providerId="ADAL" clId="{57E2D5E0-CA32-47BE-A2DC-7B0365E99328}" dt="2026-01-29T23:44:47.657" v="221" actId="1076"/>
+      <pc:sldChg chg="addSp delSp modSp new mod setBg">
+        <pc:chgData name="Margo Bonal" userId="18c9fa0f-b53d-478b-9dc0-6ad88786c19f" providerId="ADAL" clId="{57E2D5E0-CA32-47BE-A2DC-7B0365E99328}" dt="2026-01-31T22:55:46.707" v="1156" actId="208"/>
         <pc:sldMkLst>
           <pc:docMk/>
           <pc:sldMk cId="2606255758" sldId="264"/>
         </pc:sldMkLst>
         <pc:spChg chg="mod">
-          <ac:chgData name="Margo Bonal" userId="18c9fa0f-b53d-478b-9dc0-6ad88786c19f" providerId="ADAL" clId="{57E2D5E0-CA32-47BE-A2DC-7B0365E99328}" dt="2026-01-29T23:38:28.917" v="135" actId="1076"/>
+          <ac:chgData name="Margo Bonal" userId="18c9fa0f-b53d-478b-9dc0-6ad88786c19f" providerId="ADAL" clId="{57E2D5E0-CA32-47BE-A2DC-7B0365E99328}" dt="2026-01-31T21:40:36.171" v="915" actId="26606"/>
           <ac:spMkLst>
             <pc:docMk/>
             <pc:sldMk cId="2606255758" sldId="264"/>
             <ac:spMk id="2" creationId="{BB471BEF-397F-CD19-178F-7E172611960F}"/>
           </ac:spMkLst>
         </pc:spChg>
-        <pc:spChg chg="del">
-          <ac:chgData name="Margo Bonal" userId="18c9fa0f-b53d-478b-9dc0-6ad88786c19f" providerId="ADAL" clId="{57E2D5E0-CA32-47BE-A2DC-7B0365E99328}" dt="2026-01-29T23:31:01.105" v="115" actId="22"/>
+        <pc:spChg chg="add del">
+          <ac:chgData name="Margo Bonal" userId="18c9fa0f-b53d-478b-9dc0-6ad88786c19f" providerId="ADAL" clId="{57E2D5E0-CA32-47BE-A2DC-7B0365E99328}" dt="2026-01-31T21:40:36.171" v="915" actId="26606"/>
           <ac:spMkLst>
             <pc:docMk/>
             <pc:sldMk cId="2606255758" sldId="264"/>
-            <ac:spMk id="3" creationId="{BD1B241B-5B08-ED7A-6F73-B1148A3366B9}"/>
+            <ac:spMk id="9" creationId="{E0095938-6E37-BFC7-3EAE-7921A60376D5}"/>
           </ac:spMkLst>
         </pc:spChg>
-        <pc:picChg chg="add mod ord">
-          <ac:chgData name="Margo Bonal" userId="18c9fa0f-b53d-478b-9dc0-6ad88786c19f" providerId="ADAL" clId="{57E2D5E0-CA32-47BE-A2DC-7B0365E99328}" dt="2026-01-29T23:44:47.657" v="221" actId="1076"/>
+        <pc:spChg chg="add del">
+          <ac:chgData name="Margo Bonal" userId="18c9fa0f-b53d-478b-9dc0-6ad88786c19f" providerId="ADAL" clId="{57E2D5E0-CA32-47BE-A2DC-7B0365E99328}" dt="2026-01-31T21:40:36.171" v="915" actId="26606"/>
+          <ac:spMkLst>
+            <pc:docMk/>
+            <pc:sldMk cId="2606255758" sldId="264"/>
+            <ac:spMk id="12" creationId="{E009DD9B-5EE2-4C0D-8B2B-351C8C102205}"/>
+          </ac:spMkLst>
+        </pc:spChg>
+        <pc:spChg chg="add del">
+          <ac:chgData name="Margo Bonal" userId="18c9fa0f-b53d-478b-9dc0-6ad88786c19f" providerId="ADAL" clId="{57E2D5E0-CA32-47BE-A2DC-7B0365E99328}" dt="2026-01-31T21:40:36.171" v="915" actId="26606"/>
+          <ac:spMkLst>
+            <pc:docMk/>
+            <pc:sldMk cId="2606255758" sldId="264"/>
+            <ac:spMk id="14" creationId="{E720DB99-7745-4E75-9D96-AAB6D55C531E}"/>
+          </ac:spMkLst>
+        </pc:spChg>
+        <pc:spChg chg="add del">
+          <ac:chgData name="Margo Bonal" userId="18c9fa0f-b53d-478b-9dc0-6ad88786c19f" providerId="ADAL" clId="{57E2D5E0-CA32-47BE-A2DC-7B0365E99328}" dt="2026-01-31T21:40:36.171" v="915" actId="26606"/>
+          <ac:spMkLst>
+            <pc:docMk/>
+            <pc:sldMk cId="2606255758" sldId="264"/>
+            <ac:spMk id="16" creationId="{D68803C4-E159-4360-B7BB-74205C8F782D}"/>
+          </ac:spMkLst>
+        </pc:spChg>
+        <pc:spChg chg="add del">
+          <ac:chgData name="Margo Bonal" userId="18c9fa0f-b53d-478b-9dc0-6ad88786c19f" providerId="ADAL" clId="{57E2D5E0-CA32-47BE-A2DC-7B0365E99328}" dt="2026-01-31T21:40:36.171" v="915" actId="26606"/>
+          <ac:spMkLst>
+            <pc:docMk/>
+            <pc:sldMk cId="2606255758" sldId="264"/>
+            <ac:spMk id="18" creationId="{504B0465-3B07-49BF-BEA7-D81476246293}"/>
+          </ac:spMkLst>
+        </pc:spChg>
+        <pc:spChg chg="add del">
+          <ac:chgData name="Margo Bonal" userId="18c9fa0f-b53d-478b-9dc0-6ad88786c19f" providerId="ADAL" clId="{57E2D5E0-CA32-47BE-A2DC-7B0365E99328}" dt="2026-01-31T21:40:36.171" v="915" actId="26606"/>
+          <ac:spMkLst>
+            <pc:docMk/>
+            <pc:sldMk cId="2606255758" sldId="264"/>
+            <ac:spMk id="20" creationId="{49B7FFA5-14CB-4A4F-9BCC-CA3AA5D9D276}"/>
+          </ac:spMkLst>
+        </pc:spChg>
+        <pc:spChg chg="add del">
+          <ac:chgData name="Margo Bonal" userId="18c9fa0f-b53d-478b-9dc0-6ad88786c19f" providerId="ADAL" clId="{57E2D5E0-CA32-47BE-A2DC-7B0365E99328}" dt="2026-01-31T21:40:36.171" v="915" actId="26606"/>
+          <ac:spMkLst>
+            <pc:docMk/>
+            <pc:sldMk cId="2606255758" sldId="264"/>
+            <ac:spMk id="22" creationId="{04E48745-7512-4EC2-9E20-9092D12150CA}"/>
+          </ac:spMkLst>
+        </pc:spChg>
+        <pc:picChg chg="add mod ord modCrop">
+          <ac:chgData name="Margo Bonal" userId="18c9fa0f-b53d-478b-9dc0-6ad88786c19f" providerId="ADAL" clId="{57E2D5E0-CA32-47BE-A2DC-7B0365E99328}" dt="2026-01-31T22:55:46.707" v="1156" actId="208"/>
           <ac:picMkLst>
             <pc:docMk/>
             <pc:sldMk cId="2606255758" sldId="264"/>
@@ -889,9 +634,3292 @@
           </ac:picMkLst>
         </pc:picChg>
       </pc:sldChg>
+      <pc:sldChg chg="addSp delSp modSp new mod setBg">
+        <pc:chgData name="Margo Bonal" userId="18c9fa0f-b53d-478b-9dc0-6ad88786c19f" providerId="ADAL" clId="{57E2D5E0-CA32-47BE-A2DC-7B0365E99328}" dt="2026-01-31T23:00:22.227" v="1200" actId="26606"/>
+        <pc:sldMkLst>
+          <pc:docMk/>
+          <pc:sldMk cId="908531274" sldId="265"/>
+        </pc:sldMkLst>
+        <pc:spChg chg="mod">
+          <ac:chgData name="Margo Bonal" userId="18c9fa0f-b53d-478b-9dc0-6ad88786c19f" providerId="ADAL" clId="{57E2D5E0-CA32-47BE-A2DC-7B0365E99328}" dt="2026-01-31T22:59:56.003" v="1199" actId="26606"/>
+          <ac:spMkLst>
+            <pc:docMk/>
+            <pc:sldMk cId="908531274" sldId="265"/>
+            <ac:spMk id="2" creationId="{9CD0FCC9-9B2B-2FB9-60E5-72F1827F24DF}"/>
+          </ac:spMkLst>
+        </pc:spChg>
+        <pc:spChg chg="del mod">
+          <ac:chgData name="Margo Bonal" userId="18c9fa0f-b53d-478b-9dc0-6ad88786c19f" providerId="ADAL" clId="{57E2D5E0-CA32-47BE-A2DC-7B0365E99328}" dt="2026-01-31T22:56:39.406" v="1166" actId="26606"/>
+          <ac:spMkLst>
+            <pc:docMk/>
+            <pc:sldMk cId="908531274" sldId="265"/>
+            <ac:spMk id="3" creationId="{ADEF609F-1A65-2655-042C-775681874D96}"/>
+          </ac:spMkLst>
+        </pc:spChg>
+        <pc:spChg chg="add del">
+          <ac:chgData name="Margo Bonal" userId="18c9fa0f-b53d-478b-9dc0-6ad88786c19f" providerId="ADAL" clId="{57E2D5E0-CA32-47BE-A2DC-7B0365E99328}" dt="2026-01-31T21:41:16.840" v="941" actId="26606"/>
+          <ac:spMkLst>
+            <pc:docMk/>
+            <pc:sldMk cId="908531274" sldId="265"/>
+            <ac:spMk id="8" creationId="{5118BA95-03E7-41B7-B442-0AF8C0A7FF68}"/>
+          </ac:spMkLst>
+        </pc:spChg>
+        <pc:spChg chg="add del">
+          <ac:chgData name="Margo Bonal" userId="18c9fa0f-b53d-478b-9dc0-6ad88786c19f" providerId="ADAL" clId="{57E2D5E0-CA32-47BE-A2DC-7B0365E99328}" dt="2026-01-31T21:41:31.431" v="943" actId="26606"/>
+          <ac:spMkLst>
+            <pc:docMk/>
+            <pc:sldMk cId="908531274" sldId="265"/>
+            <ac:spMk id="9" creationId="{3964958D-AF5D-4863-B5FB-83F6B8CB12A0}"/>
+          </ac:spMkLst>
+        </pc:spChg>
+        <pc:spChg chg="add del">
+          <ac:chgData name="Margo Bonal" userId="18c9fa0f-b53d-478b-9dc0-6ad88786c19f" providerId="ADAL" clId="{57E2D5E0-CA32-47BE-A2DC-7B0365E99328}" dt="2026-01-31T21:41:16.840" v="941" actId="26606"/>
+          <ac:spMkLst>
+            <pc:docMk/>
+            <pc:sldMk cId="908531274" sldId="265"/>
+            <ac:spMk id="14" creationId="{AD9B3EAD-A2B3-42C4-927C-3455E3E69EE6}"/>
+          </ac:spMkLst>
+        </pc:spChg>
+        <pc:spChg chg="add del">
+          <ac:chgData name="Margo Bonal" userId="18c9fa0f-b53d-478b-9dc0-6ad88786c19f" providerId="ADAL" clId="{57E2D5E0-CA32-47BE-A2DC-7B0365E99328}" dt="2026-01-31T22:56:39.406" v="1166" actId="26606"/>
+          <ac:spMkLst>
+            <pc:docMk/>
+            <pc:sldMk cId="908531274" sldId="265"/>
+            <ac:spMk id="19" creationId="{5118BA95-03E7-41B7-B442-0AF8C0A7FF68}"/>
+          </ac:spMkLst>
+        </pc:spChg>
+        <pc:spChg chg="add del">
+          <ac:chgData name="Margo Bonal" userId="18c9fa0f-b53d-478b-9dc0-6ad88786c19f" providerId="ADAL" clId="{57E2D5E0-CA32-47BE-A2DC-7B0365E99328}" dt="2026-01-31T22:56:39.406" v="1166" actId="26606"/>
+          <ac:spMkLst>
+            <pc:docMk/>
+            <pc:sldMk cId="908531274" sldId="265"/>
+            <ac:spMk id="21" creationId="{AD9B3EAD-A2B3-42C4-927C-3455E3E69EE6}"/>
+          </ac:spMkLst>
+        </pc:spChg>
+        <pc:spChg chg="add del">
+          <ac:chgData name="Margo Bonal" userId="18c9fa0f-b53d-478b-9dc0-6ad88786c19f" providerId="ADAL" clId="{57E2D5E0-CA32-47BE-A2DC-7B0365E99328}" dt="2026-01-31T22:59:56.003" v="1199" actId="26606"/>
+          <ac:spMkLst>
+            <pc:docMk/>
+            <pc:sldMk cId="908531274" sldId="265"/>
+            <ac:spMk id="27" creationId="{5118BA95-03E7-41B7-B442-0AF8C0A7FF68}"/>
+          </ac:spMkLst>
+        </pc:spChg>
+        <pc:spChg chg="add del">
+          <ac:chgData name="Margo Bonal" userId="18c9fa0f-b53d-478b-9dc0-6ad88786c19f" providerId="ADAL" clId="{57E2D5E0-CA32-47BE-A2DC-7B0365E99328}" dt="2026-01-31T22:59:56.003" v="1199" actId="26606"/>
+          <ac:spMkLst>
+            <pc:docMk/>
+            <pc:sldMk cId="908531274" sldId="265"/>
+            <ac:spMk id="29" creationId="{059D8741-EAD6-41B1-A882-70D70FC35821}"/>
+          </ac:spMkLst>
+        </pc:spChg>
+        <pc:spChg chg="add del">
+          <ac:chgData name="Margo Bonal" userId="18c9fa0f-b53d-478b-9dc0-6ad88786c19f" providerId="ADAL" clId="{57E2D5E0-CA32-47BE-A2DC-7B0365E99328}" dt="2026-01-31T22:59:56.003" v="1199" actId="26606"/>
+          <ac:spMkLst>
+            <pc:docMk/>
+            <pc:sldMk cId="908531274" sldId="265"/>
+            <ac:spMk id="31" creationId="{45444F36-3103-4D11-A25F-C054D4606DA4}"/>
+          </ac:spMkLst>
+        </pc:spChg>
+        <pc:spChg chg="add del">
+          <ac:chgData name="Margo Bonal" userId="18c9fa0f-b53d-478b-9dc0-6ad88786c19f" providerId="ADAL" clId="{57E2D5E0-CA32-47BE-A2DC-7B0365E99328}" dt="2026-01-31T22:59:56.003" v="1199" actId="26606"/>
+          <ac:spMkLst>
+            <pc:docMk/>
+            <pc:sldMk cId="908531274" sldId="265"/>
+            <ac:spMk id="33" creationId="{AD9B3EAD-A2B3-42C4-927C-3455E3E69EE6}"/>
+          </ac:spMkLst>
+        </pc:spChg>
+        <pc:spChg chg="add del">
+          <ac:chgData name="Margo Bonal" userId="18c9fa0f-b53d-478b-9dc0-6ad88786c19f" providerId="ADAL" clId="{57E2D5E0-CA32-47BE-A2DC-7B0365E99328}" dt="2026-01-31T23:00:22.227" v="1200" actId="26606"/>
+          <ac:spMkLst>
+            <pc:docMk/>
+            <pc:sldMk cId="908531274" sldId="265"/>
+            <ac:spMk id="38" creationId="{3FD711E9-7F79-40A9-8D9E-4AE293C154A5}"/>
+          </ac:spMkLst>
+        </pc:spChg>
+        <pc:spChg chg="add">
+          <ac:chgData name="Margo Bonal" userId="18c9fa0f-b53d-478b-9dc0-6ad88786c19f" providerId="ADAL" clId="{57E2D5E0-CA32-47BE-A2DC-7B0365E99328}" dt="2026-01-31T23:00:22.227" v="1200" actId="26606"/>
+          <ac:spMkLst>
+            <pc:docMk/>
+            <pc:sldMk cId="908531274" sldId="265"/>
+            <ac:spMk id="43" creationId="{3FD711E9-7F79-40A9-8D9E-4AE293C154A5}"/>
+          </ac:spMkLst>
+        </pc:spChg>
+        <pc:grpChg chg="add del">
+          <ac:chgData name="Margo Bonal" userId="18c9fa0f-b53d-478b-9dc0-6ad88786c19f" providerId="ADAL" clId="{57E2D5E0-CA32-47BE-A2DC-7B0365E99328}" dt="2026-01-31T21:41:16.840" v="941" actId="26606"/>
+          <ac:grpSpMkLst>
+            <pc:docMk/>
+            <pc:sldMk cId="908531274" sldId="265"/>
+            <ac:grpSpMk id="10" creationId="{E799C3D5-7D55-4046-808C-F290F456D6EF}"/>
+          </ac:grpSpMkLst>
+        </pc:grpChg>
+        <pc:grpChg chg="add del">
+          <ac:chgData name="Margo Bonal" userId="18c9fa0f-b53d-478b-9dc0-6ad88786c19f" providerId="ADAL" clId="{57E2D5E0-CA32-47BE-A2DC-7B0365E99328}" dt="2026-01-31T21:41:31.431" v="943" actId="26606"/>
+          <ac:grpSpMkLst>
+            <pc:docMk/>
+            <pc:sldMk cId="908531274" sldId="265"/>
+            <ac:grpSpMk id="16" creationId="{11002ACD-3B0C-4885-8754-8A00E926FE4B}"/>
+          </ac:grpSpMkLst>
+        </pc:grpChg>
+        <pc:grpChg chg="add del">
+          <ac:chgData name="Margo Bonal" userId="18c9fa0f-b53d-478b-9dc0-6ad88786c19f" providerId="ADAL" clId="{57E2D5E0-CA32-47BE-A2DC-7B0365E99328}" dt="2026-01-31T22:56:39.406" v="1166" actId="26606"/>
+          <ac:grpSpMkLst>
+            <pc:docMk/>
+            <pc:sldMk cId="908531274" sldId="265"/>
+            <ac:grpSpMk id="20" creationId="{E799C3D5-7D55-4046-808C-F290F456D6EF}"/>
+          </ac:grpSpMkLst>
+        </pc:grpChg>
+        <pc:graphicFrameChg chg="add mod modGraphic">
+          <ac:chgData name="Margo Bonal" userId="18c9fa0f-b53d-478b-9dc0-6ad88786c19f" providerId="ADAL" clId="{57E2D5E0-CA32-47BE-A2DC-7B0365E99328}" dt="2026-01-31T23:00:22.227" v="1200" actId="26606"/>
+          <ac:graphicFrameMkLst>
+            <pc:docMk/>
+            <pc:sldMk cId="908531274" sldId="265"/>
+            <ac:graphicFrameMk id="23" creationId="{44CD89A8-8DA1-F116-3D4F-01244121EF2F}"/>
+          </ac:graphicFrameMkLst>
+        </pc:graphicFrameChg>
+        <pc:picChg chg="add del">
+          <ac:chgData name="Margo Bonal" userId="18c9fa0f-b53d-478b-9dc0-6ad88786c19f" providerId="ADAL" clId="{57E2D5E0-CA32-47BE-A2DC-7B0365E99328}" dt="2026-01-31T21:41:31.431" v="943" actId="26606"/>
+          <ac:picMkLst>
+            <pc:docMk/>
+            <pc:sldMk cId="908531274" sldId="265"/>
+            <ac:picMk id="5" creationId="{028B6E1E-2F7D-9DC1-E94E-CFB56EC1B68C}"/>
+          </ac:picMkLst>
+        </pc:picChg>
+      </pc:sldChg>
     </pc:docChg>
   </pc:docChgLst>
 </pc:chgInfo>
+</file>
+
+<file path=ppt/diagrams/colors1.xml><?xml version="1.0" encoding="utf-8"?>
+<dgm:colorsDef xmlns:dgm="http://schemas.openxmlformats.org/drawingml/2006/diagram" xmlns:a="http://schemas.openxmlformats.org/drawingml/2006/main" uniqueId="urn:microsoft.com/office/officeart/2005/8/colors/accent2_2">
+  <dgm:title val=""/>
+  <dgm:desc val=""/>
+  <dgm:catLst>
+    <dgm:cat type="accent2" pri="11200"/>
+  </dgm:catLst>
+  <dgm:styleLbl name="node0">
+    <dgm:fillClrLst meth="repeat">
+      <a:schemeClr val="accent2"/>
+    </dgm:fillClrLst>
+    <dgm:linClrLst meth="repeat">
+      <a:schemeClr val="lt1"/>
+    </dgm:linClrLst>
+    <dgm:effectClrLst/>
+    <dgm:txLinClrLst/>
+    <dgm:txFillClrLst/>
+    <dgm:txEffectClrLst/>
+  </dgm:styleLbl>
+  <dgm:styleLbl name="node1">
+    <dgm:fillClrLst meth="repeat">
+      <a:schemeClr val="accent2"/>
+    </dgm:fillClrLst>
+    <dgm:linClrLst meth="repeat">
+      <a:schemeClr val="lt1"/>
+    </dgm:linClrLst>
+    <dgm:effectClrLst/>
+    <dgm:txLinClrLst/>
+    <dgm:txFillClrLst/>
+    <dgm:txEffectClrLst/>
+  </dgm:styleLbl>
+  <dgm:styleLbl name="alignNode1">
+    <dgm:fillClrLst meth="repeat">
+      <a:schemeClr val="accent2"/>
+    </dgm:fillClrLst>
+    <dgm:linClrLst meth="repeat">
+      <a:schemeClr val="accent2"/>
+    </dgm:linClrLst>
+    <dgm:effectClrLst/>
+    <dgm:txLinClrLst/>
+    <dgm:txFillClrLst/>
+    <dgm:txEffectClrLst/>
+  </dgm:styleLbl>
+  <dgm:styleLbl name="lnNode1">
+    <dgm:fillClrLst meth="repeat">
+      <a:schemeClr val="accent2"/>
+    </dgm:fillClrLst>
+    <dgm:linClrLst meth="repeat">
+      <a:schemeClr val="lt1"/>
+    </dgm:linClrLst>
+    <dgm:effectClrLst/>
+    <dgm:txLinClrLst/>
+    <dgm:txFillClrLst/>
+    <dgm:txEffectClrLst/>
+  </dgm:styleLbl>
+  <dgm:styleLbl name="vennNode1">
+    <dgm:fillClrLst meth="repeat">
+      <a:schemeClr val="accent2">
+        <a:alpha val="50000"/>
+      </a:schemeClr>
+    </dgm:fillClrLst>
+    <dgm:linClrLst meth="repeat">
+      <a:schemeClr val="lt1"/>
+    </dgm:linClrLst>
+    <dgm:effectClrLst/>
+    <dgm:txLinClrLst/>
+    <dgm:txFillClrLst/>
+    <dgm:txEffectClrLst/>
+  </dgm:styleLbl>
+  <dgm:styleLbl name="node2">
+    <dgm:fillClrLst meth="repeat">
+      <a:schemeClr val="accent2"/>
+    </dgm:fillClrLst>
+    <dgm:linClrLst meth="repeat">
+      <a:schemeClr val="lt1"/>
+    </dgm:linClrLst>
+    <dgm:effectClrLst/>
+    <dgm:txLinClrLst/>
+    <dgm:txFillClrLst/>
+    <dgm:txEffectClrLst/>
+  </dgm:styleLbl>
+  <dgm:styleLbl name="node3">
+    <dgm:fillClrLst meth="repeat">
+      <a:schemeClr val="accent2"/>
+    </dgm:fillClrLst>
+    <dgm:linClrLst meth="repeat">
+      <a:schemeClr val="lt1"/>
+    </dgm:linClrLst>
+    <dgm:effectClrLst/>
+    <dgm:txLinClrLst/>
+    <dgm:txFillClrLst/>
+    <dgm:txEffectClrLst/>
+  </dgm:styleLbl>
+  <dgm:styleLbl name="node4">
+    <dgm:fillClrLst meth="repeat">
+      <a:schemeClr val="accent2"/>
+    </dgm:fillClrLst>
+    <dgm:linClrLst meth="repeat">
+      <a:schemeClr val="lt1"/>
+    </dgm:linClrLst>
+    <dgm:effectClrLst/>
+    <dgm:txLinClrLst/>
+    <dgm:txFillClrLst/>
+    <dgm:txEffectClrLst/>
+  </dgm:styleLbl>
+  <dgm:styleLbl name="fgImgPlace1">
+    <dgm:fillClrLst meth="repeat">
+      <a:schemeClr val="accent2">
+        <a:tint val="50000"/>
+      </a:schemeClr>
+    </dgm:fillClrLst>
+    <dgm:linClrLst meth="repeat">
+      <a:schemeClr val="lt1"/>
+    </dgm:linClrLst>
+    <dgm:effectClrLst/>
+    <dgm:txLinClrLst/>
+    <dgm:txFillClrLst meth="repeat">
+      <a:schemeClr val="lt1"/>
+    </dgm:txFillClrLst>
+    <dgm:txEffectClrLst/>
+  </dgm:styleLbl>
+  <dgm:styleLbl name="alignImgPlace1">
+    <dgm:fillClrLst meth="repeat">
+      <a:schemeClr val="accent2">
+        <a:tint val="50000"/>
+      </a:schemeClr>
+    </dgm:fillClrLst>
+    <dgm:linClrLst meth="repeat">
+      <a:schemeClr val="lt1"/>
+    </dgm:linClrLst>
+    <dgm:effectClrLst/>
+    <dgm:txLinClrLst/>
+    <dgm:txFillClrLst meth="repeat">
+      <a:schemeClr val="lt1"/>
+    </dgm:txFillClrLst>
+    <dgm:txEffectClrLst/>
+  </dgm:styleLbl>
+  <dgm:styleLbl name="bgImgPlace1">
+    <dgm:fillClrLst meth="repeat">
+      <a:schemeClr val="accent2">
+        <a:tint val="50000"/>
+      </a:schemeClr>
+    </dgm:fillClrLst>
+    <dgm:linClrLst meth="repeat">
+      <a:schemeClr val="lt1"/>
+    </dgm:linClrLst>
+    <dgm:effectClrLst/>
+    <dgm:txLinClrLst/>
+    <dgm:txFillClrLst meth="repeat">
+      <a:schemeClr val="lt1"/>
+    </dgm:txFillClrLst>
+    <dgm:txEffectClrLst/>
+  </dgm:styleLbl>
+  <dgm:styleLbl name="sibTrans2D1">
+    <dgm:fillClrLst meth="repeat">
+      <a:schemeClr val="accent2">
+        <a:tint val="60000"/>
+      </a:schemeClr>
+    </dgm:fillClrLst>
+    <dgm:linClrLst meth="repeat">
+      <a:schemeClr val="accent2">
+        <a:tint val="60000"/>
+      </a:schemeClr>
+    </dgm:linClrLst>
+    <dgm:effectClrLst/>
+    <dgm:txLinClrLst/>
+    <dgm:txFillClrLst/>
+    <dgm:txEffectClrLst/>
+  </dgm:styleLbl>
+  <dgm:styleLbl name="fgSibTrans2D1">
+    <dgm:fillClrLst meth="repeat">
+      <a:schemeClr val="accent2">
+        <a:tint val="60000"/>
+      </a:schemeClr>
+    </dgm:fillClrLst>
+    <dgm:linClrLst meth="repeat">
+      <a:schemeClr val="accent2">
+        <a:tint val="60000"/>
+      </a:schemeClr>
+    </dgm:linClrLst>
+    <dgm:effectClrLst/>
+    <dgm:txLinClrLst/>
+    <dgm:txFillClrLst/>
+    <dgm:txEffectClrLst/>
+  </dgm:styleLbl>
+  <dgm:styleLbl name="bgSibTrans2D1">
+    <dgm:fillClrLst meth="repeat">
+      <a:schemeClr val="accent2">
+        <a:tint val="60000"/>
+      </a:schemeClr>
+    </dgm:fillClrLst>
+    <dgm:linClrLst meth="repeat">
+      <a:schemeClr val="accent2">
+        <a:tint val="60000"/>
+      </a:schemeClr>
+    </dgm:linClrLst>
+    <dgm:effectClrLst/>
+    <dgm:txLinClrLst/>
+    <dgm:txFillClrLst/>
+    <dgm:txEffectClrLst/>
+  </dgm:styleLbl>
+  <dgm:styleLbl name="sibTrans1D1">
+    <dgm:fillClrLst meth="repeat">
+      <a:schemeClr val="accent2"/>
+    </dgm:fillClrLst>
+    <dgm:linClrLst meth="repeat">
+      <a:schemeClr val="accent2"/>
+    </dgm:linClrLst>
+    <dgm:effectClrLst/>
+    <dgm:txLinClrLst/>
+    <dgm:txFillClrLst meth="repeat">
+      <a:schemeClr val="tx1"/>
+    </dgm:txFillClrLst>
+    <dgm:txEffectClrLst/>
+  </dgm:styleLbl>
+  <dgm:styleLbl name="callout">
+    <dgm:fillClrLst meth="repeat">
+      <a:schemeClr val="accent2"/>
+    </dgm:fillClrLst>
+    <dgm:linClrLst meth="repeat">
+      <a:schemeClr val="accent2">
+        <a:tint val="50000"/>
+      </a:schemeClr>
+    </dgm:linClrLst>
+    <dgm:effectClrLst/>
+    <dgm:txLinClrLst/>
+    <dgm:txFillClrLst meth="repeat">
+      <a:schemeClr val="tx1"/>
+    </dgm:txFillClrLst>
+    <dgm:txEffectClrLst/>
+  </dgm:styleLbl>
+  <dgm:styleLbl name="asst0">
+    <dgm:fillClrLst meth="repeat">
+      <a:schemeClr val="accent2"/>
+    </dgm:fillClrLst>
+    <dgm:linClrLst meth="repeat">
+      <a:schemeClr val="lt1"/>
+    </dgm:linClrLst>
+    <dgm:effectClrLst/>
+    <dgm:txLinClrLst/>
+    <dgm:txFillClrLst/>
+    <dgm:txEffectClrLst/>
+  </dgm:styleLbl>
+  <dgm:styleLbl name="asst1">
+    <dgm:fillClrLst meth="repeat">
+      <a:schemeClr val="accent2"/>
+    </dgm:fillClrLst>
+    <dgm:linClrLst meth="repeat">
+      <a:schemeClr val="lt1"/>
+    </dgm:linClrLst>
+    <dgm:effectClrLst/>
+    <dgm:txLinClrLst/>
+    <dgm:txFillClrLst/>
+    <dgm:txEffectClrLst/>
+  </dgm:styleLbl>
+  <dgm:styleLbl name="asst2">
+    <dgm:fillClrLst meth="repeat">
+      <a:schemeClr val="accent2"/>
+    </dgm:fillClrLst>
+    <dgm:linClrLst meth="repeat">
+      <a:schemeClr val="lt1"/>
+    </dgm:linClrLst>
+    <dgm:effectClrLst/>
+    <dgm:txLinClrLst/>
+    <dgm:txFillClrLst/>
+    <dgm:txEffectClrLst/>
+  </dgm:styleLbl>
+  <dgm:styleLbl name="asst3">
+    <dgm:fillClrLst meth="repeat">
+      <a:schemeClr val="accent2"/>
+    </dgm:fillClrLst>
+    <dgm:linClrLst meth="repeat">
+      <a:schemeClr val="lt1"/>
+    </dgm:linClrLst>
+    <dgm:effectClrLst/>
+    <dgm:txLinClrLst/>
+    <dgm:txFillClrLst/>
+    <dgm:txEffectClrLst/>
+  </dgm:styleLbl>
+  <dgm:styleLbl name="asst4">
+    <dgm:fillClrLst meth="repeat">
+      <a:schemeClr val="accent2"/>
+    </dgm:fillClrLst>
+    <dgm:linClrLst meth="repeat">
+      <a:schemeClr val="lt1"/>
+    </dgm:linClrLst>
+    <dgm:effectClrLst/>
+    <dgm:txLinClrLst/>
+    <dgm:txFillClrLst/>
+    <dgm:txEffectClrLst/>
+  </dgm:styleLbl>
+  <dgm:styleLbl name="parChTrans2D1">
+    <dgm:fillClrLst meth="repeat">
+      <a:schemeClr val="accent2">
+        <a:tint val="60000"/>
+      </a:schemeClr>
+    </dgm:fillClrLst>
+    <dgm:linClrLst meth="repeat">
+      <a:schemeClr val="accent2">
+        <a:tint val="60000"/>
+      </a:schemeClr>
+    </dgm:linClrLst>
+    <dgm:effectClrLst/>
+    <dgm:txLinClrLst/>
+    <dgm:txFillClrLst meth="repeat">
+      <a:schemeClr val="lt1"/>
+    </dgm:txFillClrLst>
+    <dgm:txEffectClrLst/>
+  </dgm:styleLbl>
+  <dgm:styleLbl name="parChTrans2D2">
+    <dgm:fillClrLst meth="repeat">
+      <a:schemeClr val="accent2"/>
+    </dgm:fillClrLst>
+    <dgm:linClrLst meth="repeat">
+      <a:schemeClr val="accent2"/>
+    </dgm:linClrLst>
+    <dgm:effectClrLst/>
+    <dgm:txLinClrLst/>
+    <dgm:txFillClrLst meth="repeat">
+      <a:schemeClr val="lt1"/>
+    </dgm:txFillClrLst>
+    <dgm:txEffectClrLst/>
+  </dgm:styleLbl>
+  <dgm:styleLbl name="parChTrans2D3">
+    <dgm:fillClrLst meth="repeat">
+      <a:schemeClr val="accent2"/>
+    </dgm:fillClrLst>
+    <dgm:linClrLst meth="repeat">
+      <a:schemeClr val="accent2"/>
+    </dgm:linClrLst>
+    <dgm:effectClrLst/>
+    <dgm:txLinClrLst/>
+    <dgm:txFillClrLst meth="repeat">
+      <a:schemeClr val="lt1"/>
+    </dgm:txFillClrLst>
+    <dgm:txEffectClrLst/>
+  </dgm:styleLbl>
+  <dgm:styleLbl name="parChTrans2D4">
+    <dgm:fillClrLst meth="repeat">
+      <a:schemeClr val="accent2"/>
+    </dgm:fillClrLst>
+    <dgm:linClrLst meth="repeat">
+      <a:schemeClr val="accent2"/>
+    </dgm:linClrLst>
+    <dgm:effectClrLst/>
+    <dgm:txLinClrLst/>
+    <dgm:txFillClrLst meth="repeat">
+      <a:schemeClr val="lt1"/>
+    </dgm:txFillClrLst>
+    <dgm:txEffectClrLst/>
+  </dgm:styleLbl>
+  <dgm:styleLbl name="parChTrans1D1">
+    <dgm:fillClrLst meth="repeat">
+      <a:schemeClr val="accent2"/>
+    </dgm:fillClrLst>
+    <dgm:linClrLst meth="repeat">
+      <a:schemeClr val="accent2">
+        <a:shade val="60000"/>
+      </a:schemeClr>
+    </dgm:linClrLst>
+    <dgm:effectClrLst/>
+    <dgm:txLinClrLst/>
+    <dgm:txFillClrLst meth="repeat">
+      <a:schemeClr val="tx1"/>
+    </dgm:txFillClrLst>
+    <dgm:txEffectClrLst/>
+  </dgm:styleLbl>
+  <dgm:styleLbl name="parChTrans1D2">
+    <dgm:fillClrLst meth="repeat">
+      <a:schemeClr val="accent2"/>
+    </dgm:fillClrLst>
+    <dgm:linClrLst meth="repeat">
+      <a:schemeClr val="accent2">
+        <a:shade val="60000"/>
+      </a:schemeClr>
+    </dgm:linClrLst>
+    <dgm:effectClrLst/>
+    <dgm:txLinClrLst/>
+    <dgm:txFillClrLst meth="repeat">
+      <a:schemeClr val="tx1"/>
+    </dgm:txFillClrLst>
+    <dgm:txEffectClrLst/>
+  </dgm:styleLbl>
+  <dgm:styleLbl name="parChTrans1D3">
+    <dgm:fillClrLst meth="repeat">
+      <a:schemeClr val="accent2"/>
+    </dgm:fillClrLst>
+    <dgm:linClrLst meth="repeat">
+      <a:schemeClr val="accent2">
+        <a:shade val="80000"/>
+      </a:schemeClr>
+    </dgm:linClrLst>
+    <dgm:effectClrLst/>
+    <dgm:txLinClrLst/>
+    <dgm:txFillClrLst meth="repeat">
+      <a:schemeClr val="tx1"/>
+    </dgm:txFillClrLst>
+    <dgm:txEffectClrLst/>
+  </dgm:styleLbl>
+  <dgm:styleLbl name="parChTrans1D4">
+    <dgm:fillClrLst meth="repeat">
+      <a:schemeClr val="accent2"/>
+    </dgm:fillClrLst>
+    <dgm:linClrLst meth="repeat">
+      <a:schemeClr val="accent2">
+        <a:shade val="80000"/>
+      </a:schemeClr>
+    </dgm:linClrLst>
+    <dgm:effectClrLst/>
+    <dgm:txLinClrLst/>
+    <dgm:txFillClrLst meth="repeat">
+      <a:schemeClr val="tx1"/>
+    </dgm:txFillClrLst>
+    <dgm:txEffectClrLst/>
+  </dgm:styleLbl>
+  <dgm:styleLbl name="fgAcc1">
+    <dgm:fillClrLst meth="repeat">
+      <a:schemeClr val="lt1">
+        <a:alpha val="90000"/>
+      </a:schemeClr>
+    </dgm:fillClrLst>
+    <dgm:linClrLst meth="repeat">
+      <a:schemeClr val="accent2"/>
+    </dgm:linClrLst>
+    <dgm:effectClrLst/>
+    <dgm:txLinClrLst/>
+    <dgm:txFillClrLst meth="repeat">
+      <a:schemeClr val="dk1"/>
+    </dgm:txFillClrLst>
+    <dgm:txEffectClrLst/>
+  </dgm:styleLbl>
+  <dgm:styleLbl name="conFgAcc1">
+    <dgm:fillClrLst meth="repeat">
+      <a:schemeClr val="lt1">
+        <a:alpha val="90000"/>
+      </a:schemeClr>
+    </dgm:fillClrLst>
+    <dgm:linClrLst meth="repeat">
+      <a:schemeClr val="accent2"/>
+    </dgm:linClrLst>
+    <dgm:effectClrLst/>
+    <dgm:txLinClrLst/>
+    <dgm:txFillClrLst meth="repeat">
+      <a:schemeClr val="dk1"/>
+    </dgm:txFillClrLst>
+    <dgm:txEffectClrLst/>
+  </dgm:styleLbl>
+  <dgm:styleLbl name="alignAcc1">
+    <dgm:fillClrLst meth="repeat">
+      <a:schemeClr val="lt1">
+        <a:alpha val="90000"/>
+      </a:schemeClr>
+    </dgm:fillClrLst>
+    <dgm:linClrLst meth="repeat">
+      <a:schemeClr val="accent2"/>
+    </dgm:linClrLst>
+    <dgm:effectClrLst/>
+    <dgm:txLinClrLst/>
+    <dgm:txFillClrLst meth="repeat">
+      <a:schemeClr val="dk1"/>
+    </dgm:txFillClrLst>
+    <dgm:txEffectClrLst/>
+  </dgm:styleLbl>
+  <dgm:styleLbl name="trAlignAcc1">
+    <dgm:fillClrLst meth="repeat">
+      <a:schemeClr val="lt1">
+        <a:alpha val="40000"/>
+      </a:schemeClr>
+    </dgm:fillClrLst>
+    <dgm:linClrLst meth="repeat">
+      <a:schemeClr val="accent2"/>
+    </dgm:linClrLst>
+    <dgm:effectClrLst/>
+    <dgm:txLinClrLst/>
+    <dgm:txFillClrLst meth="repeat">
+      <a:schemeClr val="dk1"/>
+    </dgm:txFillClrLst>
+    <dgm:txEffectClrLst/>
+  </dgm:styleLbl>
+  <dgm:styleLbl name="bgAcc1">
+    <dgm:fillClrLst meth="repeat">
+      <a:schemeClr val="lt1">
+        <a:alpha val="90000"/>
+      </a:schemeClr>
+    </dgm:fillClrLst>
+    <dgm:linClrLst meth="repeat">
+      <a:schemeClr val="accent2"/>
+    </dgm:linClrLst>
+    <dgm:effectClrLst/>
+    <dgm:txLinClrLst/>
+    <dgm:txFillClrLst meth="repeat">
+      <a:schemeClr val="dk1"/>
+    </dgm:txFillClrLst>
+    <dgm:txEffectClrLst/>
+  </dgm:styleLbl>
+  <dgm:styleLbl name="solidFgAcc1">
+    <dgm:fillClrLst meth="repeat">
+      <a:schemeClr val="lt1"/>
+    </dgm:fillClrLst>
+    <dgm:linClrLst meth="repeat">
+      <a:schemeClr val="accent2"/>
+    </dgm:linClrLst>
+    <dgm:effectClrLst/>
+    <dgm:txLinClrLst/>
+    <dgm:txFillClrLst meth="repeat">
+      <a:schemeClr val="dk1"/>
+    </dgm:txFillClrLst>
+    <dgm:txEffectClrLst/>
+  </dgm:styleLbl>
+  <dgm:styleLbl name="solidAlignAcc1">
+    <dgm:fillClrLst meth="repeat">
+      <a:schemeClr val="lt1"/>
+    </dgm:fillClrLst>
+    <dgm:linClrLst meth="repeat">
+      <a:schemeClr val="accent2"/>
+    </dgm:linClrLst>
+    <dgm:effectClrLst/>
+    <dgm:txLinClrLst/>
+    <dgm:txFillClrLst meth="repeat">
+      <a:schemeClr val="dk1"/>
+    </dgm:txFillClrLst>
+    <dgm:txEffectClrLst/>
+  </dgm:styleLbl>
+  <dgm:styleLbl name="solidBgAcc1">
+    <dgm:fillClrLst meth="repeat">
+      <a:schemeClr val="lt1"/>
+    </dgm:fillClrLst>
+    <dgm:linClrLst meth="repeat">
+      <a:schemeClr val="accent2"/>
+    </dgm:linClrLst>
+    <dgm:effectClrLst/>
+    <dgm:txLinClrLst/>
+    <dgm:txFillClrLst meth="repeat">
+      <a:schemeClr val="dk1"/>
+    </dgm:txFillClrLst>
+    <dgm:txEffectClrLst/>
+  </dgm:styleLbl>
+  <dgm:styleLbl name="fgAccFollowNode1">
+    <dgm:fillClrLst meth="repeat">
+      <a:schemeClr val="accent2">
+        <a:alpha val="90000"/>
+        <a:tint val="40000"/>
+      </a:schemeClr>
+    </dgm:fillClrLst>
+    <dgm:linClrLst meth="repeat">
+      <a:schemeClr val="accent2">
+        <a:alpha val="90000"/>
+        <a:tint val="40000"/>
+      </a:schemeClr>
+    </dgm:linClrLst>
+    <dgm:effectClrLst/>
+    <dgm:txLinClrLst/>
+    <dgm:txFillClrLst meth="repeat">
+      <a:schemeClr val="dk1"/>
+    </dgm:txFillClrLst>
+    <dgm:txEffectClrLst/>
+  </dgm:styleLbl>
+  <dgm:styleLbl name="alignAccFollowNode1">
+    <dgm:fillClrLst meth="repeat">
+      <a:schemeClr val="accent2">
+        <a:alpha val="90000"/>
+        <a:tint val="40000"/>
+      </a:schemeClr>
+    </dgm:fillClrLst>
+    <dgm:linClrLst meth="repeat">
+      <a:schemeClr val="accent2">
+        <a:alpha val="90000"/>
+        <a:tint val="40000"/>
+      </a:schemeClr>
+    </dgm:linClrLst>
+    <dgm:effectClrLst/>
+    <dgm:txLinClrLst/>
+    <dgm:txFillClrLst meth="repeat">
+      <a:schemeClr val="dk1"/>
+    </dgm:txFillClrLst>
+    <dgm:txEffectClrLst/>
+  </dgm:styleLbl>
+  <dgm:styleLbl name="bgAccFollowNode1">
+    <dgm:fillClrLst meth="repeat">
+      <a:schemeClr val="accent2">
+        <a:alpha val="90000"/>
+        <a:tint val="40000"/>
+      </a:schemeClr>
+    </dgm:fillClrLst>
+    <dgm:linClrLst meth="repeat">
+      <a:schemeClr val="accent2">
+        <a:alpha val="90000"/>
+        <a:tint val="40000"/>
+      </a:schemeClr>
+    </dgm:linClrLst>
+    <dgm:effectClrLst/>
+    <dgm:txLinClrLst/>
+    <dgm:txFillClrLst meth="repeat">
+      <a:schemeClr val="dk1"/>
+    </dgm:txFillClrLst>
+    <dgm:txEffectClrLst/>
+  </dgm:styleLbl>
+  <dgm:styleLbl name="fgAcc0">
+    <dgm:fillClrLst meth="repeat">
+      <a:schemeClr val="lt1">
+        <a:alpha val="90000"/>
+      </a:schemeClr>
+    </dgm:fillClrLst>
+    <dgm:linClrLst meth="repeat">
+      <a:schemeClr val="accent2"/>
+    </dgm:linClrLst>
+    <dgm:effectClrLst/>
+    <dgm:txLinClrLst/>
+    <dgm:txFillClrLst meth="repeat">
+      <a:schemeClr val="dk1"/>
+    </dgm:txFillClrLst>
+    <dgm:txEffectClrLst/>
+  </dgm:styleLbl>
+  <dgm:styleLbl name="fgAcc2">
+    <dgm:fillClrLst meth="repeat">
+      <a:schemeClr val="lt1">
+        <a:alpha val="90000"/>
+      </a:schemeClr>
+    </dgm:fillClrLst>
+    <dgm:linClrLst meth="repeat">
+      <a:schemeClr val="accent2"/>
+    </dgm:linClrLst>
+    <dgm:effectClrLst/>
+    <dgm:txLinClrLst/>
+    <dgm:txFillClrLst meth="repeat">
+      <a:schemeClr val="dk1"/>
+    </dgm:txFillClrLst>
+    <dgm:txEffectClrLst/>
+  </dgm:styleLbl>
+  <dgm:styleLbl name="fgAcc3">
+    <dgm:fillClrLst meth="repeat">
+      <a:schemeClr val="lt1">
+        <a:alpha val="90000"/>
+      </a:schemeClr>
+    </dgm:fillClrLst>
+    <dgm:linClrLst meth="repeat">
+      <a:schemeClr val="accent2"/>
+    </dgm:linClrLst>
+    <dgm:effectClrLst/>
+    <dgm:txLinClrLst/>
+    <dgm:txFillClrLst meth="repeat">
+      <a:schemeClr val="dk1"/>
+    </dgm:txFillClrLst>
+    <dgm:txEffectClrLst/>
+  </dgm:styleLbl>
+  <dgm:styleLbl name="fgAcc4">
+    <dgm:fillClrLst meth="repeat">
+      <a:schemeClr val="lt1">
+        <a:alpha val="90000"/>
+      </a:schemeClr>
+    </dgm:fillClrLst>
+    <dgm:linClrLst meth="repeat">
+      <a:schemeClr val="accent2"/>
+    </dgm:linClrLst>
+    <dgm:effectClrLst/>
+    <dgm:txLinClrLst/>
+    <dgm:txFillClrLst meth="repeat">
+      <a:schemeClr val="dk1"/>
+    </dgm:txFillClrLst>
+    <dgm:txEffectClrLst/>
+  </dgm:styleLbl>
+  <dgm:styleLbl name="bgShp">
+    <dgm:fillClrLst meth="repeat">
+      <a:schemeClr val="accent2">
+        <a:tint val="40000"/>
+      </a:schemeClr>
+    </dgm:fillClrLst>
+    <dgm:linClrLst meth="repeat">
+      <a:schemeClr val="accent2"/>
+    </dgm:linClrLst>
+    <dgm:effectClrLst/>
+    <dgm:txLinClrLst/>
+    <dgm:txFillClrLst meth="repeat">
+      <a:schemeClr val="dk1"/>
+    </dgm:txFillClrLst>
+    <dgm:txEffectClrLst/>
+  </dgm:styleLbl>
+  <dgm:styleLbl name="dkBgShp">
+    <dgm:fillClrLst meth="repeat">
+      <a:schemeClr val="accent2">
+        <a:shade val="80000"/>
+      </a:schemeClr>
+    </dgm:fillClrLst>
+    <dgm:linClrLst meth="repeat">
+      <a:schemeClr val="accent2"/>
+    </dgm:linClrLst>
+    <dgm:effectClrLst/>
+    <dgm:txLinClrLst/>
+    <dgm:txFillClrLst meth="repeat">
+      <a:schemeClr val="lt1"/>
+    </dgm:txFillClrLst>
+    <dgm:txEffectClrLst/>
+  </dgm:styleLbl>
+  <dgm:styleLbl name="trBgShp">
+    <dgm:fillClrLst meth="repeat">
+      <a:schemeClr val="accent2">
+        <a:tint val="50000"/>
+        <a:alpha val="40000"/>
+      </a:schemeClr>
+    </dgm:fillClrLst>
+    <dgm:linClrLst meth="repeat">
+      <a:schemeClr val="accent2"/>
+    </dgm:linClrLst>
+    <dgm:effectClrLst/>
+    <dgm:txLinClrLst/>
+    <dgm:txFillClrLst meth="repeat">
+      <a:schemeClr val="lt1"/>
+    </dgm:txFillClrLst>
+    <dgm:txEffectClrLst/>
+  </dgm:styleLbl>
+  <dgm:styleLbl name="fgShp">
+    <dgm:fillClrLst meth="repeat">
+      <a:schemeClr val="accent2">
+        <a:tint val="60000"/>
+      </a:schemeClr>
+    </dgm:fillClrLst>
+    <dgm:linClrLst meth="repeat">
+      <a:schemeClr val="lt1"/>
+    </dgm:linClrLst>
+    <dgm:effectClrLst/>
+    <dgm:txLinClrLst/>
+    <dgm:txFillClrLst meth="repeat">
+      <a:schemeClr val="dk1"/>
+    </dgm:txFillClrLst>
+    <dgm:txEffectClrLst/>
+  </dgm:styleLbl>
+  <dgm:styleLbl name="revTx">
+    <dgm:fillClrLst meth="repeat">
+      <a:schemeClr val="lt1">
+        <a:alpha val="0"/>
+      </a:schemeClr>
+    </dgm:fillClrLst>
+    <dgm:linClrLst meth="repeat">
+      <a:schemeClr val="dk1">
+        <a:alpha val="0"/>
+      </a:schemeClr>
+    </dgm:linClrLst>
+    <dgm:effectClrLst/>
+    <dgm:txLinClrLst/>
+    <dgm:txFillClrLst meth="repeat">
+      <a:schemeClr val="tx1"/>
+    </dgm:txFillClrLst>
+    <dgm:txEffectClrLst/>
+  </dgm:styleLbl>
+</dgm:colorsDef>
+</file>
+
+<file path=ppt/diagrams/data1.xml><?xml version="1.0" encoding="utf-8"?>
+<dgm:dataModel xmlns:dgm="http://schemas.openxmlformats.org/drawingml/2006/diagram" xmlns:a="http://schemas.openxmlformats.org/drawingml/2006/main">
+  <dgm:ptLst>
+    <dgm:pt modelId="{7C883F58-09E0-4E70-98D4-32C537E6F358}" type="doc">
+      <dgm:prSet loTypeId="urn:microsoft.com/office/officeart/2008/layout/LinedList" loCatId="list" qsTypeId="urn:microsoft.com/office/officeart/2005/8/quickstyle/simple1" qsCatId="simple" csTypeId="urn:microsoft.com/office/officeart/2005/8/colors/accent2_2" csCatId="accent2" phldr="1"/>
+      <dgm:spPr/>
+      <dgm:t>
+        <a:bodyPr/>
+        <a:lstStyle/>
+        <a:p>
+          <a:endParaRPr lang="en-US"/>
+        </a:p>
+      </dgm:t>
+    </dgm:pt>
+    <dgm:pt modelId="{627D10A9-49C5-4A3C-90FC-50348330BADF}">
+      <dgm:prSet/>
+      <dgm:spPr/>
+      <dgm:t>
+        <a:bodyPr/>
+        <a:lstStyle/>
+        <a:p>
+          <a:r>
+            <a:rPr lang="en-US"/>
+            <a:t>Dashboard progress</a:t>
+          </a:r>
+        </a:p>
+      </dgm:t>
+    </dgm:pt>
+    <dgm:pt modelId="{1C058921-3D41-409F-9336-A7343AA5D9AD}" type="parTrans" cxnId="{CEFEFFB4-91C8-4A68-B0AB-B439EF0D8B39}">
+      <dgm:prSet/>
+      <dgm:spPr/>
+      <dgm:t>
+        <a:bodyPr/>
+        <a:lstStyle/>
+        <a:p>
+          <a:endParaRPr lang="en-US"/>
+        </a:p>
+      </dgm:t>
+    </dgm:pt>
+    <dgm:pt modelId="{201F3522-E872-449D-BD79-B66F48A2B0FE}" type="sibTrans" cxnId="{CEFEFFB4-91C8-4A68-B0AB-B439EF0D8B39}">
+      <dgm:prSet/>
+      <dgm:spPr/>
+      <dgm:t>
+        <a:bodyPr/>
+        <a:lstStyle/>
+        <a:p>
+          <a:endParaRPr lang="en-US"/>
+        </a:p>
+      </dgm:t>
+    </dgm:pt>
+    <dgm:pt modelId="{C65EF1A1-4987-4440-88B2-2E7916CF0BC5}">
+      <dgm:prSet/>
+      <dgm:spPr/>
+      <dgm:t>
+        <a:bodyPr/>
+        <a:lstStyle/>
+        <a:p>
+          <a:r>
+            <a:rPr lang="en-US" dirty="0"/>
+            <a:t>Clubs Page initial design/ set up</a:t>
+          </a:r>
+        </a:p>
+      </dgm:t>
+    </dgm:pt>
+    <dgm:pt modelId="{DD7D6ECE-FF12-4EA8-A8E4-5F2EAA2892FB}" type="parTrans" cxnId="{35FCEE86-B5FE-47DA-87C2-D0F72527B7F6}">
+      <dgm:prSet/>
+      <dgm:spPr/>
+      <dgm:t>
+        <a:bodyPr/>
+        <a:lstStyle/>
+        <a:p>
+          <a:endParaRPr lang="en-US"/>
+        </a:p>
+      </dgm:t>
+    </dgm:pt>
+    <dgm:pt modelId="{FCF3654C-E3BD-47D0-A0CA-9FC07C5BE1B5}" type="sibTrans" cxnId="{35FCEE86-B5FE-47DA-87C2-D0F72527B7F6}">
+      <dgm:prSet/>
+      <dgm:spPr/>
+      <dgm:t>
+        <a:bodyPr/>
+        <a:lstStyle/>
+        <a:p>
+          <a:endParaRPr lang="en-US"/>
+        </a:p>
+      </dgm:t>
+    </dgm:pt>
+    <dgm:pt modelId="{15948977-CE49-475A-8C00-09F7140B1E26}">
+      <dgm:prSet/>
+      <dgm:spPr/>
+      <dgm:t>
+        <a:bodyPr/>
+        <a:lstStyle/>
+        <a:p>
+          <a:r>
+            <a:rPr lang="en-US" dirty="0"/>
+            <a:t>Leaderboard Page initial design/ set up</a:t>
+          </a:r>
+        </a:p>
+      </dgm:t>
+    </dgm:pt>
+    <dgm:pt modelId="{AF5CA4AC-7290-46F4-9F09-27BA3833A793}" type="parTrans" cxnId="{CB495C49-2163-4D42-9BD4-61CA7AC60EC4}">
+      <dgm:prSet/>
+      <dgm:spPr/>
+      <dgm:t>
+        <a:bodyPr/>
+        <a:lstStyle/>
+        <a:p>
+          <a:endParaRPr lang="en-US"/>
+        </a:p>
+      </dgm:t>
+    </dgm:pt>
+    <dgm:pt modelId="{B350443C-DCAB-4D7A-BD88-96E891A78EF9}" type="sibTrans" cxnId="{CB495C49-2163-4D42-9BD4-61CA7AC60EC4}">
+      <dgm:prSet/>
+      <dgm:spPr/>
+      <dgm:t>
+        <a:bodyPr/>
+        <a:lstStyle/>
+        <a:p>
+          <a:endParaRPr lang="en-US"/>
+        </a:p>
+      </dgm:t>
+    </dgm:pt>
+    <dgm:pt modelId="{C58A601A-5BE1-411B-AFE3-B89C2799E0D3}">
+      <dgm:prSet/>
+      <dgm:spPr/>
+      <dgm:t>
+        <a:bodyPr/>
+        <a:lstStyle/>
+        <a:p>
+          <a:r>
+            <a:rPr lang="en-US"/>
+            <a:t>Data filtering &amp; Validation</a:t>
+          </a:r>
+        </a:p>
+      </dgm:t>
+    </dgm:pt>
+    <dgm:pt modelId="{E4947FAA-16FF-44E9-AFFE-DC6137724AE1}" type="parTrans" cxnId="{666C10AB-D6AA-4408-B5FA-B25C9BC23FFF}">
+      <dgm:prSet/>
+      <dgm:spPr/>
+      <dgm:t>
+        <a:bodyPr/>
+        <a:lstStyle/>
+        <a:p>
+          <a:endParaRPr lang="en-US"/>
+        </a:p>
+      </dgm:t>
+    </dgm:pt>
+    <dgm:pt modelId="{6874ECFB-1C11-4356-A708-F71FC50121FD}" type="sibTrans" cxnId="{666C10AB-D6AA-4408-B5FA-B25C9BC23FFF}">
+      <dgm:prSet/>
+      <dgm:spPr/>
+      <dgm:t>
+        <a:bodyPr/>
+        <a:lstStyle/>
+        <a:p>
+          <a:endParaRPr lang="en-US"/>
+        </a:p>
+      </dgm:t>
+    </dgm:pt>
+    <dgm:pt modelId="{A64DD46E-D598-4154-BF98-07BE31898E89}">
+      <dgm:prSet/>
+      <dgm:spPr/>
+      <dgm:t>
+        <a:bodyPr/>
+        <a:lstStyle/>
+        <a:p>
+          <a:r>
+            <a:rPr lang="en-US"/>
+            <a:t>Activities Displayed on Dashboard</a:t>
+          </a:r>
+        </a:p>
+      </dgm:t>
+    </dgm:pt>
+    <dgm:pt modelId="{A8605BA7-E688-4960-B5C4-3C202F60B5DA}" type="parTrans" cxnId="{11716BCD-AC1E-4543-A88E-AD14A7D3DADD}">
+      <dgm:prSet/>
+      <dgm:spPr/>
+      <dgm:t>
+        <a:bodyPr/>
+        <a:lstStyle/>
+        <a:p>
+          <a:endParaRPr lang="en-US"/>
+        </a:p>
+      </dgm:t>
+    </dgm:pt>
+    <dgm:pt modelId="{F6EE6312-E4CF-4B30-BEBC-CC503271881E}" type="sibTrans" cxnId="{11716BCD-AC1E-4543-A88E-AD14A7D3DADD}">
+      <dgm:prSet/>
+      <dgm:spPr/>
+      <dgm:t>
+        <a:bodyPr/>
+        <a:lstStyle/>
+        <a:p>
+          <a:endParaRPr lang="en-US"/>
+        </a:p>
+      </dgm:t>
+    </dgm:pt>
+    <dgm:pt modelId="{48BAD3F8-3D98-41DC-8713-8A46947D54BF}" type="pres">
+      <dgm:prSet presAssocID="{7C883F58-09E0-4E70-98D4-32C537E6F358}" presName="vert0" presStyleCnt="0">
+        <dgm:presLayoutVars>
+          <dgm:dir/>
+          <dgm:animOne val="branch"/>
+          <dgm:animLvl val="lvl"/>
+        </dgm:presLayoutVars>
+      </dgm:prSet>
+      <dgm:spPr/>
+    </dgm:pt>
+    <dgm:pt modelId="{B669660C-EFC3-4D98-A1D6-32B212E6920F}" type="pres">
+      <dgm:prSet presAssocID="{627D10A9-49C5-4A3C-90FC-50348330BADF}" presName="thickLine" presStyleLbl="alignNode1" presStyleIdx="0" presStyleCnt="5"/>
+      <dgm:spPr/>
+    </dgm:pt>
+    <dgm:pt modelId="{8A791B23-C94F-4F62-9F8D-E3C069CF61F2}" type="pres">
+      <dgm:prSet presAssocID="{627D10A9-49C5-4A3C-90FC-50348330BADF}" presName="horz1" presStyleCnt="0"/>
+      <dgm:spPr/>
+    </dgm:pt>
+    <dgm:pt modelId="{D5B2A7E3-AE59-459A-A3C3-A7E22B69E250}" type="pres">
+      <dgm:prSet presAssocID="{627D10A9-49C5-4A3C-90FC-50348330BADF}" presName="tx1" presStyleLbl="revTx" presStyleIdx="0" presStyleCnt="5"/>
+      <dgm:spPr/>
+    </dgm:pt>
+    <dgm:pt modelId="{3B9E3847-3C4F-4D5E-A5E2-38C049BF574F}" type="pres">
+      <dgm:prSet presAssocID="{627D10A9-49C5-4A3C-90FC-50348330BADF}" presName="vert1" presStyleCnt="0"/>
+      <dgm:spPr/>
+    </dgm:pt>
+    <dgm:pt modelId="{4BFEBB5B-53AD-4478-991A-3FA771EB7BA5}" type="pres">
+      <dgm:prSet presAssocID="{C65EF1A1-4987-4440-88B2-2E7916CF0BC5}" presName="thickLine" presStyleLbl="alignNode1" presStyleIdx="1" presStyleCnt="5"/>
+      <dgm:spPr/>
+    </dgm:pt>
+    <dgm:pt modelId="{1A0411B5-B465-4AB9-97B9-4D9A6BEC09B9}" type="pres">
+      <dgm:prSet presAssocID="{C65EF1A1-4987-4440-88B2-2E7916CF0BC5}" presName="horz1" presStyleCnt="0"/>
+      <dgm:spPr/>
+    </dgm:pt>
+    <dgm:pt modelId="{01D886A0-9B83-4FFA-AD54-3FE483549AF7}" type="pres">
+      <dgm:prSet presAssocID="{C65EF1A1-4987-4440-88B2-2E7916CF0BC5}" presName="tx1" presStyleLbl="revTx" presStyleIdx="1" presStyleCnt="5"/>
+      <dgm:spPr/>
+    </dgm:pt>
+    <dgm:pt modelId="{562E2210-AF74-4FC6-B64F-D45990827F55}" type="pres">
+      <dgm:prSet presAssocID="{C65EF1A1-4987-4440-88B2-2E7916CF0BC5}" presName="vert1" presStyleCnt="0"/>
+      <dgm:spPr/>
+    </dgm:pt>
+    <dgm:pt modelId="{87E9294B-E6B7-4BE5-819F-C0FF10AEE95D}" type="pres">
+      <dgm:prSet presAssocID="{15948977-CE49-475A-8C00-09F7140B1E26}" presName="thickLine" presStyleLbl="alignNode1" presStyleIdx="2" presStyleCnt="5"/>
+      <dgm:spPr/>
+    </dgm:pt>
+    <dgm:pt modelId="{469C8AEA-DEB3-4582-B787-A199FB113C67}" type="pres">
+      <dgm:prSet presAssocID="{15948977-CE49-475A-8C00-09F7140B1E26}" presName="horz1" presStyleCnt="0"/>
+      <dgm:spPr/>
+    </dgm:pt>
+    <dgm:pt modelId="{2F1FB74A-2DC6-4DA7-9121-1D14DA2793D8}" type="pres">
+      <dgm:prSet presAssocID="{15948977-CE49-475A-8C00-09F7140B1E26}" presName="tx1" presStyleLbl="revTx" presStyleIdx="2" presStyleCnt="5"/>
+      <dgm:spPr/>
+    </dgm:pt>
+    <dgm:pt modelId="{33663108-3FA4-4135-9267-4B35BCF14B9D}" type="pres">
+      <dgm:prSet presAssocID="{15948977-CE49-475A-8C00-09F7140B1E26}" presName="vert1" presStyleCnt="0"/>
+      <dgm:spPr/>
+    </dgm:pt>
+    <dgm:pt modelId="{A126C68F-BEAB-4146-9B64-1CAE9589B6EF}" type="pres">
+      <dgm:prSet presAssocID="{C58A601A-5BE1-411B-AFE3-B89C2799E0D3}" presName="thickLine" presStyleLbl="alignNode1" presStyleIdx="3" presStyleCnt="5"/>
+      <dgm:spPr/>
+    </dgm:pt>
+    <dgm:pt modelId="{73FC9A49-209A-4150-83E9-B2E481C4FC6B}" type="pres">
+      <dgm:prSet presAssocID="{C58A601A-5BE1-411B-AFE3-B89C2799E0D3}" presName="horz1" presStyleCnt="0"/>
+      <dgm:spPr/>
+    </dgm:pt>
+    <dgm:pt modelId="{14D6A231-A1B2-4944-95F1-49229C092DBA}" type="pres">
+      <dgm:prSet presAssocID="{C58A601A-5BE1-411B-AFE3-B89C2799E0D3}" presName="tx1" presStyleLbl="revTx" presStyleIdx="3" presStyleCnt="5"/>
+      <dgm:spPr/>
+    </dgm:pt>
+    <dgm:pt modelId="{0ECBD81D-293B-408C-87D6-2F98835ADD1D}" type="pres">
+      <dgm:prSet presAssocID="{C58A601A-5BE1-411B-AFE3-B89C2799E0D3}" presName="vert1" presStyleCnt="0"/>
+      <dgm:spPr/>
+    </dgm:pt>
+    <dgm:pt modelId="{372DB00B-E7F1-47D0-BADD-ABE2CB6CB86A}" type="pres">
+      <dgm:prSet presAssocID="{A64DD46E-D598-4154-BF98-07BE31898E89}" presName="thickLine" presStyleLbl="alignNode1" presStyleIdx="4" presStyleCnt="5"/>
+      <dgm:spPr/>
+    </dgm:pt>
+    <dgm:pt modelId="{624FBF43-76D7-4AE4-97B8-F4BFBCD9B7B2}" type="pres">
+      <dgm:prSet presAssocID="{A64DD46E-D598-4154-BF98-07BE31898E89}" presName="horz1" presStyleCnt="0"/>
+      <dgm:spPr/>
+    </dgm:pt>
+    <dgm:pt modelId="{6B21903C-7BAC-49C7-B39C-D9E7E01115AD}" type="pres">
+      <dgm:prSet presAssocID="{A64DD46E-D598-4154-BF98-07BE31898E89}" presName="tx1" presStyleLbl="revTx" presStyleIdx="4" presStyleCnt="5"/>
+      <dgm:spPr/>
+    </dgm:pt>
+    <dgm:pt modelId="{E6FFD71F-B0AC-47CF-B3F5-76EA894F5C3E}" type="pres">
+      <dgm:prSet presAssocID="{A64DD46E-D598-4154-BF98-07BE31898E89}" presName="vert1" presStyleCnt="0"/>
+      <dgm:spPr/>
+    </dgm:pt>
+  </dgm:ptLst>
+  <dgm:cxnLst>
+    <dgm:cxn modelId="{3D378C01-2A83-49D1-AF91-29606D599AEF}" type="presOf" srcId="{627D10A9-49C5-4A3C-90FC-50348330BADF}" destId="{D5B2A7E3-AE59-459A-A3C3-A7E22B69E250}" srcOrd="0" destOrd="0" presId="urn:microsoft.com/office/officeart/2008/layout/LinedList"/>
+    <dgm:cxn modelId="{F8FDD45E-D9C6-4172-9AAE-BBF6200D555D}" type="presOf" srcId="{C65EF1A1-4987-4440-88B2-2E7916CF0BC5}" destId="{01D886A0-9B83-4FFA-AD54-3FE483549AF7}" srcOrd="0" destOrd="0" presId="urn:microsoft.com/office/officeart/2008/layout/LinedList"/>
+    <dgm:cxn modelId="{CB495C49-2163-4D42-9BD4-61CA7AC60EC4}" srcId="{7C883F58-09E0-4E70-98D4-32C537E6F358}" destId="{15948977-CE49-475A-8C00-09F7140B1E26}" srcOrd="2" destOrd="0" parTransId="{AF5CA4AC-7290-46F4-9F09-27BA3833A793}" sibTransId="{B350443C-DCAB-4D7A-BD88-96E891A78EF9}"/>
+    <dgm:cxn modelId="{FC81487A-BB02-4CA7-8C94-A8C3D305C263}" type="presOf" srcId="{A64DD46E-D598-4154-BF98-07BE31898E89}" destId="{6B21903C-7BAC-49C7-B39C-D9E7E01115AD}" srcOrd="0" destOrd="0" presId="urn:microsoft.com/office/officeart/2008/layout/LinedList"/>
+    <dgm:cxn modelId="{9743EB85-C5F2-4D54-BE87-276E868988EA}" type="presOf" srcId="{15948977-CE49-475A-8C00-09F7140B1E26}" destId="{2F1FB74A-2DC6-4DA7-9121-1D14DA2793D8}" srcOrd="0" destOrd="0" presId="urn:microsoft.com/office/officeart/2008/layout/LinedList"/>
+    <dgm:cxn modelId="{35FCEE86-B5FE-47DA-87C2-D0F72527B7F6}" srcId="{7C883F58-09E0-4E70-98D4-32C537E6F358}" destId="{C65EF1A1-4987-4440-88B2-2E7916CF0BC5}" srcOrd="1" destOrd="0" parTransId="{DD7D6ECE-FF12-4EA8-A8E4-5F2EAA2892FB}" sibTransId="{FCF3654C-E3BD-47D0-A0CA-9FC07C5BE1B5}"/>
+    <dgm:cxn modelId="{C299E793-073D-44B4-8498-13EB8593D9B1}" type="presOf" srcId="{7C883F58-09E0-4E70-98D4-32C537E6F358}" destId="{48BAD3F8-3D98-41DC-8713-8A46947D54BF}" srcOrd="0" destOrd="0" presId="urn:microsoft.com/office/officeart/2008/layout/LinedList"/>
+    <dgm:cxn modelId="{DA10FBA0-F5D5-44BB-9A13-A0DFB0CB0906}" type="presOf" srcId="{C58A601A-5BE1-411B-AFE3-B89C2799E0D3}" destId="{14D6A231-A1B2-4944-95F1-49229C092DBA}" srcOrd="0" destOrd="0" presId="urn:microsoft.com/office/officeart/2008/layout/LinedList"/>
+    <dgm:cxn modelId="{666C10AB-D6AA-4408-B5FA-B25C9BC23FFF}" srcId="{7C883F58-09E0-4E70-98D4-32C537E6F358}" destId="{C58A601A-5BE1-411B-AFE3-B89C2799E0D3}" srcOrd="3" destOrd="0" parTransId="{E4947FAA-16FF-44E9-AFFE-DC6137724AE1}" sibTransId="{6874ECFB-1C11-4356-A708-F71FC50121FD}"/>
+    <dgm:cxn modelId="{CEFEFFB4-91C8-4A68-B0AB-B439EF0D8B39}" srcId="{7C883F58-09E0-4E70-98D4-32C537E6F358}" destId="{627D10A9-49C5-4A3C-90FC-50348330BADF}" srcOrd="0" destOrd="0" parTransId="{1C058921-3D41-409F-9336-A7343AA5D9AD}" sibTransId="{201F3522-E872-449D-BD79-B66F48A2B0FE}"/>
+    <dgm:cxn modelId="{11716BCD-AC1E-4543-A88E-AD14A7D3DADD}" srcId="{7C883F58-09E0-4E70-98D4-32C537E6F358}" destId="{A64DD46E-D598-4154-BF98-07BE31898E89}" srcOrd="4" destOrd="0" parTransId="{A8605BA7-E688-4960-B5C4-3C202F60B5DA}" sibTransId="{F6EE6312-E4CF-4B30-BEBC-CC503271881E}"/>
+    <dgm:cxn modelId="{9E3E33E2-F74A-4F63-8EB4-4CBDFB3DAB60}" type="presParOf" srcId="{48BAD3F8-3D98-41DC-8713-8A46947D54BF}" destId="{B669660C-EFC3-4D98-A1D6-32B212E6920F}" srcOrd="0" destOrd="0" presId="urn:microsoft.com/office/officeart/2008/layout/LinedList"/>
+    <dgm:cxn modelId="{4537F5EE-EA56-4391-87A3-4D676F41E594}" type="presParOf" srcId="{48BAD3F8-3D98-41DC-8713-8A46947D54BF}" destId="{8A791B23-C94F-4F62-9F8D-E3C069CF61F2}" srcOrd="1" destOrd="0" presId="urn:microsoft.com/office/officeart/2008/layout/LinedList"/>
+    <dgm:cxn modelId="{A93E18B3-440D-4EEB-839C-4259220688AF}" type="presParOf" srcId="{8A791B23-C94F-4F62-9F8D-E3C069CF61F2}" destId="{D5B2A7E3-AE59-459A-A3C3-A7E22B69E250}" srcOrd="0" destOrd="0" presId="urn:microsoft.com/office/officeart/2008/layout/LinedList"/>
+    <dgm:cxn modelId="{BD603E18-F0C2-403D-8D6C-9357FA413868}" type="presParOf" srcId="{8A791B23-C94F-4F62-9F8D-E3C069CF61F2}" destId="{3B9E3847-3C4F-4D5E-A5E2-38C049BF574F}" srcOrd="1" destOrd="0" presId="urn:microsoft.com/office/officeart/2008/layout/LinedList"/>
+    <dgm:cxn modelId="{732784C8-AEAF-4D77-994A-822739813FCA}" type="presParOf" srcId="{48BAD3F8-3D98-41DC-8713-8A46947D54BF}" destId="{4BFEBB5B-53AD-4478-991A-3FA771EB7BA5}" srcOrd="2" destOrd="0" presId="urn:microsoft.com/office/officeart/2008/layout/LinedList"/>
+    <dgm:cxn modelId="{973AFD39-3A9E-4951-90E9-EA9E51832CD6}" type="presParOf" srcId="{48BAD3F8-3D98-41DC-8713-8A46947D54BF}" destId="{1A0411B5-B465-4AB9-97B9-4D9A6BEC09B9}" srcOrd="3" destOrd="0" presId="urn:microsoft.com/office/officeart/2008/layout/LinedList"/>
+    <dgm:cxn modelId="{21A6F230-A10F-4619-A409-3D7A314987BB}" type="presParOf" srcId="{1A0411B5-B465-4AB9-97B9-4D9A6BEC09B9}" destId="{01D886A0-9B83-4FFA-AD54-3FE483549AF7}" srcOrd="0" destOrd="0" presId="urn:microsoft.com/office/officeart/2008/layout/LinedList"/>
+    <dgm:cxn modelId="{A797D92F-E08F-45E9-B472-1B75991F6457}" type="presParOf" srcId="{1A0411B5-B465-4AB9-97B9-4D9A6BEC09B9}" destId="{562E2210-AF74-4FC6-B64F-D45990827F55}" srcOrd="1" destOrd="0" presId="urn:microsoft.com/office/officeart/2008/layout/LinedList"/>
+    <dgm:cxn modelId="{14696C1C-EE44-4910-9EBD-7665F27A1E23}" type="presParOf" srcId="{48BAD3F8-3D98-41DC-8713-8A46947D54BF}" destId="{87E9294B-E6B7-4BE5-819F-C0FF10AEE95D}" srcOrd="4" destOrd="0" presId="urn:microsoft.com/office/officeart/2008/layout/LinedList"/>
+    <dgm:cxn modelId="{976962A2-7083-4174-947E-8316BA2786CB}" type="presParOf" srcId="{48BAD3F8-3D98-41DC-8713-8A46947D54BF}" destId="{469C8AEA-DEB3-4582-B787-A199FB113C67}" srcOrd="5" destOrd="0" presId="urn:microsoft.com/office/officeart/2008/layout/LinedList"/>
+    <dgm:cxn modelId="{53E40A35-34E1-4C0E-9FD7-907C614A4726}" type="presParOf" srcId="{469C8AEA-DEB3-4582-B787-A199FB113C67}" destId="{2F1FB74A-2DC6-4DA7-9121-1D14DA2793D8}" srcOrd="0" destOrd="0" presId="urn:microsoft.com/office/officeart/2008/layout/LinedList"/>
+    <dgm:cxn modelId="{906E91AB-6D78-425F-A406-DD2034D8C82C}" type="presParOf" srcId="{469C8AEA-DEB3-4582-B787-A199FB113C67}" destId="{33663108-3FA4-4135-9267-4B35BCF14B9D}" srcOrd="1" destOrd="0" presId="urn:microsoft.com/office/officeart/2008/layout/LinedList"/>
+    <dgm:cxn modelId="{6271E956-8C1E-4DA4-B22E-9584F7B6F6A4}" type="presParOf" srcId="{48BAD3F8-3D98-41DC-8713-8A46947D54BF}" destId="{A126C68F-BEAB-4146-9B64-1CAE9589B6EF}" srcOrd="6" destOrd="0" presId="urn:microsoft.com/office/officeart/2008/layout/LinedList"/>
+    <dgm:cxn modelId="{B4B2B312-2062-4EB1-A0F0-B3A853CC6857}" type="presParOf" srcId="{48BAD3F8-3D98-41DC-8713-8A46947D54BF}" destId="{73FC9A49-209A-4150-83E9-B2E481C4FC6B}" srcOrd="7" destOrd="0" presId="urn:microsoft.com/office/officeart/2008/layout/LinedList"/>
+    <dgm:cxn modelId="{B7AF559A-07CD-480B-AEFB-B2613D089716}" type="presParOf" srcId="{73FC9A49-209A-4150-83E9-B2E481C4FC6B}" destId="{14D6A231-A1B2-4944-95F1-49229C092DBA}" srcOrd="0" destOrd="0" presId="urn:microsoft.com/office/officeart/2008/layout/LinedList"/>
+    <dgm:cxn modelId="{8CA02A8B-B069-494C-AAB4-F712669B9FF6}" type="presParOf" srcId="{73FC9A49-209A-4150-83E9-B2E481C4FC6B}" destId="{0ECBD81D-293B-408C-87D6-2F98835ADD1D}" srcOrd="1" destOrd="0" presId="urn:microsoft.com/office/officeart/2008/layout/LinedList"/>
+    <dgm:cxn modelId="{02F87875-9161-445A-876D-0EE064514BB1}" type="presParOf" srcId="{48BAD3F8-3D98-41DC-8713-8A46947D54BF}" destId="{372DB00B-E7F1-47D0-BADD-ABE2CB6CB86A}" srcOrd="8" destOrd="0" presId="urn:microsoft.com/office/officeart/2008/layout/LinedList"/>
+    <dgm:cxn modelId="{F3815B38-30C2-4584-91AA-C52FF492F2DE}" type="presParOf" srcId="{48BAD3F8-3D98-41DC-8713-8A46947D54BF}" destId="{624FBF43-76D7-4AE4-97B8-F4BFBCD9B7B2}" srcOrd="9" destOrd="0" presId="urn:microsoft.com/office/officeart/2008/layout/LinedList"/>
+    <dgm:cxn modelId="{6340FEC6-4FE9-455B-9FDE-4133F9F97898}" type="presParOf" srcId="{624FBF43-76D7-4AE4-97B8-F4BFBCD9B7B2}" destId="{6B21903C-7BAC-49C7-B39C-D9E7E01115AD}" srcOrd="0" destOrd="0" presId="urn:microsoft.com/office/officeart/2008/layout/LinedList"/>
+    <dgm:cxn modelId="{C141FEBC-3232-499F-9774-7729A4F650E1}" type="presParOf" srcId="{624FBF43-76D7-4AE4-97B8-F4BFBCD9B7B2}" destId="{E6FFD71F-B0AC-47CF-B3F5-76EA894F5C3E}" srcOrd="1" destOrd="0" presId="urn:microsoft.com/office/officeart/2008/layout/LinedList"/>
+  </dgm:cxnLst>
+  <dgm:bg/>
+  <dgm:whole/>
+  <dgm:extLst>
+    <a:ext uri="http://schemas.microsoft.com/office/drawing/2008/diagram">
+      <dsp:dataModelExt xmlns:dsp="http://schemas.microsoft.com/office/drawing/2008/diagram" relId="rId8" minVer="http://schemas.openxmlformats.org/drawingml/2006/diagram"/>
+    </a:ext>
+  </dgm:extLst>
+</dgm:dataModel>
+</file>
+
+<file path=ppt/diagrams/drawing1.xml><?xml version="1.0" encoding="utf-8"?>
+<dsp:drawing xmlns:dgm="http://schemas.openxmlformats.org/drawingml/2006/diagram" xmlns:dsp="http://schemas.microsoft.com/office/drawing/2008/diagram" xmlns:a="http://schemas.openxmlformats.org/drawingml/2006/main">
+  <dsp:spTree>
+    <dsp:nvGrpSpPr>
+      <dsp:cNvPr id="0" name=""/>
+      <dsp:cNvGrpSpPr/>
+    </dsp:nvGrpSpPr>
+    <dsp:grpSpPr/>
+    <dsp:sp modelId="{B669660C-EFC3-4D98-A1D6-32B212E6920F}">
+      <dsp:nvSpPr>
+        <dsp:cNvPr id="0" name=""/>
+        <dsp:cNvSpPr/>
+      </dsp:nvSpPr>
+      <dsp:spPr>
+        <a:xfrm>
+          <a:off x="0" y="441"/>
+          <a:ext cx="10058399" cy="0"/>
+        </a:xfrm>
+        <a:prstGeom prst="line">
+          <a:avLst/>
+        </a:prstGeom>
+        <a:solidFill>
+          <a:schemeClr val="accent2">
+            <a:hueOff val="0"/>
+            <a:satOff val="0"/>
+            <a:lumOff val="0"/>
+            <a:alphaOff val="0"/>
+          </a:schemeClr>
+        </a:solidFill>
+        <a:ln w="12700" cap="flat" cmpd="sng" algn="ctr">
+          <a:solidFill>
+            <a:schemeClr val="accent2">
+              <a:hueOff val="0"/>
+              <a:satOff val="0"/>
+              <a:lumOff val="0"/>
+              <a:alphaOff val="0"/>
+            </a:schemeClr>
+          </a:solidFill>
+          <a:prstDash val="solid"/>
+        </a:ln>
+        <a:effectLst/>
+      </dsp:spPr>
+      <dsp:style>
+        <a:lnRef idx="2">
+          <a:scrgbClr r="0" g="0" b="0"/>
+        </a:lnRef>
+        <a:fillRef idx="1">
+          <a:scrgbClr r="0" g="0" b="0"/>
+        </a:fillRef>
+        <a:effectRef idx="0">
+          <a:scrgbClr r="0" g="0" b="0"/>
+        </a:effectRef>
+        <a:fontRef idx="minor">
+          <a:schemeClr val="lt1"/>
+        </a:fontRef>
+      </dsp:style>
+    </dsp:sp>
+    <dsp:sp modelId="{D5B2A7E3-AE59-459A-A3C3-A7E22B69E250}">
+      <dsp:nvSpPr>
+        <dsp:cNvPr id="0" name=""/>
+        <dsp:cNvSpPr/>
+      </dsp:nvSpPr>
+      <dsp:spPr>
+        <a:xfrm>
+          <a:off x="0" y="441"/>
+          <a:ext cx="10058399" cy="723392"/>
+        </a:xfrm>
+        <a:prstGeom prst="rect">
+          <a:avLst/>
+        </a:prstGeom>
+        <a:noFill/>
+        <a:ln>
+          <a:noFill/>
+        </a:ln>
+        <a:effectLst/>
+      </dsp:spPr>
+      <dsp:style>
+        <a:lnRef idx="0">
+          <a:scrgbClr r="0" g="0" b="0"/>
+        </a:lnRef>
+        <a:fillRef idx="0">
+          <a:scrgbClr r="0" g="0" b="0"/>
+        </a:fillRef>
+        <a:effectRef idx="0">
+          <a:scrgbClr r="0" g="0" b="0"/>
+        </a:effectRef>
+        <a:fontRef idx="minor"/>
+      </dsp:style>
+      <dsp:txBody>
+        <a:bodyPr spcFirstLastPara="0" vert="horz" wrap="square" lIns="129540" tIns="129540" rIns="129540" bIns="129540" numCol="1" spcCol="1270" anchor="t" anchorCtr="0">
+          <a:noAutofit/>
+        </a:bodyPr>
+        <a:lstStyle/>
+        <a:p>
+          <a:pPr marL="0" lvl="0" indent="0" algn="l" defTabSz="1511300">
+            <a:lnSpc>
+              <a:spcPct val="90000"/>
+            </a:lnSpc>
+            <a:spcBef>
+              <a:spcPct val="0"/>
+            </a:spcBef>
+            <a:spcAft>
+              <a:spcPct val="35000"/>
+            </a:spcAft>
+            <a:buNone/>
+          </a:pPr>
+          <a:r>
+            <a:rPr lang="en-US" sz="3400" kern="1200"/>
+            <a:t>Dashboard progress</a:t>
+          </a:r>
+        </a:p>
+      </dsp:txBody>
+      <dsp:txXfrm>
+        <a:off x="0" y="441"/>
+        <a:ext cx="10058399" cy="723392"/>
+      </dsp:txXfrm>
+    </dsp:sp>
+    <dsp:sp modelId="{4BFEBB5B-53AD-4478-991A-3FA771EB7BA5}">
+      <dsp:nvSpPr>
+        <dsp:cNvPr id="0" name=""/>
+        <dsp:cNvSpPr/>
+      </dsp:nvSpPr>
+      <dsp:spPr>
+        <a:xfrm>
+          <a:off x="0" y="723833"/>
+          <a:ext cx="10058399" cy="0"/>
+        </a:xfrm>
+        <a:prstGeom prst="line">
+          <a:avLst/>
+        </a:prstGeom>
+        <a:solidFill>
+          <a:schemeClr val="accent2">
+            <a:hueOff val="0"/>
+            <a:satOff val="0"/>
+            <a:lumOff val="0"/>
+            <a:alphaOff val="0"/>
+          </a:schemeClr>
+        </a:solidFill>
+        <a:ln w="12700" cap="flat" cmpd="sng" algn="ctr">
+          <a:solidFill>
+            <a:schemeClr val="accent2">
+              <a:hueOff val="0"/>
+              <a:satOff val="0"/>
+              <a:lumOff val="0"/>
+              <a:alphaOff val="0"/>
+            </a:schemeClr>
+          </a:solidFill>
+          <a:prstDash val="solid"/>
+        </a:ln>
+        <a:effectLst/>
+      </dsp:spPr>
+      <dsp:style>
+        <a:lnRef idx="2">
+          <a:scrgbClr r="0" g="0" b="0"/>
+        </a:lnRef>
+        <a:fillRef idx="1">
+          <a:scrgbClr r="0" g="0" b="0"/>
+        </a:fillRef>
+        <a:effectRef idx="0">
+          <a:scrgbClr r="0" g="0" b="0"/>
+        </a:effectRef>
+        <a:fontRef idx="minor">
+          <a:schemeClr val="lt1"/>
+        </a:fontRef>
+      </dsp:style>
+    </dsp:sp>
+    <dsp:sp modelId="{01D886A0-9B83-4FFA-AD54-3FE483549AF7}">
+      <dsp:nvSpPr>
+        <dsp:cNvPr id="0" name=""/>
+        <dsp:cNvSpPr/>
+      </dsp:nvSpPr>
+      <dsp:spPr>
+        <a:xfrm>
+          <a:off x="0" y="723833"/>
+          <a:ext cx="10058399" cy="723392"/>
+        </a:xfrm>
+        <a:prstGeom prst="rect">
+          <a:avLst/>
+        </a:prstGeom>
+        <a:noFill/>
+        <a:ln>
+          <a:noFill/>
+        </a:ln>
+        <a:effectLst/>
+      </dsp:spPr>
+      <dsp:style>
+        <a:lnRef idx="0">
+          <a:scrgbClr r="0" g="0" b="0"/>
+        </a:lnRef>
+        <a:fillRef idx="0">
+          <a:scrgbClr r="0" g="0" b="0"/>
+        </a:fillRef>
+        <a:effectRef idx="0">
+          <a:scrgbClr r="0" g="0" b="0"/>
+        </a:effectRef>
+        <a:fontRef idx="minor"/>
+      </dsp:style>
+      <dsp:txBody>
+        <a:bodyPr spcFirstLastPara="0" vert="horz" wrap="square" lIns="129540" tIns="129540" rIns="129540" bIns="129540" numCol="1" spcCol="1270" anchor="t" anchorCtr="0">
+          <a:noAutofit/>
+        </a:bodyPr>
+        <a:lstStyle/>
+        <a:p>
+          <a:pPr marL="0" lvl="0" indent="0" algn="l" defTabSz="1511300">
+            <a:lnSpc>
+              <a:spcPct val="90000"/>
+            </a:lnSpc>
+            <a:spcBef>
+              <a:spcPct val="0"/>
+            </a:spcBef>
+            <a:spcAft>
+              <a:spcPct val="35000"/>
+            </a:spcAft>
+            <a:buNone/>
+          </a:pPr>
+          <a:r>
+            <a:rPr lang="en-US" sz="3400" kern="1200" dirty="0"/>
+            <a:t>Clubs Page initial design/ set up</a:t>
+          </a:r>
+        </a:p>
+      </dsp:txBody>
+      <dsp:txXfrm>
+        <a:off x="0" y="723833"/>
+        <a:ext cx="10058399" cy="723392"/>
+      </dsp:txXfrm>
+    </dsp:sp>
+    <dsp:sp modelId="{87E9294B-E6B7-4BE5-819F-C0FF10AEE95D}">
+      <dsp:nvSpPr>
+        <dsp:cNvPr id="0" name=""/>
+        <dsp:cNvSpPr/>
+      </dsp:nvSpPr>
+      <dsp:spPr>
+        <a:xfrm>
+          <a:off x="0" y="1447226"/>
+          <a:ext cx="10058399" cy="0"/>
+        </a:xfrm>
+        <a:prstGeom prst="line">
+          <a:avLst/>
+        </a:prstGeom>
+        <a:solidFill>
+          <a:schemeClr val="accent2">
+            <a:hueOff val="0"/>
+            <a:satOff val="0"/>
+            <a:lumOff val="0"/>
+            <a:alphaOff val="0"/>
+          </a:schemeClr>
+        </a:solidFill>
+        <a:ln w="12700" cap="flat" cmpd="sng" algn="ctr">
+          <a:solidFill>
+            <a:schemeClr val="accent2">
+              <a:hueOff val="0"/>
+              <a:satOff val="0"/>
+              <a:lumOff val="0"/>
+              <a:alphaOff val="0"/>
+            </a:schemeClr>
+          </a:solidFill>
+          <a:prstDash val="solid"/>
+        </a:ln>
+        <a:effectLst/>
+      </dsp:spPr>
+      <dsp:style>
+        <a:lnRef idx="2">
+          <a:scrgbClr r="0" g="0" b="0"/>
+        </a:lnRef>
+        <a:fillRef idx="1">
+          <a:scrgbClr r="0" g="0" b="0"/>
+        </a:fillRef>
+        <a:effectRef idx="0">
+          <a:scrgbClr r="0" g="0" b="0"/>
+        </a:effectRef>
+        <a:fontRef idx="minor">
+          <a:schemeClr val="lt1"/>
+        </a:fontRef>
+      </dsp:style>
+    </dsp:sp>
+    <dsp:sp modelId="{2F1FB74A-2DC6-4DA7-9121-1D14DA2793D8}">
+      <dsp:nvSpPr>
+        <dsp:cNvPr id="0" name=""/>
+        <dsp:cNvSpPr/>
+      </dsp:nvSpPr>
+      <dsp:spPr>
+        <a:xfrm>
+          <a:off x="0" y="1447226"/>
+          <a:ext cx="10058399" cy="723392"/>
+        </a:xfrm>
+        <a:prstGeom prst="rect">
+          <a:avLst/>
+        </a:prstGeom>
+        <a:noFill/>
+        <a:ln>
+          <a:noFill/>
+        </a:ln>
+        <a:effectLst/>
+      </dsp:spPr>
+      <dsp:style>
+        <a:lnRef idx="0">
+          <a:scrgbClr r="0" g="0" b="0"/>
+        </a:lnRef>
+        <a:fillRef idx="0">
+          <a:scrgbClr r="0" g="0" b="0"/>
+        </a:fillRef>
+        <a:effectRef idx="0">
+          <a:scrgbClr r="0" g="0" b="0"/>
+        </a:effectRef>
+        <a:fontRef idx="minor"/>
+      </dsp:style>
+      <dsp:txBody>
+        <a:bodyPr spcFirstLastPara="0" vert="horz" wrap="square" lIns="129540" tIns="129540" rIns="129540" bIns="129540" numCol="1" spcCol="1270" anchor="t" anchorCtr="0">
+          <a:noAutofit/>
+        </a:bodyPr>
+        <a:lstStyle/>
+        <a:p>
+          <a:pPr marL="0" lvl="0" indent="0" algn="l" defTabSz="1511300">
+            <a:lnSpc>
+              <a:spcPct val="90000"/>
+            </a:lnSpc>
+            <a:spcBef>
+              <a:spcPct val="0"/>
+            </a:spcBef>
+            <a:spcAft>
+              <a:spcPct val="35000"/>
+            </a:spcAft>
+            <a:buNone/>
+          </a:pPr>
+          <a:r>
+            <a:rPr lang="en-US" sz="3400" kern="1200" dirty="0"/>
+            <a:t>Leaderboard Page initial design/ set up</a:t>
+          </a:r>
+        </a:p>
+      </dsp:txBody>
+      <dsp:txXfrm>
+        <a:off x="0" y="1447226"/>
+        <a:ext cx="10058399" cy="723392"/>
+      </dsp:txXfrm>
+    </dsp:sp>
+    <dsp:sp modelId="{A126C68F-BEAB-4146-9B64-1CAE9589B6EF}">
+      <dsp:nvSpPr>
+        <dsp:cNvPr id="0" name=""/>
+        <dsp:cNvSpPr/>
+      </dsp:nvSpPr>
+      <dsp:spPr>
+        <a:xfrm>
+          <a:off x="0" y="2170618"/>
+          <a:ext cx="10058399" cy="0"/>
+        </a:xfrm>
+        <a:prstGeom prst="line">
+          <a:avLst/>
+        </a:prstGeom>
+        <a:solidFill>
+          <a:schemeClr val="accent2">
+            <a:hueOff val="0"/>
+            <a:satOff val="0"/>
+            <a:lumOff val="0"/>
+            <a:alphaOff val="0"/>
+          </a:schemeClr>
+        </a:solidFill>
+        <a:ln w="12700" cap="flat" cmpd="sng" algn="ctr">
+          <a:solidFill>
+            <a:schemeClr val="accent2">
+              <a:hueOff val="0"/>
+              <a:satOff val="0"/>
+              <a:lumOff val="0"/>
+              <a:alphaOff val="0"/>
+            </a:schemeClr>
+          </a:solidFill>
+          <a:prstDash val="solid"/>
+        </a:ln>
+        <a:effectLst/>
+      </dsp:spPr>
+      <dsp:style>
+        <a:lnRef idx="2">
+          <a:scrgbClr r="0" g="0" b="0"/>
+        </a:lnRef>
+        <a:fillRef idx="1">
+          <a:scrgbClr r="0" g="0" b="0"/>
+        </a:fillRef>
+        <a:effectRef idx="0">
+          <a:scrgbClr r="0" g="0" b="0"/>
+        </a:effectRef>
+        <a:fontRef idx="minor">
+          <a:schemeClr val="lt1"/>
+        </a:fontRef>
+      </dsp:style>
+    </dsp:sp>
+    <dsp:sp modelId="{14D6A231-A1B2-4944-95F1-49229C092DBA}">
+      <dsp:nvSpPr>
+        <dsp:cNvPr id="0" name=""/>
+        <dsp:cNvSpPr/>
+      </dsp:nvSpPr>
+      <dsp:spPr>
+        <a:xfrm>
+          <a:off x="0" y="2170618"/>
+          <a:ext cx="10058399" cy="723392"/>
+        </a:xfrm>
+        <a:prstGeom prst="rect">
+          <a:avLst/>
+        </a:prstGeom>
+        <a:noFill/>
+        <a:ln>
+          <a:noFill/>
+        </a:ln>
+        <a:effectLst/>
+      </dsp:spPr>
+      <dsp:style>
+        <a:lnRef idx="0">
+          <a:scrgbClr r="0" g="0" b="0"/>
+        </a:lnRef>
+        <a:fillRef idx="0">
+          <a:scrgbClr r="0" g="0" b="0"/>
+        </a:fillRef>
+        <a:effectRef idx="0">
+          <a:scrgbClr r="0" g="0" b="0"/>
+        </a:effectRef>
+        <a:fontRef idx="minor"/>
+      </dsp:style>
+      <dsp:txBody>
+        <a:bodyPr spcFirstLastPara="0" vert="horz" wrap="square" lIns="129540" tIns="129540" rIns="129540" bIns="129540" numCol="1" spcCol="1270" anchor="t" anchorCtr="0">
+          <a:noAutofit/>
+        </a:bodyPr>
+        <a:lstStyle/>
+        <a:p>
+          <a:pPr marL="0" lvl="0" indent="0" algn="l" defTabSz="1511300">
+            <a:lnSpc>
+              <a:spcPct val="90000"/>
+            </a:lnSpc>
+            <a:spcBef>
+              <a:spcPct val="0"/>
+            </a:spcBef>
+            <a:spcAft>
+              <a:spcPct val="35000"/>
+            </a:spcAft>
+            <a:buNone/>
+          </a:pPr>
+          <a:r>
+            <a:rPr lang="en-US" sz="3400" kern="1200"/>
+            <a:t>Data filtering &amp; Validation</a:t>
+          </a:r>
+        </a:p>
+      </dsp:txBody>
+      <dsp:txXfrm>
+        <a:off x="0" y="2170618"/>
+        <a:ext cx="10058399" cy="723392"/>
+      </dsp:txXfrm>
+    </dsp:sp>
+    <dsp:sp modelId="{372DB00B-E7F1-47D0-BADD-ABE2CB6CB86A}">
+      <dsp:nvSpPr>
+        <dsp:cNvPr id="0" name=""/>
+        <dsp:cNvSpPr/>
+      </dsp:nvSpPr>
+      <dsp:spPr>
+        <a:xfrm>
+          <a:off x="0" y="2894011"/>
+          <a:ext cx="10058399" cy="0"/>
+        </a:xfrm>
+        <a:prstGeom prst="line">
+          <a:avLst/>
+        </a:prstGeom>
+        <a:solidFill>
+          <a:schemeClr val="accent2">
+            <a:hueOff val="0"/>
+            <a:satOff val="0"/>
+            <a:lumOff val="0"/>
+            <a:alphaOff val="0"/>
+          </a:schemeClr>
+        </a:solidFill>
+        <a:ln w="12700" cap="flat" cmpd="sng" algn="ctr">
+          <a:solidFill>
+            <a:schemeClr val="accent2">
+              <a:hueOff val="0"/>
+              <a:satOff val="0"/>
+              <a:lumOff val="0"/>
+              <a:alphaOff val="0"/>
+            </a:schemeClr>
+          </a:solidFill>
+          <a:prstDash val="solid"/>
+        </a:ln>
+        <a:effectLst/>
+      </dsp:spPr>
+      <dsp:style>
+        <a:lnRef idx="2">
+          <a:scrgbClr r="0" g="0" b="0"/>
+        </a:lnRef>
+        <a:fillRef idx="1">
+          <a:scrgbClr r="0" g="0" b="0"/>
+        </a:fillRef>
+        <a:effectRef idx="0">
+          <a:scrgbClr r="0" g="0" b="0"/>
+        </a:effectRef>
+        <a:fontRef idx="minor">
+          <a:schemeClr val="lt1"/>
+        </a:fontRef>
+      </dsp:style>
+    </dsp:sp>
+    <dsp:sp modelId="{6B21903C-7BAC-49C7-B39C-D9E7E01115AD}">
+      <dsp:nvSpPr>
+        <dsp:cNvPr id="0" name=""/>
+        <dsp:cNvSpPr/>
+      </dsp:nvSpPr>
+      <dsp:spPr>
+        <a:xfrm>
+          <a:off x="0" y="2894011"/>
+          <a:ext cx="10058399" cy="723392"/>
+        </a:xfrm>
+        <a:prstGeom prst="rect">
+          <a:avLst/>
+        </a:prstGeom>
+        <a:noFill/>
+        <a:ln>
+          <a:noFill/>
+        </a:ln>
+        <a:effectLst/>
+      </dsp:spPr>
+      <dsp:style>
+        <a:lnRef idx="0">
+          <a:scrgbClr r="0" g="0" b="0"/>
+        </a:lnRef>
+        <a:fillRef idx="0">
+          <a:scrgbClr r="0" g="0" b="0"/>
+        </a:fillRef>
+        <a:effectRef idx="0">
+          <a:scrgbClr r="0" g="0" b="0"/>
+        </a:effectRef>
+        <a:fontRef idx="minor"/>
+      </dsp:style>
+      <dsp:txBody>
+        <a:bodyPr spcFirstLastPara="0" vert="horz" wrap="square" lIns="129540" tIns="129540" rIns="129540" bIns="129540" numCol="1" spcCol="1270" anchor="t" anchorCtr="0">
+          <a:noAutofit/>
+        </a:bodyPr>
+        <a:lstStyle/>
+        <a:p>
+          <a:pPr marL="0" lvl="0" indent="0" algn="l" defTabSz="1511300">
+            <a:lnSpc>
+              <a:spcPct val="90000"/>
+            </a:lnSpc>
+            <a:spcBef>
+              <a:spcPct val="0"/>
+            </a:spcBef>
+            <a:spcAft>
+              <a:spcPct val="35000"/>
+            </a:spcAft>
+            <a:buNone/>
+          </a:pPr>
+          <a:r>
+            <a:rPr lang="en-US" sz="3400" kern="1200"/>
+            <a:t>Activities Displayed on Dashboard</a:t>
+          </a:r>
+        </a:p>
+      </dsp:txBody>
+      <dsp:txXfrm>
+        <a:off x="0" y="2894011"/>
+        <a:ext cx="10058399" cy="723392"/>
+      </dsp:txXfrm>
+    </dsp:sp>
+  </dsp:spTree>
+</dsp:drawing>
+</file>
+
+<file path=ppt/diagrams/layout1.xml><?xml version="1.0" encoding="utf-8"?>
+<dgm:layoutDef xmlns:dgm="http://schemas.openxmlformats.org/drawingml/2006/diagram" xmlns:a="http://schemas.openxmlformats.org/drawingml/2006/main" uniqueId="urn:microsoft.com/office/officeart/2008/layout/LinedList">
+  <dgm:title val=""/>
+  <dgm:desc val=""/>
+  <dgm:catLst>
+    <dgm:cat type="hierarchy" pri="8000"/>
+    <dgm:cat type="list" pri="2500"/>
+  </dgm:catLst>
+  <dgm:sampData>
+    <dgm:dataModel>
+      <dgm:ptLst>
+        <dgm:pt modelId="0" type="doc"/>
+        <dgm:pt modelId="1">
+          <dgm:prSet phldr="1"/>
+        </dgm:pt>
+        <dgm:pt modelId="11">
+          <dgm:prSet phldr="1"/>
+        </dgm:pt>
+        <dgm:pt modelId="12">
+          <dgm:prSet phldr="1"/>
+        </dgm:pt>
+        <dgm:pt modelId="13">
+          <dgm:prSet phldr="1"/>
+        </dgm:pt>
+      </dgm:ptLst>
+      <dgm:cxnLst>
+        <dgm:cxn modelId="2" srcId="0" destId="1" srcOrd="0" destOrd="0"/>
+        <dgm:cxn modelId="3" srcId="1" destId="11" srcOrd="0" destOrd="0"/>
+        <dgm:cxn modelId="4" srcId="1" destId="12" srcOrd="1" destOrd="0"/>
+        <dgm:cxn modelId="5" srcId="1" destId="13" srcOrd="2" destOrd="0"/>
+      </dgm:cxnLst>
+      <dgm:bg/>
+      <dgm:whole/>
+    </dgm:dataModel>
+  </dgm:sampData>
+  <dgm:styleData>
+    <dgm:dataModel>
+      <dgm:ptLst>
+        <dgm:pt modelId="0" type="doc"/>
+        <dgm:pt modelId="1">
+          <dgm:prSet phldr="1"/>
+        </dgm:pt>
+        <dgm:pt modelId="11">
+          <dgm:prSet phldr="1"/>
+        </dgm:pt>
+        <dgm:pt modelId="12">
+          <dgm:prSet phldr="1"/>
+        </dgm:pt>
+      </dgm:ptLst>
+      <dgm:cxnLst>
+        <dgm:cxn modelId="2" srcId="0" destId="1" srcOrd="0" destOrd="0"/>
+        <dgm:cxn modelId="3" srcId="1" destId="11" srcOrd="0" destOrd="0"/>
+        <dgm:cxn modelId="4" srcId="1" destId="12" srcOrd="1" destOrd="0"/>
+      </dgm:cxnLst>
+      <dgm:bg/>
+      <dgm:whole/>
+    </dgm:dataModel>
+  </dgm:styleData>
+  <dgm:clrData>
+    <dgm:dataModel>
+      <dgm:ptLst>
+        <dgm:pt modelId="0" type="doc"/>
+        <dgm:pt modelId="1">
+          <dgm:prSet phldr="1"/>
+        </dgm:pt>
+        <dgm:pt modelId="11">
+          <dgm:prSet phldr="1"/>
+        </dgm:pt>
+        <dgm:pt modelId="12">
+          <dgm:prSet phldr="1"/>
+        </dgm:pt>
+      </dgm:ptLst>
+      <dgm:cxnLst>
+        <dgm:cxn modelId="2" srcId="0" destId="1" srcOrd="0" destOrd="0"/>
+        <dgm:cxn modelId="3" srcId="1" destId="11" srcOrd="0" destOrd="0"/>
+        <dgm:cxn modelId="4" srcId="1" destId="12" srcOrd="1" destOrd="0"/>
+      </dgm:cxnLst>
+      <dgm:bg/>
+      <dgm:whole/>
+    </dgm:dataModel>
+  </dgm:clrData>
+  <dgm:layoutNode name="vert0">
+    <dgm:varLst>
+      <dgm:dir/>
+      <dgm:animOne val="branch"/>
+      <dgm:animLvl val="lvl"/>
+    </dgm:varLst>
+    <dgm:choose name="Name0">
+      <dgm:if name="Name1" func="var" arg="dir" op="equ" val="norm">
+        <dgm:alg type="lin">
+          <dgm:param type="linDir" val="fromT"/>
+          <dgm:param type="nodeHorzAlign" val="l"/>
+        </dgm:alg>
+      </dgm:if>
+      <dgm:else name="Name2">
+        <dgm:alg type="lin">
+          <dgm:param type="linDir" val="fromT"/>
+          <dgm:param type="nodeHorzAlign" val="r"/>
+        </dgm:alg>
+      </dgm:else>
+    </dgm:choose>
+    <dgm:shape xmlns:r="http://schemas.openxmlformats.org/officeDocument/2006/relationships" r:blip="">
+      <dgm:adjLst/>
+    </dgm:shape>
+    <dgm:presOf/>
+    <dgm:constrLst>
+      <dgm:constr type="w" for="ch" forName="horz1" refType="w"/>
+      <dgm:constr type="h" for="ch" forName="horz1" refType="h"/>
+      <dgm:constr type="h" for="des" forName="vert1" refType="h"/>
+      <dgm:constr type="h" for="des" forName="tx1" refType="h"/>
+      <dgm:constr type="h" for="des" forName="horz2" refType="h"/>
+      <dgm:constr type="h" for="des" forName="vert2" refType="h"/>
+      <dgm:constr type="h" for="des" forName="horz3" refType="h"/>
+      <dgm:constr type="h" for="des" forName="vert3" refType="h"/>
+      <dgm:constr type="h" for="des" forName="horz4" refType="h"/>
+      <dgm:constr type="h" for="des" ptType="node" refType="h"/>
+      <dgm:constr type="primFontSz" for="des" forName="tx1" op="equ" val="65"/>
+      <dgm:constr type="primFontSz" for="des" forName="tx2" op="equ" val="65"/>
+      <dgm:constr type="primFontSz" for="des" forName="tx3" op="equ" val="65"/>
+      <dgm:constr type="primFontSz" for="des" forName="tx4" op="equ" val="65"/>
+      <dgm:constr type="w" for="des" forName="thickLine" refType="w"/>
+      <dgm:constr type="h" for="des" forName="thickLine"/>
+      <dgm:constr type="h" for="des" forName="thinLine1"/>
+      <dgm:constr type="h" for="des" forName="thinLine2b"/>
+      <dgm:constr type="h" for="des" forName="thinLine3"/>
+      <dgm:constr type="h" for="des" forName="vertSpace2a" refType="h" fact="0.05"/>
+      <dgm:constr type="h" for="des" forName="vertSpace2b" refType="h" refFor="des" refForName="vertSpace2a"/>
+    </dgm:constrLst>
+    <dgm:forEach name="Name3" axis="ch" ptType="node">
+      <dgm:layoutNode name="thickLine" styleLbl="alignNode1">
+        <dgm:alg type="sp"/>
+        <dgm:shape xmlns:r="http://schemas.openxmlformats.org/officeDocument/2006/relationships" type="line" r:blip="">
+          <dgm:adjLst/>
+        </dgm:shape>
+        <dgm:presOf/>
+      </dgm:layoutNode>
+      <dgm:layoutNode name="horz1">
+        <dgm:choose name="Name4">
+          <dgm:if name="Name5" func="var" arg="dir" op="equ" val="norm">
+            <dgm:alg type="lin">
+              <dgm:param type="linDir" val="fromL"/>
+              <dgm:param type="nodeVertAlign" val="t"/>
+            </dgm:alg>
+          </dgm:if>
+          <dgm:else name="Name6">
+            <dgm:alg type="lin">
+              <dgm:param type="linDir" val="fromR"/>
+              <dgm:param type="nodeVertAlign" val="t"/>
+            </dgm:alg>
+          </dgm:else>
+        </dgm:choose>
+        <dgm:shape xmlns:r="http://schemas.openxmlformats.org/officeDocument/2006/relationships" r:blip="">
+          <dgm:adjLst/>
+        </dgm:shape>
+        <dgm:presOf/>
+        <dgm:choose name="Name7">
+          <dgm:if name="Name8" axis="root des" func="maxDepth" op="equ" val="1">
+            <dgm:constrLst>
+              <dgm:constr type="w" for="ch" forName="tx1" refType="w"/>
+            </dgm:constrLst>
+          </dgm:if>
+          <dgm:if name="Name9" axis="root des" func="maxDepth" op="equ" val="2">
+            <dgm:constrLst>
+              <dgm:constr type="w" for="ch" forName="tx1" refType="w" fact="0.2"/>
+              <dgm:constr type="w" for="des" forName="tx2" refType="w" fact="0.785"/>
+              <dgm:constr type="w" for="des" forName="horzSpace2" refType="w" fact="0.015"/>
+              <dgm:constr type="w" for="des" forName="thinLine2b" refType="w" fact="0.8"/>
+            </dgm:constrLst>
+          </dgm:if>
+          <dgm:if name="Name10" axis="root des" func="maxDepth" op="equ" val="3">
+            <dgm:constrLst>
+              <dgm:constr type="w" for="ch" forName="tx1" refType="w" fact="0.2"/>
+              <dgm:constr type="w" for="des" forName="tx2" refType="w" fact="0.385"/>
+              <dgm:constr type="w" for="des" forName="tx3" refType="w" fact="0.385"/>
+              <dgm:constr type="w" for="des" forName="horzSpace2" refType="w" fact="0.015"/>
+              <dgm:constr type="w" for="des" forName="horzSpace3" refType="w" fact="0.015"/>
+              <dgm:constr type="w" for="des" forName="thinLine2b" refType="w" fact="0.8"/>
+              <dgm:constr type="w" for="des" forName="thinLine3" refType="w" fact="0.385"/>
+            </dgm:constrLst>
+          </dgm:if>
+          <dgm:if name="Name11" axis="root des" func="maxDepth" op="gte" val="4">
+            <dgm:constrLst>
+              <dgm:constr type="w" for="ch" forName="tx1" refType="w" fact="0.2"/>
+              <dgm:constr type="w" for="des" forName="tx2" refType="w" fact="0.2516"/>
+              <dgm:constr type="w" for="des" forName="tx3" refType="w" fact="0.2516"/>
+              <dgm:constr type="w" for="des" forName="tx4" refType="w" fact="0.2516"/>
+              <dgm:constr type="w" for="des" forName="horzSpace2" refType="w" fact="0.015"/>
+              <dgm:constr type="w" for="des" forName="horzSpace3" refType="w" fact="0.015"/>
+              <dgm:constr type="w" for="des" forName="horzSpace4" refType="w" fact="0.015"/>
+              <dgm:constr type="w" for="des" forName="thinLine2b" refType="w" fact="0.8"/>
+              <dgm:constr type="w" for="des" forName="thinLine3" refType="w" fact="0.5332"/>
+            </dgm:constrLst>
+          </dgm:if>
+          <dgm:else name="Name12"/>
+        </dgm:choose>
+        <dgm:layoutNode name="tx1" styleLbl="revTx">
+          <dgm:alg type="tx">
+            <dgm:param type="parTxLTRAlign" val="l"/>
+            <dgm:param type="parTxRTLAlign" val="r"/>
+            <dgm:param type="txAnchorVert" val="t"/>
+          </dgm:alg>
+          <dgm:shape xmlns:r="http://schemas.openxmlformats.org/officeDocument/2006/relationships" type="rect" r:blip="">
+            <dgm:adjLst/>
+          </dgm:shape>
+          <dgm:presOf axis="self"/>
+          <dgm:constrLst>
+            <dgm:constr type="tMarg" refType="primFontSz" fact="0.3"/>
+            <dgm:constr type="bMarg" refType="primFontSz" fact="0.3"/>
+            <dgm:constr type="lMarg" refType="primFontSz" fact="0.3"/>
+            <dgm:constr type="rMarg" refType="primFontSz" fact="0.3"/>
+          </dgm:constrLst>
+          <dgm:ruleLst>
+            <dgm:rule type="primFontSz" val="5" fact="NaN" max="NaN"/>
+          </dgm:ruleLst>
+        </dgm:layoutNode>
+        <dgm:layoutNode name="vert1">
+          <dgm:choose name="Name13">
+            <dgm:if name="Name14" func="var" arg="dir" op="equ" val="norm">
+              <dgm:alg type="lin">
+                <dgm:param type="linDir" val="fromT"/>
+                <dgm:param type="nodeHorzAlign" val="l"/>
+              </dgm:alg>
+            </dgm:if>
+            <dgm:else name="Name15">
+              <dgm:alg type="lin">
+                <dgm:param type="linDir" val="fromT"/>
+                <dgm:param type="nodeHorzAlign" val="r"/>
+              </dgm:alg>
+            </dgm:else>
+          </dgm:choose>
+          <dgm:shape xmlns:r="http://schemas.openxmlformats.org/officeDocument/2006/relationships" r:blip="">
+            <dgm:adjLst/>
+          </dgm:shape>
+          <dgm:presOf/>
+          <dgm:forEach name="Name16" axis="ch" ptType="node">
+            <dgm:choose name="Name17">
+              <dgm:if name="Name18" axis="self" ptType="node" func="pos" op="equ" val="1">
+                <dgm:layoutNode name="vertSpace2a">
+                  <dgm:alg type="sp"/>
+                  <dgm:shape xmlns:r="http://schemas.openxmlformats.org/officeDocument/2006/relationships" r:blip="">
+                    <dgm:adjLst/>
+                  </dgm:shape>
+                  <dgm:presOf/>
+                </dgm:layoutNode>
+              </dgm:if>
+              <dgm:else name="Name19"/>
+            </dgm:choose>
+            <dgm:layoutNode name="horz2">
+              <dgm:choose name="Name20">
+                <dgm:if name="Name21" func="var" arg="dir" op="equ" val="norm">
+                  <dgm:alg type="lin">
+                    <dgm:param type="linDir" val="fromL"/>
+                    <dgm:param type="nodeVertAlign" val="t"/>
+                  </dgm:alg>
+                </dgm:if>
+                <dgm:else name="Name22">
+                  <dgm:alg type="lin">
+                    <dgm:param type="linDir" val="fromR"/>
+                    <dgm:param type="nodeVertAlign" val="t"/>
+                  </dgm:alg>
+                </dgm:else>
+              </dgm:choose>
+              <dgm:shape xmlns:r="http://schemas.openxmlformats.org/officeDocument/2006/relationships" r:blip="">
+                <dgm:adjLst/>
+              </dgm:shape>
+              <dgm:presOf/>
+              <dgm:layoutNode name="horzSpace2">
+                <dgm:alg type="sp"/>
+                <dgm:shape xmlns:r="http://schemas.openxmlformats.org/officeDocument/2006/relationships" r:blip="">
+                  <dgm:adjLst/>
+                </dgm:shape>
+                <dgm:presOf/>
+              </dgm:layoutNode>
+              <dgm:layoutNode name="tx2" styleLbl="revTx">
+                <dgm:alg type="tx">
+                  <dgm:param type="parTxLTRAlign" val="l"/>
+                  <dgm:param type="parTxRTLAlign" val="r"/>
+                  <dgm:param type="txAnchorVert" val="t"/>
+                </dgm:alg>
+                <dgm:shape xmlns:r="http://schemas.openxmlformats.org/officeDocument/2006/relationships" type="rect" r:blip="">
+                  <dgm:adjLst/>
+                </dgm:shape>
+                <dgm:presOf axis="self"/>
+                <dgm:constrLst>
+                  <dgm:constr type="tMarg" refType="primFontSz" fact="0.3"/>
+                  <dgm:constr type="bMarg" refType="primFontSz" fact="0.3"/>
+                  <dgm:constr type="lMarg" refType="primFontSz" fact="0.3"/>
+                  <dgm:constr type="rMarg" refType="primFontSz" fact="0.3"/>
+                </dgm:constrLst>
+                <dgm:ruleLst>
+                  <dgm:rule type="primFontSz" val="5" fact="NaN" max="NaN"/>
+                </dgm:ruleLst>
+              </dgm:layoutNode>
+              <dgm:layoutNode name="vert2">
+                <dgm:choose name="Name23">
+                  <dgm:if name="Name24" func="var" arg="dir" op="equ" val="norm">
+                    <dgm:alg type="lin">
+                      <dgm:param type="linDir" val="fromT"/>
+                      <dgm:param type="nodeHorzAlign" val="l"/>
+                    </dgm:alg>
+                  </dgm:if>
+                  <dgm:else name="Name25">
+                    <dgm:alg type="lin">
+                      <dgm:param type="linDir" val="fromT"/>
+                      <dgm:param type="nodeHorzAlign" val="r"/>
+                    </dgm:alg>
+                  </dgm:else>
+                </dgm:choose>
+                <dgm:shape xmlns:r="http://schemas.openxmlformats.org/officeDocument/2006/relationships" r:blip="">
+                  <dgm:adjLst/>
+                </dgm:shape>
+                <dgm:presOf/>
+                <dgm:forEach name="Name26" axis="ch" ptType="node">
+                  <dgm:layoutNode name="horz3">
+                    <dgm:choose name="Name27">
+                      <dgm:if name="Name28" func="var" arg="dir" op="equ" val="norm">
+                        <dgm:alg type="lin">
+                          <dgm:param type="linDir" val="fromL"/>
+                          <dgm:param type="nodeVertAlign" val="t"/>
+                        </dgm:alg>
+                      </dgm:if>
+                      <dgm:else name="Name29">
+                        <dgm:alg type="lin">
+                          <dgm:param type="linDir" val="fromR"/>
+                          <dgm:param type="nodeVertAlign" val="t"/>
+                        </dgm:alg>
+                      </dgm:else>
+                    </dgm:choose>
+                    <dgm:shape xmlns:r="http://schemas.openxmlformats.org/officeDocument/2006/relationships" r:blip="">
+                      <dgm:adjLst/>
+                    </dgm:shape>
+                    <dgm:presOf/>
+                    <dgm:layoutNode name="horzSpace3">
+                      <dgm:alg type="sp"/>
+                      <dgm:shape xmlns:r="http://schemas.openxmlformats.org/officeDocument/2006/relationships" r:blip="">
+                        <dgm:adjLst/>
+                      </dgm:shape>
+                      <dgm:presOf/>
+                    </dgm:layoutNode>
+                    <dgm:layoutNode name="tx3" styleLbl="revTx">
+                      <dgm:alg type="tx">
+                        <dgm:param type="parTxLTRAlign" val="l"/>
+                        <dgm:param type="parTxRTLAlign" val="r"/>
+                        <dgm:param type="txAnchorVert" val="t"/>
+                      </dgm:alg>
+                      <dgm:shape xmlns:r="http://schemas.openxmlformats.org/officeDocument/2006/relationships" type="rect" r:blip="">
+                        <dgm:adjLst/>
+                      </dgm:shape>
+                      <dgm:presOf axis="self"/>
+                      <dgm:constrLst>
+                        <dgm:constr type="tMarg" refType="primFontSz" fact="0.3"/>
+                        <dgm:constr type="bMarg" refType="primFontSz" fact="0.3"/>
+                        <dgm:constr type="lMarg" refType="primFontSz" fact="0.3"/>
+                        <dgm:constr type="rMarg" refType="primFontSz" fact="0.3"/>
+                      </dgm:constrLst>
+                      <dgm:ruleLst>
+                        <dgm:rule type="primFontSz" val="5" fact="NaN" max="NaN"/>
+                      </dgm:ruleLst>
+                    </dgm:layoutNode>
+                    <dgm:layoutNode name="vert3">
+                      <dgm:choose name="Name30">
+                        <dgm:if name="Name31" func="var" arg="dir" op="equ" val="norm">
+                          <dgm:alg type="lin">
+                            <dgm:param type="linDir" val="fromT"/>
+                            <dgm:param type="nodeHorzAlign" val="l"/>
+                          </dgm:alg>
+                        </dgm:if>
+                        <dgm:else name="Name32">
+                          <dgm:alg type="lin">
+                            <dgm:param type="linDir" val="fromT"/>
+                            <dgm:param type="nodeHorzAlign" val="r"/>
+                          </dgm:alg>
+                        </dgm:else>
+                      </dgm:choose>
+                      <dgm:shape xmlns:r="http://schemas.openxmlformats.org/officeDocument/2006/relationships" r:blip="">
+                        <dgm:adjLst/>
+                      </dgm:shape>
+                      <dgm:presOf/>
+                      <dgm:forEach name="Name33" axis="ch" ptType="node">
+                        <dgm:layoutNode name="horz4">
+                          <dgm:choose name="Name34">
+                            <dgm:if name="Name35" func="var" arg="dir" op="equ" val="norm">
+                              <dgm:alg type="lin">
+                                <dgm:param type="linDir" val="fromL"/>
+                                <dgm:param type="nodeVertAlign" val="t"/>
+                              </dgm:alg>
+                            </dgm:if>
+                            <dgm:else name="Name36">
+                              <dgm:alg type="lin">
+                                <dgm:param type="linDir" val="fromR"/>
+                                <dgm:param type="nodeVertAlign" val="t"/>
+                              </dgm:alg>
+                            </dgm:else>
+                          </dgm:choose>
+                          <dgm:shape xmlns:r="http://schemas.openxmlformats.org/officeDocument/2006/relationships" r:blip="">
+                            <dgm:adjLst/>
+                          </dgm:shape>
+                          <dgm:presOf/>
+                          <dgm:layoutNode name="horzSpace4">
+                            <dgm:alg type="sp"/>
+                            <dgm:shape xmlns:r="http://schemas.openxmlformats.org/officeDocument/2006/relationships" r:blip="">
+                              <dgm:adjLst/>
+                            </dgm:shape>
+                            <dgm:presOf/>
+                          </dgm:layoutNode>
+                          <dgm:layoutNode name="tx4" styleLbl="revTx">
+                            <dgm:varLst>
+                              <dgm:bulletEnabled val="1"/>
+                            </dgm:varLst>
+                            <dgm:alg type="tx">
+                              <dgm:param type="parTxLTRAlign" val="l"/>
+                              <dgm:param type="parTxRTLAlign" val="r"/>
+                              <dgm:param type="txAnchorVert" val="t"/>
+                            </dgm:alg>
+                            <dgm:shape xmlns:r="http://schemas.openxmlformats.org/officeDocument/2006/relationships" type="rect" r:blip="">
+                              <dgm:adjLst/>
+                            </dgm:shape>
+                            <dgm:presOf axis="desOrSelf" ptType="node"/>
+                            <dgm:constrLst>
+                              <dgm:constr type="tMarg" refType="primFontSz" fact="0.3"/>
+                              <dgm:constr type="bMarg" refType="primFontSz" fact="0.3"/>
+                              <dgm:constr type="lMarg" refType="primFontSz" fact="0.3"/>
+                              <dgm:constr type="rMarg" refType="primFontSz" fact="0.3"/>
+                            </dgm:constrLst>
+                            <dgm:ruleLst>
+                              <dgm:rule type="primFontSz" val="5" fact="NaN" max="NaN"/>
+                            </dgm:ruleLst>
+                          </dgm:layoutNode>
+                        </dgm:layoutNode>
+                      </dgm:forEach>
+                    </dgm:layoutNode>
+                  </dgm:layoutNode>
+                  <dgm:forEach name="Name37" axis="followSib" ptType="sibTrans" cnt="1">
+                    <dgm:layoutNode name="thinLine3" styleLbl="callout">
+                      <dgm:alg type="sp"/>
+                      <dgm:shape xmlns:r="http://schemas.openxmlformats.org/officeDocument/2006/relationships" type="line" r:blip="">
+                        <dgm:adjLst/>
+                      </dgm:shape>
+                      <dgm:presOf/>
+                    </dgm:layoutNode>
+                  </dgm:forEach>
+                </dgm:forEach>
+              </dgm:layoutNode>
+            </dgm:layoutNode>
+            <dgm:layoutNode name="thinLine2b" styleLbl="callout">
+              <dgm:alg type="sp"/>
+              <dgm:shape xmlns:r="http://schemas.openxmlformats.org/officeDocument/2006/relationships" type="line" r:blip="">
+                <dgm:adjLst/>
+              </dgm:shape>
+              <dgm:presOf/>
+            </dgm:layoutNode>
+            <dgm:layoutNode name="vertSpace2b">
+              <dgm:alg type="sp"/>
+              <dgm:shape xmlns:r="http://schemas.openxmlformats.org/officeDocument/2006/relationships" r:blip="">
+                <dgm:adjLst/>
+              </dgm:shape>
+              <dgm:presOf/>
+            </dgm:layoutNode>
+          </dgm:forEach>
+        </dgm:layoutNode>
+      </dgm:layoutNode>
+    </dgm:forEach>
+  </dgm:layoutNode>
+</dgm:layoutDef>
+</file>
+
+<file path=ppt/diagrams/quickStyle1.xml><?xml version="1.0" encoding="utf-8"?>
+<dgm:styleDef xmlns:dgm="http://schemas.openxmlformats.org/drawingml/2006/diagram" xmlns:a="http://schemas.openxmlformats.org/drawingml/2006/main" uniqueId="urn:microsoft.com/office/officeart/2005/8/quickstyle/simple1">
+  <dgm:title val=""/>
+  <dgm:desc val=""/>
+  <dgm:catLst>
+    <dgm:cat type="simple" pri="10100"/>
+  </dgm:catLst>
+  <dgm:scene3d>
+    <a:camera prst="orthographicFront"/>
+    <a:lightRig rig="threePt" dir="t"/>
+  </dgm:scene3d>
+  <dgm:styleLbl name="node0">
+    <dgm:scene3d>
+      <a:camera prst="orthographicFront"/>
+      <a:lightRig rig="threePt" dir="t"/>
+    </dgm:scene3d>
+    <dgm:sp3d/>
+    <dgm:txPr/>
+    <dgm:style>
+      <a:lnRef idx="2">
+        <a:scrgbClr r="0" g="0" b="0"/>
+      </a:lnRef>
+      <a:fillRef idx="1">
+        <a:scrgbClr r="0" g="0" b="0"/>
+      </a:fillRef>
+      <a:effectRef idx="0">
+        <a:scrgbClr r="0" g="0" b="0"/>
+      </a:effectRef>
+      <a:fontRef idx="minor">
+        <a:schemeClr val="lt1"/>
+      </a:fontRef>
+    </dgm:style>
+  </dgm:styleLbl>
+  <dgm:styleLbl name="lnNode1">
+    <dgm:scene3d>
+      <a:camera prst="orthographicFront"/>
+      <a:lightRig rig="threePt" dir="t"/>
+    </dgm:scene3d>
+    <dgm:sp3d/>
+    <dgm:txPr/>
+    <dgm:style>
+      <a:lnRef idx="2">
+        <a:scrgbClr r="0" g="0" b="0"/>
+      </a:lnRef>
+      <a:fillRef idx="1">
+        <a:scrgbClr r="0" g="0" b="0"/>
+      </a:fillRef>
+      <a:effectRef idx="0">
+        <a:scrgbClr r="0" g="0" b="0"/>
+      </a:effectRef>
+      <a:fontRef idx="minor">
+        <a:schemeClr val="lt1"/>
+      </a:fontRef>
+    </dgm:style>
+  </dgm:styleLbl>
+  <dgm:styleLbl name="vennNode1">
+    <dgm:scene3d>
+      <a:camera prst="orthographicFront"/>
+      <a:lightRig rig="threePt" dir="t"/>
+    </dgm:scene3d>
+    <dgm:sp3d/>
+    <dgm:txPr/>
+    <dgm:style>
+      <a:lnRef idx="2">
+        <a:scrgbClr r="0" g="0" b="0"/>
+      </a:lnRef>
+      <a:fillRef idx="1">
+        <a:scrgbClr r="0" g="0" b="0"/>
+      </a:fillRef>
+      <a:effectRef idx="0">
+        <a:scrgbClr r="0" g="0" b="0"/>
+      </a:effectRef>
+      <a:fontRef idx="minor">
+        <a:schemeClr val="tx1"/>
+      </a:fontRef>
+    </dgm:style>
+  </dgm:styleLbl>
+  <dgm:styleLbl name="alignNode1">
+    <dgm:scene3d>
+      <a:camera prst="orthographicFront"/>
+      <a:lightRig rig="threePt" dir="t"/>
+    </dgm:scene3d>
+    <dgm:sp3d/>
+    <dgm:txPr/>
+    <dgm:style>
+      <a:lnRef idx="2">
+        <a:scrgbClr r="0" g="0" b="0"/>
+      </a:lnRef>
+      <a:fillRef idx="1">
+        <a:scrgbClr r="0" g="0" b="0"/>
+      </a:fillRef>
+      <a:effectRef idx="0">
+        <a:scrgbClr r="0" g="0" b="0"/>
+      </a:effectRef>
+      <a:fontRef idx="minor">
+        <a:schemeClr val="lt1"/>
+      </a:fontRef>
+    </dgm:style>
+  </dgm:styleLbl>
+  <dgm:styleLbl name="node1">
+    <dgm:scene3d>
+      <a:camera prst="orthographicFront"/>
+      <a:lightRig rig="threePt" dir="t"/>
+    </dgm:scene3d>
+    <dgm:sp3d/>
+    <dgm:txPr/>
+    <dgm:style>
+      <a:lnRef idx="2">
+        <a:scrgbClr r="0" g="0" b="0"/>
+      </a:lnRef>
+      <a:fillRef idx="1">
+        <a:scrgbClr r="0" g="0" b="0"/>
+      </a:fillRef>
+      <a:effectRef idx="0">
+        <a:scrgbClr r="0" g="0" b="0"/>
+      </a:effectRef>
+      <a:fontRef idx="minor">
+        <a:schemeClr val="lt1"/>
+      </a:fontRef>
+    </dgm:style>
+  </dgm:styleLbl>
+  <dgm:styleLbl name="node2">
+    <dgm:scene3d>
+      <a:camera prst="orthographicFront"/>
+      <a:lightRig rig="threePt" dir="t"/>
+    </dgm:scene3d>
+    <dgm:sp3d/>
+    <dgm:txPr/>
+    <dgm:style>
+      <a:lnRef idx="2">
+        <a:scrgbClr r="0" g="0" b="0"/>
+      </a:lnRef>
+      <a:fillRef idx="1">
+        <a:scrgbClr r="0" g="0" b="0"/>
+      </a:fillRef>
+      <a:effectRef idx="0">
+        <a:scrgbClr r="0" g="0" b="0"/>
+      </a:effectRef>
+      <a:fontRef idx="minor">
+        <a:schemeClr val="lt1"/>
+      </a:fontRef>
+    </dgm:style>
+  </dgm:styleLbl>
+  <dgm:styleLbl name="node3">
+    <dgm:scene3d>
+      <a:camera prst="orthographicFront"/>
+      <a:lightRig rig="threePt" dir="t"/>
+    </dgm:scene3d>
+    <dgm:sp3d/>
+    <dgm:txPr/>
+    <dgm:style>
+      <a:lnRef idx="2">
+        <a:scrgbClr r="0" g="0" b="0"/>
+      </a:lnRef>
+      <a:fillRef idx="1">
+        <a:scrgbClr r="0" g="0" b="0"/>
+      </a:fillRef>
+      <a:effectRef idx="0">
+        <a:scrgbClr r="0" g="0" b="0"/>
+      </a:effectRef>
+      <a:fontRef idx="minor">
+        <a:schemeClr val="lt1"/>
+      </a:fontRef>
+    </dgm:style>
+  </dgm:styleLbl>
+  <dgm:styleLbl name="node4">
+    <dgm:scene3d>
+      <a:camera prst="orthographicFront"/>
+      <a:lightRig rig="threePt" dir="t"/>
+    </dgm:scene3d>
+    <dgm:sp3d/>
+    <dgm:txPr/>
+    <dgm:style>
+      <a:lnRef idx="2">
+        <a:scrgbClr r="0" g="0" b="0"/>
+      </a:lnRef>
+      <a:fillRef idx="1">
+        <a:scrgbClr r="0" g="0" b="0"/>
+      </a:fillRef>
+      <a:effectRef idx="0">
+        <a:scrgbClr r="0" g="0" b="0"/>
+      </a:effectRef>
+      <a:fontRef idx="minor">
+        <a:schemeClr val="lt1"/>
+      </a:fontRef>
+    </dgm:style>
+  </dgm:styleLbl>
+  <dgm:styleLbl name="fgImgPlace1">
+    <dgm:scene3d>
+      <a:camera prst="orthographicFront"/>
+      <a:lightRig rig="threePt" dir="t"/>
+    </dgm:scene3d>
+    <dgm:sp3d/>
+    <dgm:txPr/>
+    <dgm:style>
+      <a:lnRef idx="2">
+        <a:scrgbClr r="0" g="0" b="0"/>
+      </a:lnRef>
+      <a:fillRef idx="1">
+        <a:scrgbClr r="0" g="0" b="0"/>
+      </a:fillRef>
+      <a:effectRef idx="0">
+        <a:scrgbClr r="0" g="0" b="0"/>
+      </a:effectRef>
+      <a:fontRef idx="minor"/>
+    </dgm:style>
+  </dgm:styleLbl>
+  <dgm:styleLbl name="alignImgPlace1">
+    <dgm:scene3d>
+      <a:camera prst="orthographicFront"/>
+      <a:lightRig rig="threePt" dir="t"/>
+    </dgm:scene3d>
+    <dgm:sp3d/>
+    <dgm:txPr/>
+    <dgm:style>
+      <a:lnRef idx="2">
+        <a:scrgbClr r="0" g="0" b="0"/>
+      </a:lnRef>
+      <a:fillRef idx="1">
+        <a:scrgbClr r="0" g="0" b="0"/>
+      </a:fillRef>
+      <a:effectRef idx="0">
+        <a:scrgbClr r="0" g="0" b="0"/>
+      </a:effectRef>
+      <a:fontRef idx="minor"/>
+    </dgm:style>
+  </dgm:styleLbl>
+  <dgm:styleLbl name="bgImgPlace1">
+    <dgm:scene3d>
+      <a:camera prst="orthographicFront"/>
+      <a:lightRig rig="threePt" dir="t"/>
+    </dgm:scene3d>
+    <dgm:sp3d/>
+    <dgm:txPr/>
+    <dgm:style>
+      <a:lnRef idx="2">
+        <a:scrgbClr r="0" g="0" b="0"/>
+      </a:lnRef>
+      <a:fillRef idx="1">
+        <a:scrgbClr r="0" g="0" b="0"/>
+      </a:fillRef>
+      <a:effectRef idx="0">
+        <a:scrgbClr r="0" g="0" b="0"/>
+      </a:effectRef>
+      <a:fontRef idx="minor"/>
+    </dgm:style>
+  </dgm:styleLbl>
+  <dgm:styleLbl name="sibTrans2D1">
+    <dgm:scene3d>
+      <a:camera prst="orthographicFront"/>
+      <a:lightRig rig="threePt" dir="t"/>
+    </dgm:scene3d>
+    <dgm:sp3d/>
+    <dgm:txPr/>
+    <dgm:style>
+      <a:lnRef idx="0">
+        <a:scrgbClr r="0" g="0" b="0"/>
+      </a:lnRef>
+      <a:fillRef idx="1">
+        <a:scrgbClr r="0" g="0" b="0"/>
+      </a:fillRef>
+      <a:effectRef idx="0">
+        <a:scrgbClr r="0" g="0" b="0"/>
+      </a:effectRef>
+      <a:fontRef idx="minor">
+        <a:schemeClr val="lt1"/>
+      </a:fontRef>
+    </dgm:style>
+  </dgm:styleLbl>
+  <dgm:styleLbl name="fgSibTrans2D1">
+    <dgm:scene3d>
+      <a:camera prst="orthographicFront"/>
+      <a:lightRig rig="threePt" dir="t"/>
+    </dgm:scene3d>
+    <dgm:sp3d/>
+    <dgm:txPr/>
+    <dgm:style>
+      <a:lnRef idx="0">
+        <a:scrgbClr r="0" g="0" b="0"/>
+      </a:lnRef>
+      <a:fillRef idx="1">
+        <a:scrgbClr r="0" g="0" b="0"/>
+      </a:fillRef>
+      <a:effectRef idx="0">
+        <a:scrgbClr r="0" g="0" b="0"/>
+      </a:effectRef>
+      <a:fontRef idx="minor">
+        <a:schemeClr val="lt1"/>
+      </a:fontRef>
+    </dgm:style>
+  </dgm:styleLbl>
+  <dgm:styleLbl name="bgSibTrans2D1">
+    <dgm:scene3d>
+      <a:camera prst="orthographicFront"/>
+      <a:lightRig rig="threePt" dir="t"/>
+    </dgm:scene3d>
+    <dgm:sp3d/>
+    <dgm:txPr/>
+    <dgm:style>
+      <a:lnRef idx="0">
+        <a:scrgbClr r="0" g="0" b="0"/>
+      </a:lnRef>
+      <a:fillRef idx="1">
+        <a:scrgbClr r="0" g="0" b="0"/>
+      </a:fillRef>
+      <a:effectRef idx="0">
+        <a:scrgbClr r="0" g="0" b="0"/>
+      </a:effectRef>
+      <a:fontRef idx="minor">
+        <a:schemeClr val="lt1"/>
+      </a:fontRef>
+    </dgm:style>
+  </dgm:styleLbl>
+  <dgm:styleLbl name="sibTrans1D1">
+    <dgm:scene3d>
+      <a:camera prst="orthographicFront"/>
+      <a:lightRig rig="threePt" dir="t"/>
+    </dgm:scene3d>
+    <dgm:sp3d/>
+    <dgm:txPr/>
+    <dgm:style>
+      <a:lnRef idx="1">
+        <a:scrgbClr r="0" g="0" b="0"/>
+      </a:lnRef>
+      <a:fillRef idx="0">
+        <a:scrgbClr r="0" g="0" b="0"/>
+      </a:fillRef>
+      <a:effectRef idx="0">
+        <a:scrgbClr r="0" g="0" b="0"/>
+      </a:effectRef>
+      <a:fontRef idx="minor"/>
+    </dgm:style>
+  </dgm:styleLbl>
+  <dgm:styleLbl name="callout">
+    <dgm:scene3d>
+      <a:camera prst="orthographicFront"/>
+      <a:lightRig rig="threePt" dir="t"/>
+    </dgm:scene3d>
+    <dgm:sp3d/>
+    <dgm:txPr/>
+    <dgm:style>
+      <a:lnRef idx="2">
+        <a:scrgbClr r="0" g="0" b="0"/>
+      </a:lnRef>
+      <a:fillRef idx="1">
+        <a:scrgbClr r="0" g="0" b="0"/>
+      </a:fillRef>
+      <a:effectRef idx="0">
+        <a:scrgbClr r="0" g="0" b="0"/>
+      </a:effectRef>
+      <a:fontRef idx="minor"/>
+    </dgm:style>
+  </dgm:styleLbl>
+  <dgm:styleLbl name="asst0">
+    <dgm:scene3d>
+      <a:camera prst="orthographicFront"/>
+      <a:lightRig rig="threePt" dir="t"/>
+    </dgm:scene3d>
+    <dgm:sp3d/>
+    <dgm:txPr/>
+    <dgm:style>
+      <a:lnRef idx="2">
+        <a:scrgbClr r="0" g="0" b="0"/>
+      </a:lnRef>
+      <a:fillRef idx="1">
+        <a:scrgbClr r="0" g="0" b="0"/>
+      </a:fillRef>
+      <a:effectRef idx="0">
+        <a:scrgbClr r="0" g="0" b="0"/>
+      </a:effectRef>
+      <a:fontRef idx="minor">
+        <a:schemeClr val="lt1"/>
+      </a:fontRef>
+    </dgm:style>
+  </dgm:styleLbl>
+  <dgm:styleLbl name="asst1">
+    <dgm:scene3d>
+      <a:camera prst="orthographicFront"/>
+      <a:lightRig rig="threePt" dir="t"/>
+    </dgm:scene3d>
+    <dgm:sp3d/>
+    <dgm:txPr/>
+    <dgm:style>
+      <a:lnRef idx="2">
+        <a:scrgbClr r="0" g="0" b="0"/>
+      </a:lnRef>
+      <a:fillRef idx="1">
+        <a:scrgbClr r="0" g="0" b="0"/>
+      </a:fillRef>
+      <a:effectRef idx="0">
+        <a:scrgbClr r="0" g="0" b="0"/>
+      </a:effectRef>
+      <a:fontRef idx="minor">
+        <a:schemeClr val="lt1"/>
+      </a:fontRef>
+    </dgm:style>
+  </dgm:styleLbl>
+  <dgm:styleLbl name="asst2">
+    <dgm:scene3d>
+      <a:camera prst="orthographicFront"/>
+      <a:lightRig rig="threePt" dir="t"/>
+    </dgm:scene3d>
+    <dgm:sp3d/>
+    <dgm:txPr/>
+    <dgm:style>
+      <a:lnRef idx="2">
+        <a:scrgbClr r="0" g="0" b="0"/>
+      </a:lnRef>
+      <a:fillRef idx="1">
+        <a:scrgbClr r="0" g="0" b="0"/>
+      </a:fillRef>
+      <a:effectRef idx="0">
+        <a:scrgbClr r="0" g="0" b="0"/>
+      </a:effectRef>
+      <a:fontRef idx="minor">
+        <a:schemeClr val="lt1"/>
+      </a:fontRef>
+    </dgm:style>
+  </dgm:styleLbl>
+  <dgm:styleLbl name="asst3">
+    <dgm:scene3d>
+      <a:camera prst="orthographicFront"/>
+      <a:lightRig rig="threePt" dir="t"/>
+    </dgm:scene3d>
+    <dgm:sp3d/>
+    <dgm:txPr/>
+    <dgm:style>
+      <a:lnRef idx="2">
+        <a:scrgbClr r="0" g="0" b="0"/>
+      </a:lnRef>
+      <a:fillRef idx="1">
+        <a:scrgbClr r="0" g="0" b="0"/>
+      </a:fillRef>
+      <a:effectRef idx="0">
+        <a:scrgbClr r="0" g="0" b="0"/>
+      </a:effectRef>
+      <a:fontRef idx="minor">
+        <a:schemeClr val="lt1"/>
+      </a:fontRef>
+    </dgm:style>
+  </dgm:styleLbl>
+  <dgm:styleLbl name="asst4">
+    <dgm:scene3d>
+      <a:camera prst="orthographicFront"/>
+      <a:lightRig rig="threePt" dir="t"/>
+    </dgm:scene3d>
+    <dgm:sp3d/>
+    <dgm:txPr/>
+    <dgm:style>
+      <a:lnRef idx="2">
+        <a:scrgbClr r="0" g="0" b="0"/>
+      </a:lnRef>
+      <a:fillRef idx="1">
+        <a:scrgbClr r="0" g="0" b="0"/>
+      </a:fillRef>
+      <a:effectRef idx="0">
+        <a:scrgbClr r="0" g="0" b="0"/>
+      </a:effectRef>
+      <a:fontRef idx="minor">
+        <a:schemeClr val="lt1"/>
+      </a:fontRef>
+    </dgm:style>
+  </dgm:styleLbl>
+  <dgm:styleLbl name="parChTrans2D1">
+    <dgm:scene3d>
+      <a:camera prst="orthographicFront"/>
+      <a:lightRig rig="threePt" dir="t"/>
+    </dgm:scene3d>
+    <dgm:sp3d/>
+    <dgm:txPr/>
+    <dgm:style>
+      <a:lnRef idx="2">
+        <a:scrgbClr r="0" g="0" b="0"/>
+      </a:lnRef>
+      <a:fillRef idx="1">
+        <a:scrgbClr r="0" g="0" b="0"/>
+      </a:fillRef>
+      <a:effectRef idx="0">
+        <a:scrgbClr r="0" g="0" b="0"/>
+      </a:effectRef>
+      <a:fontRef idx="minor">
+        <a:schemeClr val="lt1"/>
+      </a:fontRef>
+    </dgm:style>
+  </dgm:styleLbl>
+  <dgm:styleLbl name="parChTrans2D2">
+    <dgm:scene3d>
+      <a:camera prst="orthographicFront"/>
+      <a:lightRig rig="threePt" dir="t"/>
+    </dgm:scene3d>
+    <dgm:sp3d/>
+    <dgm:txPr/>
+    <dgm:style>
+      <a:lnRef idx="2">
+        <a:scrgbClr r="0" g="0" b="0"/>
+      </a:lnRef>
+      <a:fillRef idx="1">
+        <a:scrgbClr r="0" g="0" b="0"/>
+      </a:fillRef>
+      <a:effectRef idx="0">
+        <a:scrgbClr r="0" g="0" b="0"/>
+      </a:effectRef>
+      <a:fontRef idx="minor">
+        <a:schemeClr val="lt1"/>
+      </a:fontRef>
+    </dgm:style>
+  </dgm:styleLbl>
+  <dgm:styleLbl name="parChTrans2D3">
+    <dgm:scene3d>
+      <a:camera prst="orthographicFront"/>
+      <a:lightRig rig="threePt" dir="t"/>
+    </dgm:scene3d>
+    <dgm:sp3d/>
+    <dgm:txPr/>
+    <dgm:style>
+      <a:lnRef idx="2">
+        <a:scrgbClr r="0" g="0" b="0"/>
+      </a:lnRef>
+      <a:fillRef idx="1">
+        <a:scrgbClr r="0" g="0" b="0"/>
+      </a:fillRef>
+      <a:effectRef idx="0">
+        <a:scrgbClr r="0" g="0" b="0"/>
+      </a:effectRef>
+      <a:fontRef idx="minor">
+        <a:schemeClr val="lt1"/>
+      </a:fontRef>
+    </dgm:style>
+  </dgm:styleLbl>
+  <dgm:styleLbl name="parChTrans2D4">
+    <dgm:scene3d>
+      <a:camera prst="orthographicFront"/>
+      <a:lightRig rig="threePt" dir="t"/>
+    </dgm:scene3d>
+    <dgm:sp3d/>
+    <dgm:txPr/>
+    <dgm:style>
+      <a:lnRef idx="2">
+        <a:scrgbClr r="0" g="0" b="0"/>
+      </a:lnRef>
+      <a:fillRef idx="1">
+        <a:scrgbClr r="0" g="0" b="0"/>
+      </a:fillRef>
+      <a:effectRef idx="0">
+        <a:scrgbClr r="0" g="0" b="0"/>
+      </a:effectRef>
+      <a:fontRef idx="minor">
+        <a:schemeClr val="lt1"/>
+      </a:fontRef>
+    </dgm:style>
+  </dgm:styleLbl>
+  <dgm:styleLbl name="parChTrans1D1">
+    <dgm:scene3d>
+      <a:camera prst="orthographicFront"/>
+      <a:lightRig rig="threePt" dir="t"/>
+    </dgm:scene3d>
+    <dgm:sp3d/>
+    <dgm:txPr/>
+    <dgm:style>
+      <a:lnRef idx="2">
+        <a:scrgbClr r="0" g="0" b="0"/>
+      </a:lnRef>
+      <a:fillRef idx="0">
+        <a:scrgbClr r="0" g="0" b="0"/>
+      </a:fillRef>
+      <a:effectRef idx="0">
+        <a:scrgbClr r="0" g="0" b="0"/>
+      </a:effectRef>
+      <a:fontRef idx="minor"/>
+    </dgm:style>
+  </dgm:styleLbl>
+  <dgm:styleLbl name="parChTrans1D2">
+    <dgm:scene3d>
+      <a:camera prst="orthographicFront"/>
+      <a:lightRig rig="threePt" dir="t"/>
+    </dgm:scene3d>
+    <dgm:sp3d/>
+    <dgm:txPr/>
+    <dgm:style>
+      <a:lnRef idx="2">
+        <a:scrgbClr r="0" g="0" b="0"/>
+      </a:lnRef>
+      <a:fillRef idx="0">
+        <a:scrgbClr r="0" g="0" b="0"/>
+      </a:fillRef>
+      <a:effectRef idx="0">
+        <a:scrgbClr r="0" g="0" b="0"/>
+      </a:effectRef>
+      <a:fontRef idx="minor"/>
+    </dgm:style>
+  </dgm:styleLbl>
+  <dgm:styleLbl name="parChTrans1D3">
+    <dgm:scene3d>
+      <a:camera prst="orthographicFront"/>
+      <a:lightRig rig="threePt" dir="t"/>
+    </dgm:scene3d>
+    <dgm:sp3d/>
+    <dgm:txPr/>
+    <dgm:style>
+      <a:lnRef idx="2">
+        <a:scrgbClr r="0" g="0" b="0"/>
+      </a:lnRef>
+      <a:fillRef idx="0">
+        <a:scrgbClr r="0" g="0" b="0"/>
+      </a:fillRef>
+      <a:effectRef idx="0">
+        <a:scrgbClr r="0" g="0" b="0"/>
+      </a:effectRef>
+      <a:fontRef idx="minor"/>
+    </dgm:style>
+  </dgm:styleLbl>
+  <dgm:styleLbl name="parChTrans1D4">
+    <dgm:scene3d>
+      <a:camera prst="orthographicFront"/>
+      <a:lightRig rig="threePt" dir="t"/>
+    </dgm:scene3d>
+    <dgm:sp3d/>
+    <dgm:txPr/>
+    <dgm:style>
+      <a:lnRef idx="2">
+        <a:scrgbClr r="0" g="0" b="0"/>
+      </a:lnRef>
+      <a:fillRef idx="0">
+        <a:scrgbClr r="0" g="0" b="0"/>
+      </a:fillRef>
+      <a:effectRef idx="0">
+        <a:scrgbClr r="0" g="0" b="0"/>
+      </a:effectRef>
+      <a:fontRef idx="minor"/>
+    </dgm:style>
+  </dgm:styleLbl>
+  <dgm:styleLbl name="fgAcc1">
+    <dgm:scene3d>
+      <a:camera prst="orthographicFront"/>
+      <a:lightRig rig="threePt" dir="t"/>
+    </dgm:scene3d>
+    <dgm:sp3d/>
+    <dgm:txPr/>
+    <dgm:style>
+      <a:lnRef idx="2">
+        <a:scrgbClr r="0" g="0" b="0"/>
+      </a:lnRef>
+      <a:fillRef idx="1">
+        <a:scrgbClr r="0" g="0" b="0"/>
+      </a:fillRef>
+      <a:effectRef idx="0">
+        <a:scrgbClr r="0" g="0" b="0"/>
+      </a:effectRef>
+      <a:fontRef idx="minor"/>
+    </dgm:style>
+  </dgm:styleLbl>
+  <dgm:styleLbl name="conFgAcc1">
+    <dgm:scene3d>
+      <a:camera prst="orthographicFront"/>
+      <a:lightRig rig="threePt" dir="t"/>
+    </dgm:scene3d>
+    <dgm:sp3d/>
+    <dgm:txPr/>
+    <dgm:style>
+      <a:lnRef idx="2">
+        <a:scrgbClr r="0" g="0" b="0"/>
+      </a:lnRef>
+      <a:fillRef idx="1">
+        <a:scrgbClr r="0" g="0" b="0"/>
+      </a:fillRef>
+      <a:effectRef idx="0">
+        <a:scrgbClr r="0" g="0" b="0"/>
+      </a:effectRef>
+      <a:fontRef idx="minor"/>
+    </dgm:style>
+  </dgm:styleLbl>
+  <dgm:styleLbl name="alignAcc1">
+    <dgm:scene3d>
+      <a:camera prst="orthographicFront"/>
+      <a:lightRig rig="threePt" dir="t"/>
+    </dgm:scene3d>
+    <dgm:sp3d/>
+    <dgm:txPr/>
+    <dgm:style>
+      <a:lnRef idx="2">
+        <a:scrgbClr r="0" g="0" b="0"/>
+      </a:lnRef>
+      <a:fillRef idx="1">
+        <a:scrgbClr r="0" g="0" b="0"/>
+      </a:fillRef>
+      <a:effectRef idx="0">
+        <a:scrgbClr r="0" g="0" b="0"/>
+      </a:effectRef>
+      <a:fontRef idx="minor"/>
+    </dgm:style>
+  </dgm:styleLbl>
+  <dgm:styleLbl name="trAlignAcc1">
+    <dgm:scene3d>
+      <a:camera prst="orthographicFront"/>
+      <a:lightRig rig="threePt" dir="t"/>
+    </dgm:scene3d>
+    <dgm:sp3d/>
+    <dgm:txPr/>
+    <dgm:style>
+      <a:lnRef idx="1">
+        <a:scrgbClr r="0" g="0" b="0"/>
+      </a:lnRef>
+      <a:fillRef idx="1">
+        <a:scrgbClr r="0" g="0" b="0"/>
+      </a:fillRef>
+      <a:effectRef idx="0">
+        <a:scrgbClr r="0" g="0" b="0"/>
+      </a:effectRef>
+      <a:fontRef idx="minor"/>
+    </dgm:style>
+  </dgm:styleLbl>
+  <dgm:styleLbl name="bgAcc1">
+    <dgm:scene3d>
+      <a:camera prst="orthographicFront"/>
+      <a:lightRig rig="threePt" dir="t"/>
+    </dgm:scene3d>
+    <dgm:sp3d/>
+    <dgm:txPr/>
+    <dgm:style>
+      <a:lnRef idx="2">
+        <a:scrgbClr r="0" g="0" b="0"/>
+      </a:lnRef>
+      <a:fillRef idx="1">
+        <a:scrgbClr r="0" g="0" b="0"/>
+      </a:fillRef>
+      <a:effectRef idx="0">
+        <a:scrgbClr r="0" g="0" b="0"/>
+      </a:effectRef>
+      <a:fontRef idx="minor"/>
+    </dgm:style>
+  </dgm:styleLbl>
+  <dgm:styleLbl name="solidFgAcc1">
+    <dgm:scene3d>
+      <a:camera prst="orthographicFront"/>
+      <a:lightRig rig="threePt" dir="t"/>
+    </dgm:scene3d>
+    <dgm:sp3d/>
+    <dgm:txPr/>
+    <dgm:style>
+      <a:lnRef idx="2">
+        <a:scrgbClr r="0" g="0" b="0"/>
+      </a:lnRef>
+      <a:fillRef idx="1">
+        <a:scrgbClr r="0" g="0" b="0"/>
+      </a:fillRef>
+      <a:effectRef idx="0">
+        <a:scrgbClr r="0" g="0" b="0"/>
+      </a:effectRef>
+      <a:fontRef idx="minor"/>
+    </dgm:style>
+  </dgm:styleLbl>
+  <dgm:styleLbl name="solidAlignAcc1">
+    <dgm:scene3d>
+      <a:camera prst="orthographicFront"/>
+      <a:lightRig rig="threePt" dir="t"/>
+    </dgm:scene3d>
+    <dgm:sp3d/>
+    <dgm:txPr/>
+    <dgm:style>
+      <a:lnRef idx="2">
+        <a:scrgbClr r="0" g="0" b="0"/>
+      </a:lnRef>
+      <a:fillRef idx="1">
+        <a:scrgbClr r="0" g="0" b="0"/>
+      </a:fillRef>
+      <a:effectRef idx="0">
+        <a:scrgbClr r="0" g="0" b="0"/>
+      </a:effectRef>
+      <a:fontRef idx="minor"/>
+    </dgm:style>
+  </dgm:styleLbl>
+  <dgm:styleLbl name="solidBgAcc1">
+    <dgm:scene3d>
+      <a:camera prst="orthographicFront"/>
+      <a:lightRig rig="threePt" dir="t"/>
+    </dgm:scene3d>
+    <dgm:sp3d/>
+    <dgm:txPr/>
+    <dgm:style>
+      <a:lnRef idx="2">
+        <a:scrgbClr r="0" g="0" b="0"/>
+      </a:lnRef>
+      <a:fillRef idx="1">
+        <a:scrgbClr r="0" g="0" b="0"/>
+      </a:fillRef>
+      <a:effectRef idx="0">
+        <a:scrgbClr r="0" g="0" b="0"/>
+      </a:effectRef>
+      <a:fontRef idx="minor"/>
+    </dgm:style>
+  </dgm:styleLbl>
+  <dgm:styleLbl name="fgAccFollowNode1">
+    <dgm:scene3d>
+      <a:camera prst="orthographicFront"/>
+      <a:lightRig rig="threePt" dir="t"/>
+    </dgm:scene3d>
+    <dgm:sp3d/>
+    <dgm:txPr/>
+    <dgm:style>
+      <a:lnRef idx="2">
+        <a:scrgbClr r="0" g="0" b="0"/>
+      </a:lnRef>
+      <a:fillRef idx="1">
+        <a:scrgbClr r="0" g="0" b="0"/>
+      </a:fillRef>
+      <a:effectRef idx="0">
+        <a:scrgbClr r="0" g="0" b="0"/>
+      </a:effectRef>
+      <a:fontRef idx="minor"/>
+    </dgm:style>
+  </dgm:styleLbl>
+  <dgm:styleLbl name="alignAccFollowNode1">
+    <dgm:scene3d>
+      <a:camera prst="orthographicFront"/>
+      <a:lightRig rig="threePt" dir="t"/>
+    </dgm:scene3d>
+    <dgm:sp3d/>
+    <dgm:txPr/>
+    <dgm:style>
+      <a:lnRef idx="2">
+        <a:scrgbClr r="0" g="0" b="0"/>
+      </a:lnRef>
+      <a:fillRef idx="1">
+        <a:scrgbClr r="0" g="0" b="0"/>
+      </a:fillRef>
+      <a:effectRef idx="0">
+        <a:scrgbClr r="0" g="0" b="0"/>
+      </a:effectRef>
+      <a:fontRef idx="minor"/>
+    </dgm:style>
+  </dgm:styleLbl>
+  <dgm:styleLbl name="bgAccFollowNode1">
+    <dgm:scene3d>
+      <a:camera prst="orthographicFront"/>
+      <a:lightRig rig="threePt" dir="t"/>
+    </dgm:scene3d>
+    <dgm:sp3d/>
+    <dgm:txPr/>
+    <dgm:style>
+      <a:lnRef idx="2">
+        <a:scrgbClr r="0" g="0" b="0"/>
+      </a:lnRef>
+      <a:fillRef idx="1">
+        <a:scrgbClr r="0" g="0" b="0"/>
+      </a:fillRef>
+      <a:effectRef idx="0">
+        <a:scrgbClr r="0" g="0" b="0"/>
+      </a:effectRef>
+      <a:fontRef idx="minor"/>
+    </dgm:style>
+  </dgm:styleLbl>
+  <dgm:styleLbl name="fgAcc0">
+    <dgm:scene3d>
+      <a:camera prst="orthographicFront"/>
+      <a:lightRig rig="threePt" dir="t"/>
+    </dgm:scene3d>
+    <dgm:sp3d/>
+    <dgm:txPr/>
+    <dgm:style>
+      <a:lnRef idx="2">
+        <a:scrgbClr r="0" g="0" b="0"/>
+      </a:lnRef>
+      <a:fillRef idx="1">
+        <a:scrgbClr r="0" g="0" b="0"/>
+      </a:fillRef>
+      <a:effectRef idx="0">
+        <a:scrgbClr r="0" g="0" b="0"/>
+      </a:effectRef>
+      <a:fontRef idx="minor"/>
+    </dgm:style>
+  </dgm:styleLbl>
+  <dgm:styleLbl name="fgAcc2">
+    <dgm:scene3d>
+      <a:camera prst="orthographicFront"/>
+      <a:lightRig rig="threePt" dir="t"/>
+    </dgm:scene3d>
+    <dgm:sp3d/>
+    <dgm:txPr/>
+    <dgm:style>
+      <a:lnRef idx="2">
+        <a:scrgbClr r="0" g="0" b="0"/>
+      </a:lnRef>
+      <a:fillRef idx="1">
+        <a:scrgbClr r="0" g="0" b="0"/>
+      </a:fillRef>
+      <a:effectRef idx="0">
+        <a:scrgbClr r="0" g="0" b="0"/>
+      </a:effectRef>
+      <a:fontRef idx="minor"/>
+    </dgm:style>
+  </dgm:styleLbl>
+  <dgm:styleLbl name="fgAcc3">
+    <dgm:scene3d>
+      <a:camera prst="orthographicFront"/>
+      <a:lightRig rig="threePt" dir="t"/>
+    </dgm:scene3d>
+    <dgm:sp3d/>
+    <dgm:txPr/>
+    <dgm:style>
+      <a:lnRef idx="2">
+        <a:scrgbClr r="0" g="0" b="0"/>
+      </a:lnRef>
+      <a:fillRef idx="1">
+        <a:scrgbClr r="0" g="0" b="0"/>
+      </a:fillRef>
+      <a:effectRef idx="0">
+        <a:scrgbClr r="0" g="0" b="0"/>
+      </a:effectRef>
+      <a:fontRef idx="minor"/>
+    </dgm:style>
+  </dgm:styleLbl>
+  <dgm:styleLbl name="fgAcc4">
+    <dgm:scene3d>
+      <a:camera prst="orthographicFront"/>
+      <a:lightRig rig="threePt" dir="t"/>
+    </dgm:scene3d>
+    <dgm:sp3d/>
+    <dgm:txPr/>
+    <dgm:style>
+      <a:lnRef idx="2">
+        <a:scrgbClr r="0" g="0" b="0"/>
+      </a:lnRef>
+      <a:fillRef idx="1">
+        <a:scrgbClr r="0" g="0" b="0"/>
+      </a:fillRef>
+      <a:effectRef idx="0">
+        <a:scrgbClr r="0" g="0" b="0"/>
+      </a:effectRef>
+      <a:fontRef idx="minor"/>
+    </dgm:style>
+  </dgm:styleLbl>
+  <dgm:styleLbl name="bgShp">
+    <dgm:scene3d>
+      <a:camera prst="orthographicFront"/>
+      <a:lightRig rig="threePt" dir="t"/>
+    </dgm:scene3d>
+    <dgm:sp3d/>
+    <dgm:txPr/>
+    <dgm:style>
+      <a:lnRef idx="0">
+        <a:scrgbClr r="0" g="0" b="0"/>
+      </a:lnRef>
+      <a:fillRef idx="1">
+        <a:scrgbClr r="0" g="0" b="0"/>
+      </a:fillRef>
+      <a:effectRef idx="0">
+        <a:scrgbClr r="0" g="0" b="0"/>
+      </a:effectRef>
+      <a:fontRef idx="minor"/>
+    </dgm:style>
+  </dgm:styleLbl>
+  <dgm:styleLbl name="dkBgShp">
+    <dgm:scene3d>
+      <a:camera prst="orthographicFront"/>
+      <a:lightRig rig="threePt" dir="t"/>
+    </dgm:scene3d>
+    <dgm:sp3d/>
+    <dgm:txPr/>
+    <dgm:style>
+      <a:lnRef idx="0">
+        <a:scrgbClr r="0" g="0" b="0"/>
+      </a:lnRef>
+      <a:fillRef idx="1">
+        <a:scrgbClr r="0" g="0" b="0"/>
+      </a:fillRef>
+      <a:effectRef idx="0">
+        <a:scrgbClr r="0" g="0" b="0"/>
+      </a:effectRef>
+      <a:fontRef idx="minor"/>
+    </dgm:style>
+  </dgm:styleLbl>
+  <dgm:styleLbl name="trBgShp">
+    <dgm:scene3d>
+      <a:camera prst="orthographicFront"/>
+      <a:lightRig rig="threePt" dir="t"/>
+    </dgm:scene3d>
+    <dgm:sp3d/>
+    <dgm:txPr/>
+    <dgm:style>
+      <a:lnRef idx="0">
+        <a:scrgbClr r="0" g="0" b="0"/>
+      </a:lnRef>
+      <a:fillRef idx="1">
+        <a:scrgbClr r="0" g="0" b="0"/>
+      </a:fillRef>
+      <a:effectRef idx="0">
+        <a:scrgbClr r="0" g="0" b="0"/>
+      </a:effectRef>
+      <a:fontRef idx="minor"/>
+    </dgm:style>
+  </dgm:styleLbl>
+  <dgm:styleLbl name="fgShp">
+    <dgm:scene3d>
+      <a:camera prst="orthographicFront"/>
+      <a:lightRig rig="threePt" dir="t"/>
+    </dgm:scene3d>
+    <dgm:sp3d/>
+    <dgm:txPr/>
+    <dgm:style>
+      <a:lnRef idx="2">
+        <a:scrgbClr r="0" g="0" b="0"/>
+      </a:lnRef>
+      <a:fillRef idx="1">
+        <a:scrgbClr r="0" g="0" b="0"/>
+      </a:fillRef>
+      <a:effectRef idx="0">
+        <a:scrgbClr r="0" g="0" b="0"/>
+      </a:effectRef>
+      <a:fontRef idx="minor"/>
+    </dgm:style>
+  </dgm:styleLbl>
+  <dgm:styleLbl name="revTx">
+    <dgm:scene3d>
+      <a:camera prst="orthographicFront"/>
+      <a:lightRig rig="threePt" dir="t"/>
+    </dgm:scene3d>
+    <dgm:sp3d/>
+    <dgm:txPr/>
+    <dgm:style>
+      <a:lnRef idx="0">
+        <a:scrgbClr r="0" g="0" b="0"/>
+      </a:lnRef>
+      <a:fillRef idx="0">
+        <a:scrgbClr r="0" g="0" b="0"/>
+      </a:fillRef>
+      <a:effectRef idx="0">
+        <a:scrgbClr r="0" g="0" b="0"/>
+      </a:effectRef>
+      <a:fontRef idx="minor"/>
+    </dgm:style>
+  </dgm:styleLbl>
+</dgm:styleDef>
 </file>
 
 <file path=ppt/notesMasters/notesMaster1.xml><?xml version="1.0" encoding="utf-8"?>
@@ -976,7 +4004,7 @@
           <a:p>
             <a:fld id="{53F7EA64-47A8-4745-A689-3AB1D5C1369D}" type="datetimeFigureOut">
               <a:rPr lang="en-US" smtClean="0"/>
-              <a:t>1/29/2026</a:t>
+              <a:t>1/31/2026</a:t>
             </a:fld>
             <a:endParaRPr lang="en-US"/>
           </a:p>
@@ -1681,7 +4709,7 @@
           <a:p>
             <a:fld id="{713DB78E-3C9A-457B-8BC6-E3BEE2B0AC0A}" type="datetimeFigureOut">
               <a:rPr lang="en-US" smtClean="0"/>
-              <a:t>1/29/2026</a:t>
+              <a:t>1/31/2026</a:t>
             </a:fld>
             <a:endParaRPr lang="en-US"/>
           </a:p>
@@ -1860,7 +4888,7 @@
           <a:p>
             <a:fld id="{713DB78E-3C9A-457B-8BC6-E3BEE2B0AC0A}" type="datetimeFigureOut">
               <a:rPr lang="en-US" smtClean="0"/>
-              <a:t>1/29/2026</a:t>
+              <a:t>1/31/2026</a:t>
             </a:fld>
             <a:endParaRPr lang="en-US"/>
           </a:p>
@@ -2040,7 +5068,7 @@
           <a:p>
             <a:fld id="{713DB78E-3C9A-457B-8BC6-E3BEE2B0AC0A}" type="datetimeFigureOut">
               <a:rPr lang="en-US" smtClean="0"/>
-              <a:t>1/29/2026</a:t>
+              <a:t>1/31/2026</a:t>
             </a:fld>
             <a:endParaRPr lang="en-US"/>
           </a:p>
@@ -2210,7 +5238,7 @@
           <a:p>
             <a:fld id="{713DB78E-3C9A-457B-8BC6-E3BEE2B0AC0A}" type="datetimeFigureOut">
               <a:rPr lang="en-US" smtClean="0"/>
-              <a:t>1/29/2026</a:t>
+              <a:t>1/31/2026</a:t>
             </a:fld>
             <a:endParaRPr lang="en-US"/>
           </a:p>
@@ -2523,7 +5551,7 @@
           <a:p>
             <a:fld id="{713DB78E-3C9A-457B-8BC6-E3BEE2B0AC0A}" type="datetimeFigureOut">
               <a:rPr lang="en-US" smtClean="0"/>
-              <a:t>1/29/2026</a:t>
+              <a:t>1/31/2026</a:t>
             </a:fld>
             <a:endParaRPr lang="en-US"/>
           </a:p>
@@ -2909,7 +5937,7 @@
           <a:p>
             <a:fld id="{713DB78E-3C9A-457B-8BC6-E3BEE2B0AC0A}" type="datetimeFigureOut">
               <a:rPr lang="en-US" smtClean="0"/>
-              <a:t>1/29/2026</a:t>
+              <a:t>1/31/2026</a:t>
             </a:fld>
             <a:endParaRPr lang="en-US"/>
           </a:p>
@@ -3343,7 +6371,7 @@
           <a:p>
             <a:fld id="{713DB78E-3C9A-457B-8BC6-E3BEE2B0AC0A}" type="datetimeFigureOut">
               <a:rPr lang="en-US" smtClean="0"/>
-              <a:t>1/29/2026</a:t>
+              <a:t>1/31/2026</a:t>
             </a:fld>
             <a:endParaRPr lang="en-US"/>
           </a:p>
@@ -3461,7 +6489,7 @@
           <a:p>
             <a:fld id="{713DB78E-3C9A-457B-8BC6-E3BEE2B0AC0A}" type="datetimeFigureOut">
               <a:rPr lang="en-US" smtClean="0"/>
-              <a:t>1/29/2026</a:t>
+              <a:t>1/31/2026</a:t>
             </a:fld>
             <a:endParaRPr lang="en-US"/>
           </a:p>
@@ -3556,7 +6584,7 @@
           <a:p>
             <a:fld id="{713DB78E-3C9A-457B-8BC6-E3BEE2B0AC0A}" type="datetimeFigureOut">
               <a:rPr lang="en-US" smtClean="0"/>
-              <a:t>1/29/2026</a:t>
+              <a:t>1/31/2026</a:t>
             </a:fld>
             <a:endParaRPr lang="en-US"/>
           </a:p>
@@ -3906,7 +6934,7 @@
           <a:p>
             <a:fld id="{713DB78E-3C9A-457B-8BC6-E3BEE2B0AC0A}" type="datetimeFigureOut">
               <a:rPr lang="en-US" smtClean="0"/>
-              <a:t>1/29/2026</a:t>
+              <a:t>1/31/2026</a:t>
             </a:fld>
             <a:endParaRPr lang="en-US"/>
           </a:p>
@@ -4331,7 +7359,7 @@
           <a:p>
             <a:fld id="{713DB78E-3C9A-457B-8BC6-E3BEE2B0AC0A}" type="datetimeFigureOut">
               <a:rPr lang="en-US" smtClean="0"/>
-              <a:t>1/29/2026</a:t>
+              <a:t>1/31/2026</a:t>
             </a:fld>
             <a:endParaRPr lang="en-US"/>
           </a:p>
@@ -4612,7 +7640,7 @@
           <a:p>
             <a:fld id="{713DB78E-3C9A-457B-8BC6-E3BEE2B0AC0A}" type="datetimeFigureOut">
               <a:rPr lang="en-US" smtClean="0"/>
-              <a:t>1/29/2026</a:t>
+              <a:t>1/31/2026</a:t>
             </a:fld>
             <a:endParaRPr lang="en-US"/>
           </a:p>
@@ -5519,7 +8547,7 @@
           <a:p>
             <a:r>
               <a:rPr lang="en-US" dirty="0"/>
-              <a:t>Database Race Condition</a:t>
+              <a:t>Database Race Condition upon start-up</a:t>
             </a:r>
           </a:p>
           <a:p>
@@ -5660,7 +8688,7 @@
           <a:p>
             <a:r>
               <a:rPr lang="en-US" dirty="0"/>
-              <a:t>Store all activity data as an list -&gt; {}, then parse list for specific field</a:t>
+              <a:t>Store all activity data as a list -&gt; {}, then parse list for specific field</a:t>
             </a:r>
           </a:p>
           <a:p>
@@ -5741,6 +8769,11 @@
           <a:prstGeom prst="rect">
             <a:avLst/>
           </a:prstGeom>
+          <a:ln>
+            <a:solidFill>
+              <a:schemeClr val="tx1"/>
+            </a:solidFill>
+          </a:ln>
         </p:spPr>
       </p:pic>
       <p:sp>
@@ -5838,6 +8871,11 @@
           <a:prstGeom prst="rect">
             <a:avLst/>
           </a:prstGeom>
+          <a:ln>
+            <a:solidFill>
+              <a:schemeClr val="tx1"/>
+            </a:solidFill>
+          </a:ln>
         </p:spPr>
       </p:pic>
       <p:sp>
@@ -6001,6 +9039,11 @@
           <a:prstGeom prst="rect">
             <a:avLst/>
           </a:prstGeom>
+          <a:ln>
+            <a:solidFill>
+              <a:schemeClr val="tx1"/>
+            </a:solidFill>
+          </a:ln>
         </p:spPr>
       </p:pic>
       <p:pic>
@@ -6032,6 +9075,11 @@
           <a:prstGeom prst="rect">
             <a:avLst/>
           </a:prstGeom>
+          <a:ln>
+            <a:solidFill>
+              <a:schemeClr val="tx1"/>
+            </a:solidFill>
+          </a:ln>
         </p:spPr>
       </p:pic>
     </p:spTree>
@@ -6050,6 +9098,14 @@
 <file path=ppt/slides/slide5.xml><?xml version="1.0" encoding="utf-8"?>
 <p:sld xmlns:a="http://schemas.openxmlformats.org/drawingml/2006/main" xmlns:r="http://schemas.openxmlformats.org/officeDocument/2006/relationships" xmlns:p="http://schemas.openxmlformats.org/presentationml/2006/main">
   <p:cSld>
+    <p:bg>
+      <p:bgPr>
+        <a:solidFill>
+          <a:schemeClr val="bg1"/>
+        </a:solidFill>
+        <a:effectLst/>
+      </p:bgPr>
+    </p:bg>
     <p:spTree>
       <p:nvGrpSpPr>
         <p:cNvPr id="1" name=""/>
@@ -6064,6 +9120,701 @@
           <a:chExt cx="0" cy="0"/>
         </a:xfrm>
       </p:grpSpPr>
+      <p:sp>
+        <p:nvSpPr>
+          <p:cNvPr id="19" name="Rectangle 18">
+            <a:extLst>
+              <a:ext uri="{FF2B5EF4-FFF2-40B4-BE49-F238E27FC236}">
+                <a16:creationId xmlns:a16="http://schemas.microsoft.com/office/drawing/2014/main" id="{DCC0DCE3-8753-43BB-86D2-6452D91E4179}"/>
+              </a:ext>
+              <a:ext uri="{C183D7F6-B498-43B3-948B-1728B52AA6E4}">
+                <adec:decorative xmlns:adec="http://schemas.microsoft.com/office/drawing/2017/decorative" val="1"/>
+              </a:ext>
+            </a:extLst>
+          </p:cNvPr>
+          <p:cNvSpPr>
+            <a:spLocks noGrp="1" noRot="1" noChangeAspect="1" noMove="1" noResize="1" noEditPoints="1" noAdjustHandles="1" noChangeArrowheads="1" noChangeShapeType="1" noTextEdit="1"/>
+          </p:cNvSpPr>
+          <p:nvPr>
+            <p:extLst>
+              <p:ext uri="{386F3935-93C4-4BCD-93E2-E3B085C9AB24}">
+                <p16:designElem xmlns:p16="http://schemas.microsoft.com/office/powerpoint/2015/main" val="1"/>
+              </p:ext>
+            </p:extLst>
+          </p:nvPr>
+        </p:nvSpPr>
+        <p:spPr>
+          <a:xfrm>
+            <a:off x="920834" y="1346946"/>
+            <a:ext cx="10222992" cy="80683"/>
+          </a:xfrm>
+          <a:prstGeom prst="rect">
+            <a:avLst/>
+          </a:prstGeom>
+          <a:blipFill dpi="0" rotWithShape="1">
+            <a:blip r:embed="rId2">
+              <a:alphaModFix amt="85000"/>
+              <a:lum bright="70000" contrast="-70000"/>
+              <a:extLst>
+                <a:ext uri="{BEBA8EAE-BF5A-486C-A8C5-ECC9F3942E4B}">
+                  <a14:imgProps xmlns:a14="http://schemas.microsoft.com/office/drawing/2010/main">
+                    <a14:imgLayer r:embed="rId3">
+                      <a14:imgEffect>
+                        <a14:sharpenSoften amount="61000"/>
+                      </a14:imgEffect>
+                    </a14:imgLayer>
+                  </a14:imgProps>
+                </a:ext>
+                <a:ext uri="{28A0092B-C50C-407E-A947-70E740481C1C}">
+                  <a14:useLocalDpi xmlns:a14="http://schemas.microsoft.com/office/drawing/2010/main" val="0"/>
+                </a:ext>
+              </a:extLst>
+            </a:blip>
+            <a:srcRect/>
+            <a:tile tx="0" ty="-762000" sx="92000" sy="89000" flip="xy" algn="ctr"/>
+          </a:blipFill>
+          <a:ln>
+            <a:noFill/>
+          </a:ln>
+        </p:spPr>
+        <p:style>
+          <a:lnRef idx="2">
+            <a:schemeClr val="accent1">
+              <a:shade val="50000"/>
+            </a:schemeClr>
+          </a:lnRef>
+          <a:fillRef idx="1">
+            <a:schemeClr val="accent1"/>
+          </a:fillRef>
+          <a:effectRef idx="0">
+            <a:schemeClr val="accent1"/>
+          </a:effectRef>
+          <a:fontRef idx="minor">
+            <a:schemeClr val="lt1"/>
+          </a:fontRef>
+        </p:style>
+        <p:txBody>
+          <a:bodyPr rtlCol="0" anchor="ctr"/>
+          <a:lstStyle/>
+          <a:p>
+            <a:pPr algn="ctr"/>
+            <a:endParaRPr lang="en-US"/>
+          </a:p>
+        </p:txBody>
+      </p:sp>
+      <p:sp>
+        <p:nvSpPr>
+          <p:cNvPr id="21" name="Rectangle 20">
+            <a:extLst>
+              <a:ext uri="{FF2B5EF4-FFF2-40B4-BE49-F238E27FC236}">
+                <a16:creationId xmlns:a16="http://schemas.microsoft.com/office/drawing/2014/main" id="{D28BC7A6-65CA-4655-8641-7BDE9699BF93}"/>
+              </a:ext>
+              <a:ext uri="{C183D7F6-B498-43B3-948B-1728B52AA6E4}">
+                <adec:decorative xmlns:adec="http://schemas.microsoft.com/office/drawing/2017/decorative" val="1"/>
+              </a:ext>
+            </a:extLst>
+          </p:cNvPr>
+          <p:cNvSpPr>
+            <a:spLocks noGrp="1" noRot="1" noChangeAspect="1" noMove="1" noResize="1" noEditPoints="1" noAdjustHandles="1" noChangeArrowheads="1" noChangeShapeType="1" noTextEdit="1"/>
+          </p:cNvSpPr>
+          <p:nvPr>
+            <p:extLst>
+              <p:ext uri="{386F3935-93C4-4BCD-93E2-E3B085C9AB24}">
+                <p16:designElem xmlns:p16="http://schemas.microsoft.com/office/powerpoint/2015/main" val="1"/>
+              </p:ext>
+            </p:extLst>
+          </p:nvPr>
+        </p:nvSpPr>
+        <p:spPr>
+          <a:xfrm>
+            <a:off x="920834" y="4299696"/>
+            <a:ext cx="10222992" cy="80683"/>
+          </a:xfrm>
+          <a:prstGeom prst="rect">
+            <a:avLst/>
+          </a:prstGeom>
+          <a:blipFill dpi="0" rotWithShape="1">
+            <a:blip r:embed="rId2">
+              <a:alphaModFix amt="85000"/>
+              <a:lum bright="70000" contrast="-70000"/>
+              <a:extLst>
+                <a:ext uri="{BEBA8EAE-BF5A-486C-A8C5-ECC9F3942E4B}">
+                  <a14:imgProps xmlns:a14="http://schemas.microsoft.com/office/drawing/2010/main">
+                    <a14:imgLayer r:embed="rId3">
+                      <a14:imgEffect>
+                        <a14:sharpenSoften amount="61000"/>
+                      </a14:imgEffect>
+                    </a14:imgLayer>
+                  </a14:imgProps>
+                </a:ext>
+                <a:ext uri="{28A0092B-C50C-407E-A947-70E740481C1C}">
+                  <a14:useLocalDpi xmlns:a14="http://schemas.microsoft.com/office/drawing/2010/main" val="0"/>
+                </a:ext>
+              </a:extLst>
+            </a:blip>
+            <a:srcRect/>
+            <a:tile tx="0" ty="-717550" sx="92000" sy="89000" flip="xy" algn="ctr"/>
+          </a:blipFill>
+          <a:ln>
+            <a:noFill/>
+          </a:ln>
+        </p:spPr>
+        <p:style>
+          <a:lnRef idx="2">
+            <a:schemeClr val="accent1">
+              <a:shade val="50000"/>
+            </a:schemeClr>
+          </a:lnRef>
+          <a:fillRef idx="1">
+            <a:schemeClr val="accent1"/>
+          </a:fillRef>
+          <a:effectRef idx="0">
+            <a:schemeClr val="accent1"/>
+          </a:effectRef>
+          <a:fontRef idx="minor">
+            <a:schemeClr val="lt1"/>
+          </a:fontRef>
+        </p:style>
+        <p:txBody>
+          <a:bodyPr rtlCol="0" anchor="ctr"/>
+          <a:lstStyle/>
+          <a:p>
+            <a:pPr algn="ctr"/>
+            <a:endParaRPr lang="en-US"/>
+          </a:p>
+        </p:txBody>
+      </p:sp>
+      <p:sp>
+        <p:nvSpPr>
+          <p:cNvPr id="23" name="Rectangle 22">
+            <a:extLst>
+              <a:ext uri="{FF2B5EF4-FFF2-40B4-BE49-F238E27FC236}">
+                <a16:creationId xmlns:a16="http://schemas.microsoft.com/office/drawing/2014/main" id="{58755CF4-45A8-4971-A14E-D6DE02B48273}"/>
+              </a:ext>
+              <a:ext uri="{C183D7F6-B498-43B3-948B-1728B52AA6E4}">
+                <adec:decorative xmlns:adec="http://schemas.microsoft.com/office/drawing/2017/decorative" val="1"/>
+              </a:ext>
+            </a:extLst>
+          </p:cNvPr>
+          <p:cNvSpPr>
+            <a:spLocks noGrp="1" noRot="1" noChangeAspect="1" noMove="1" noResize="1" noEditPoints="1" noAdjustHandles="1" noChangeArrowheads="1" noChangeShapeType="1" noTextEdit="1"/>
+          </p:cNvSpPr>
+          <p:nvPr>
+            <p:extLst>
+              <p:ext uri="{386F3935-93C4-4BCD-93E2-E3B085C9AB24}">
+                <p16:designElem xmlns:p16="http://schemas.microsoft.com/office/powerpoint/2015/main" val="1"/>
+              </p:ext>
+            </p:extLst>
+          </p:nvPr>
+        </p:nvSpPr>
+        <p:spPr>
+          <a:xfrm>
+            <a:off x="920834" y="1484779"/>
+            <a:ext cx="10222992" cy="2743200"/>
+          </a:xfrm>
+          <a:prstGeom prst="rect">
+            <a:avLst/>
+          </a:prstGeom>
+          <a:blipFill dpi="0" rotWithShape="1">
+            <a:blip r:embed="rId2">
+              <a:alphaModFix amt="85000"/>
+              <a:lum bright="70000" contrast="-70000"/>
+              <a:extLst>
+                <a:ext uri="{BEBA8EAE-BF5A-486C-A8C5-ECC9F3942E4B}">
+                  <a14:imgProps xmlns:a14="http://schemas.microsoft.com/office/drawing/2010/main">
+                    <a14:imgLayer r:embed="rId3">
+                      <a14:imgEffect>
+                        <a14:sharpenSoften amount="61000"/>
+                      </a14:imgEffect>
+                    </a14:imgLayer>
+                  </a14:imgProps>
+                </a:ext>
+                <a:ext uri="{28A0092B-C50C-407E-A947-70E740481C1C}">
+                  <a14:useLocalDpi xmlns:a14="http://schemas.microsoft.com/office/drawing/2010/main" val="0"/>
+                </a:ext>
+              </a:extLst>
+            </a:blip>
+            <a:srcRect/>
+            <a:tile tx="0" ty="-704850" sx="92000" sy="89000" flip="xy" algn="ctr"/>
+          </a:blipFill>
+          <a:ln>
+            <a:noFill/>
+          </a:ln>
+        </p:spPr>
+        <p:style>
+          <a:lnRef idx="2">
+            <a:schemeClr val="accent1">
+              <a:shade val="50000"/>
+            </a:schemeClr>
+          </a:lnRef>
+          <a:fillRef idx="1">
+            <a:schemeClr val="accent1"/>
+          </a:fillRef>
+          <a:effectRef idx="0">
+            <a:schemeClr val="accent1"/>
+          </a:effectRef>
+          <a:fontRef idx="minor">
+            <a:schemeClr val="lt1"/>
+          </a:fontRef>
+        </p:style>
+        <p:txBody>
+          <a:bodyPr rtlCol="0" anchor="ctr"/>
+          <a:lstStyle/>
+          <a:p>
+            <a:pPr algn="ctr"/>
+            <a:endParaRPr lang="en-US"/>
+          </a:p>
+        </p:txBody>
+      </p:sp>
+      <p:grpSp>
+        <p:nvGrpSpPr>
+          <p:cNvPr id="25" name="Group 24">
+            <a:extLst>
+              <a:ext uri="{FF2B5EF4-FFF2-40B4-BE49-F238E27FC236}">
+                <a16:creationId xmlns:a16="http://schemas.microsoft.com/office/drawing/2014/main" id="{421F62D5-850C-4310-A813-747E4643379A}"/>
+              </a:ext>
+              <a:ext uri="{C183D7F6-B498-43B3-948B-1728B52AA6E4}">
+                <adec:decorative xmlns:adec="http://schemas.microsoft.com/office/drawing/2017/decorative" val="1"/>
+              </a:ext>
+            </a:extLst>
+          </p:cNvPr>
+          <p:cNvGrpSpPr>
+            <a:grpSpLocks noGrp="1" noUngrp="1" noRot="1" noChangeAspect="1" noMove="1" noResize="1"/>
+          </p:cNvGrpSpPr>
+          <p:nvPr>
+            <p:extLst>
+              <p:ext uri="{386F3935-93C4-4BCD-93E2-E3B085C9AB24}">
+                <p16:designElem xmlns:p16="http://schemas.microsoft.com/office/powerpoint/2015/main" val="1"/>
+              </p:ext>
+            </p:extLst>
+          </p:nvPr>
+        </p:nvGrpSpPr>
+        <p:grpSpPr>
+          <a:xfrm>
+            <a:off x="9649215" y="4068923"/>
+            <a:ext cx="1080904" cy="1080902"/>
+            <a:chOff x="9685338" y="4460675"/>
+            <a:chExt cx="1080904" cy="1080902"/>
+          </a:xfrm>
+        </p:grpSpPr>
+        <p:sp>
+          <p:nvSpPr>
+            <p:cNvPr id="26" name="Oval 25">
+              <a:extLst>
+                <a:ext uri="{FF2B5EF4-FFF2-40B4-BE49-F238E27FC236}">
+                  <a16:creationId xmlns:a16="http://schemas.microsoft.com/office/drawing/2014/main" id="{CAD4B505-4A68-456B-9AFD-344192BE94E9}"/>
+                </a:ext>
+                <a:ext uri="{C183D7F6-B498-43B3-948B-1728B52AA6E4}">
+                  <adec:decorative xmlns:adec="http://schemas.microsoft.com/office/drawing/2017/decorative" val="1"/>
+                </a:ext>
+              </a:extLst>
+            </p:cNvPr>
+            <p:cNvSpPr/>
+            <p:nvPr>
+              <p:extLst>
+                <p:ext uri="{386F3935-93C4-4BCD-93E2-E3B085C9AB24}">
+                  <p16:designElem xmlns:p16="http://schemas.microsoft.com/office/powerpoint/2015/main" val="1"/>
+                </p:ext>
+              </p:extLst>
+            </p:nvPr>
+          </p:nvSpPr>
+          <p:spPr>
+            <a:xfrm>
+              <a:off x="9685338" y="4460675"/>
+              <a:ext cx="1080904" cy="1080902"/>
+            </a:xfrm>
+            <a:prstGeom prst="ellipse">
+              <a:avLst/>
+            </a:prstGeom>
+            <a:blipFill dpi="0" rotWithShape="1">
+              <a:blip r:embed="rId4">
+                <a:duotone>
+                  <a:schemeClr val="accent1">
+                    <a:shade val="45000"/>
+                    <a:satMod val="135000"/>
+                  </a:schemeClr>
+                  <a:prstClr val="white"/>
+                </a:duotone>
+                <a:extLst>
+                  <a:ext uri="{BEBA8EAE-BF5A-486C-A8C5-ECC9F3942E4B}">
+                    <a14:imgProps xmlns:a14="http://schemas.microsoft.com/office/drawing/2010/main">
+                      <a14:imgLayer r:embed="rId5">
+                        <a14:imgEffect>
+                          <a14:saturation sat="95000"/>
+                        </a14:imgEffect>
+                      </a14:imgLayer>
+                    </a14:imgProps>
+                  </a:ext>
+                </a:extLst>
+              </a:blip>
+              <a:srcRect/>
+              <a:tile tx="0" ty="0" sx="85000" sy="85000" flip="none" algn="tl"/>
+            </a:blipFill>
+            <a:ln w="25400" cap="flat" cmpd="sng" algn="ctr">
+              <a:noFill/>
+              <a:prstDash val="solid"/>
+            </a:ln>
+            <a:effectLst/>
+          </p:spPr>
+          <p:txBody>
+            <a:bodyPr lIns="0" tIns="0" rIns="0" bIns="0" rtlCol="0" anchor="ctr"/>
+            <a:lstStyle/>
+            <a:p>
+              <a:pPr marL="0" marR="0" lvl="0" indent="0" algn="ctr" defTabSz="914400" eaLnBrk="1" fontAlgn="auto" latinLnBrk="0" hangingPunct="1">
+                <a:lnSpc>
+                  <a:spcPct val="100000"/>
+                </a:lnSpc>
+                <a:spcBef>
+                  <a:spcPts val="0"/>
+                </a:spcBef>
+                <a:spcAft>
+                  <a:spcPts val="0"/>
+                </a:spcAft>
+                <a:buClrTx/>
+                <a:buSzTx/>
+                <a:buFontTx/>
+                <a:buNone/>
+                <a:tabLst/>
+                <a:defRPr/>
+              </a:pPr>
+              <a:endParaRPr kumimoji="0" lang="en-US" sz="2000" b="0" i="0" u="none" strike="noStrike" kern="0" cap="none" spc="0" normalizeH="0" baseline="0" noProof="0" dirty="0">
+                <a:ln>
+                  <a:noFill/>
+                </a:ln>
+                <a:solidFill>
+                  <a:prstClr val="white"/>
+                </a:solidFill>
+                <a:effectLst/>
+                <a:uLnTx/>
+                <a:uFillTx/>
+                <a:latin typeface="Rockwell Extra Bold" pitchFamily="18" charset="0"/>
+                <a:ea typeface="+mn-ea"/>
+                <a:cs typeface="+mn-cs"/>
+              </a:endParaRPr>
+            </a:p>
+          </p:txBody>
+        </p:sp>
+        <p:sp>
+          <p:nvSpPr>
+            <p:cNvPr id="27" name="Oval 26">
+              <a:extLst>
+                <a:ext uri="{FF2B5EF4-FFF2-40B4-BE49-F238E27FC236}">
+                  <a16:creationId xmlns:a16="http://schemas.microsoft.com/office/drawing/2014/main" id="{A7F9A339-5395-403B-B163-DFDDD9E099F2}"/>
+                </a:ext>
+                <a:ext uri="{C183D7F6-B498-43B3-948B-1728B52AA6E4}">
+                  <adec:decorative xmlns:adec="http://schemas.microsoft.com/office/drawing/2017/decorative" val="1"/>
+                </a:ext>
+              </a:extLst>
+            </p:cNvPr>
+            <p:cNvSpPr/>
+            <p:nvPr>
+              <p:extLst>
+                <p:ext uri="{386F3935-93C4-4BCD-93E2-E3B085C9AB24}">
+                  <p16:designElem xmlns:p16="http://schemas.microsoft.com/office/powerpoint/2015/main" val="1"/>
+                </p:ext>
+              </p:extLst>
+            </p:nvPr>
+          </p:nvSpPr>
+          <p:spPr>
+            <a:xfrm>
+              <a:off x="9793429" y="4568765"/>
+              <a:ext cx="864723" cy="864722"/>
+            </a:xfrm>
+            <a:prstGeom prst="ellipse">
+              <a:avLst/>
+            </a:prstGeom>
+            <a:noFill/>
+            <a:ln w="25400" cap="flat" cmpd="sng" algn="ctr">
+              <a:solidFill>
+                <a:sysClr val="window" lastClr="FFFFFF"/>
+              </a:solidFill>
+              <a:prstDash val="solid"/>
+            </a:ln>
+            <a:effectLst/>
+          </p:spPr>
+          <p:txBody>
+            <a:bodyPr rtlCol="0" anchor="ctr"/>
+            <a:lstStyle/>
+            <a:p>
+              <a:pPr marL="0" marR="0" lvl="0" indent="0" algn="ctr" defTabSz="914400" eaLnBrk="1" fontAlgn="auto" latinLnBrk="0" hangingPunct="1">
+                <a:lnSpc>
+                  <a:spcPct val="100000"/>
+                </a:lnSpc>
+                <a:spcBef>
+                  <a:spcPts val="0"/>
+                </a:spcBef>
+                <a:spcAft>
+                  <a:spcPts val="0"/>
+                </a:spcAft>
+                <a:buClrTx/>
+                <a:buSzTx/>
+                <a:buFontTx/>
+                <a:buNone/>
+                <a:tabLst/>
+                <a:defRPr/>
+              </a:pPr>
+              <a:endParaRPr kumimoji="0" lang="en-US" sz="1800" b="0" i="0" u="none" strike="noStrike" kern="0" cap="none" spc="0" normalizeH="0" baseline="0" noProof="0" dirty="0">
+                <a:ln>
+                  <a:noFill/>
+                </a:ln>
+                <a:solidFill>
+                  <a:prstClr val="white"/>
+                </a:solidFill>
+                <a:effectLst/>
+                <a:uLnTx/>
+                <a:uFillTx/>
+                <a:latin typeface="Calibri"/>
+                <a:ea typeface="+mn-ea"/>
+                <a:cs typeface="+mn-cs"/>
+              </a:endParaRPr>
+            </a:p>
+          </p:txBody>
+        </p:sp>
+      </p:grpSp>
+      <p:sp>
+        <p:nvSpPr>
+          <p:cNvPr id="29" name="Rectangle 28">
+            <a:extLst>
+              <a:ext uri="{FF2B5EF4-FFF2-40B4-BE49-F238E27FC236}">
+                <a16:creationId xmlns:a16="http://schemas.microsoft.com/office/drawing/2014/main" id="{B945C839-5223-449A-83FF-07A83C46BCEA}"/>
+              </a:ext>
+              <a:ext uri="{C183D7F6-B498-43B3-948B-1728B52AA6E4}">
+                <adec:decorative xmlns:adec="http://schemas.microsoft.com/office/drawing/2017/decorative" val="1"/>
+              </a:ext>
+            </a:extLst>
+          </p:cNvPr>
+          <p:cNvSpPr>
+            <a:spLocks noGrp="1" noRot="1" noChangeAspect="1" noMove="1" noResize="1" noEditPoints="1" noAdjustHandles="1" noChangeArrowheads="1" noChangeShapeType="1" noTextEdit="1"/>
+          </p:cNvSpPr>
+          <p:nvPr>
+            <p:extLst>
+              <p:ext uri="{386F3935-93C4-4BCD-93E2-E3B085C9AB24}">
+                <p16:designElem xmlns:p16="http://schemas.microsoft.com/office/powerpoint/2015/main" val="1"/>
+              </p:ext>
+            </p:extLst>
+          </p:nvPr>
+        </p:nvSpPr>
+        <p:spPr bwMode="white">
+          <a:xfrm>
+            <a:off x="0" y="0"/>
+            <a:ext cx="12188952" cy="6858001"/>
+          </a:xfrm>
+          <a:prstGeom prst="rect">
+            <a:avLst/>
+          </a:prstGeom>
+          <a:solidFill>
+            <a:schemeClr val="bg1"/>
+          </a:solidFill>
+          <a:ln>
+            <a:noFill/>
+          </a:ln>
+        </p:spPr>
+        <p:style>
+          <a:lnRef idx="2">
+            <a:schemeClr val="accent1">
+              <a:shade val="50000"/>
+            </a:schemeClr>
+          </a:lnRef>
+          <a:fillRef idx="1">
+            <a:schemeClr val="accent1"/>
+          </a:fillRef>
+          <a:effectRef idx="0">
+            <a:schemeClr val="accent1"/>
+          </a:effectRef>
+          <a:fontRef idx="minor">
+            <a:schemeClr val="lt1"/>
+          </a:fontRef>
+        </p:style>
+        <p:txBody>
+          <a:bodyPr rot="0" spcFirstLastPara="0" vert="horz" wrap="square" lIns="91440" tIns="45720" rIns="91440" bIns="45720" numCol="1" spcCol="0" rtlCol="0" fromWordArt="0" anchor="ctr" anchorCtr="0" forceAA="0" compatLnSpc="1">
+            <a:prstTxWarp prst="textNoShape">
+              <a:avLst/>
+            </a:prstTxWarp>
+            <a:noAutofit/>
+          </a:bodyPr>
+          <a:lstStyle>
+            <a:defPPr>
+              <a:defRPr lang="en-US"/>
+            </a:defPPr>
+            <a:lvl1pPr marL="0" algn="l" defTabSz="914400" rtl="0" eaLnBrk="1" latinLnBrk="0" hangingPunct="1">
+              <a:defRPr sz="1800" kern="1200">
+                <a:solidFill>
+                  <a:schemeClr val="lt1"/>
+                </a:solidFill>
+                <a:latin typeface="+mn-lt"/>
+                <a:ea typeface="+mn-ea"/>
+                <a:cs typeface="+mn-cs"/>
+              </a:defRPr>
+            </a:lvl1pPr>
+            <a:lvl2pPr marL="457200" algn="l" defTabSz="914400" rtl="0" eaLnBrk="1" latinLnBrk="0" hangingPunct="1">
+              <a:defRPr sz="1800" kern="1200">
+                <a:solidFill>
+                  <a:schemeClr val="lt1"/>
+                </a:solidFill>
+                <a:latin typeface="+mn-lt"/>
+                <a:ea typeface="+mn-ea"/>
+                <a:cs typeface="+mn-cs"/>
+              </a:defRPr>
+            </a:lvl2pPr>
+            <a:lvl3pPr marL="914400" algn="l" defTabSz="914400" rtl="0" eaLnBrk="1" latinLnBrk="0" hangingPunct="1">
+              <a:defRPr sz="1800" kern="1200">
+                <a:solidFill>
+                  <a:schemeClr val="lt1"/>
+                </a:solidFill>
+                <a:latin typeface="+mn-lt"/>
+                <a:ea typeface="+mn-ea"/>
+                <a:cs typeface="+mn-cs"/>
+              </a:defRPr>
+            </a:lvl3pPr>
+            <a:lvl4pPr marL="1371600" algn="l" defTabSz="914400" rtl="0" eaLnBrk="1" latinLnBrk="0" hangingPunct="1">
+              <a:defRPr sz="1800" kern="1200">
+                <a:solidFill>
+                  <a:schemeClr val="lt1"/>
+                </a:solidFill>
+                <a:latin typeface="+mn-lt"/>
+                <a:ea typeface="+mn-ea"/>
+                <a:cs typeface="+mn-cs"/>
+              </a:defRPr>
+            </a:lvl4pPr>
+            <a:lvl5pPr marL="1828800" algn="l" defTabSz="914400" rtl="0" eaLnBrk="1" latinLnBrk="0" hangingPunct="1">
+              <a:defRPr sz="1800" kern="1200">
+                <a:solidFill>
+                  <a:schemeClr val="lt1"/>
+                </a:solidFill>
+                <a:latin typeface="+mn-lt"/>
+                <a:ea typeface="+mn-ea"/>
+                <a:cs typeface="+mn-cs"/>
+              </a:defRPr>
+            </a:lvl5pPr>
+            <a:lvl6pPr marL="2286000" algn="l" defTabSz="914400" rtl="0" eaLnBrk="1" latinLnBrk="0" hangingPunct="1">
+              <a:defRPr sz="1800" kern="1200">
+                <a:solidFill>
+                  <a:schemeClr val="lt1"/>
+                </a:solidFill>
+                <a:latin typeface="+mn-lt"/>
+                <a:ea typeface="+mn-ea"/>
+                <a:cs typeface="+mn-cs"/>
+              </a:defRPr>
+            </a:lvl6pPr>
+            <a:lvl7pPr marL="2743200" algn="l" defTabSz="914400" rtl="0" eaLnBrk="1" latinLnBrk="0" hangingPunct="1">
+              <a:defRPr sz="1800" kern="1200">
+                <a:solidFill>
+                  <a:schemeClr val="lt1"/>
+                </a:solidFill>
+                <a:latin typeface="+mn-lt"/>
+                <a:ea typeface="+mn-ea"/>
+                <a:cs typeface="+mn-cs"/>
+              </a:defRPr>
+            </a:lvl7pPr>
+            <a:lvl8pPr marL="3200400" algn="l" defTabSz="914400" rtl="0" eaLnBrk="1" latinLnBrk="0" hangingPunct="1">
+              <a:defRPr sz="1800" kern="1200">
+                <a:solidFill>
+                  <a:schemeClr val="lt1"/>
+                </a:solidFill>
+                <a:latin typeface="+mn-lt"/>
+                <a:ea typeface="+mn-ea"/>
+                <a:cs typeface="+mn-cs"/>
+              </a:defRPr>
+            </a:lvl8pPr>
+            <a:lvl9pPr marL="3657600" algn="l" defTabSz="914400" rtl="0" eaLnBrk="1" latinLnBrk="0" hangingPunct="1">
+              <a:defRPr sz="1800" kern="1200">
+                <a:solidFill>
+                  <a:schemeClr val="lt1"/>
+                </a:solidFill>
+                <a:latin typeface="+mn-lt"/>
+                <a:ea typeface="+mn-ea"/>
+                <a:cs typeface="+mn-cs"/>
+              </a:defRPr>
+            </a:lvl9pPr>
+          </a:lstStyle>
+          <a:p>
+            <a:pPr algn="ctr"/>
+            <a:endParaRPr lang="en-US"/>
+          </a:p>
+        </p:txBody>
+      </p:sp>
+      <p:sp>
+        <p:nvSpPr>
+          <p:cNvPr id="31" name="Rectangle 30">
+            <a:extLst>
+              <a:ext uri="{FF2B5EF4-FFF2-40B4-BE49-F238E27FC236}">
+                <a16:creationId xmlns:a16="http://schemas.microsoft.com/office/drawing/2014/main" id="{7D673E84-7710-46C2-AB60-0C54F719CC93}"/>
+              </a:ext>
+              <a:ext uri="{C183D7F6-B498-43B3-948B-1728B52AA6E4}">
+                <adec:decorative xmlns:adec="http://schemas.microsoft.com/office/drawing/2017/decorative" val="1"/>
+              </a:ext>
+            </a:extLst>
+          </p:cNvPr>
+          <p:cNvSpPr>
+            <a:spLocks noGrp="1" noRot="1" noChangeAspect="1" noMove="1" noResize="1" noEditPoints="1" noAdjustHandles="1" noChangeArrowheads="1" noChangeShapeType="1" noTextEdit="1"/>
+          </p:cNvSpPr>
+          <p:nvPr>
+            <p:extLst>
+              <p:ext uri="{386F3935-93C4-4BCD-93E2-E3B085C9AB24}">
+                <p16:designElem xmlns:p16="http://schemas.microsoft.com/office/powerpoint/2015/main" val="1"/>
+              </p:ext>
+            </p:extLst>
+          </p:nvPr>
+        </p:nvSpPr>
+        <p:spPr>
+          <a:xfrm>
+            <a:off x="799087" y="1110053"/>
+            <a:ext cx="3386371" cy="4580301"/>
+          </a:xfrm>
+          <a:prstGeom prst="rect">
+            <a:avLst/>
+          </a:prstGeom>
+          <a:blipFill dpi="0" rotWithShape="1">
+            <a:blip r:embed="rId2">
+              <a:alphaModFix amt="85000"/>
+              <a:lum bright="70000" contrast="-70000"/>
+              <a:extLst>
+                <a:ext uri="{BEBA8EAE-BF5A-486C-A8C5-ECC9F3942E4B}">
+                  <a14:imgProps xmlns:a14="http://schemas.microsoft.com/office/drawing/2010/main">
+                    <a14:imgLayer r:embed="rId3">
+                      <a14:imgEffect>
+                        <a14:sharpenSoften amount="61000"/>
+                      </a14:imgEffect>
+                    </a14:imgLayer>
+                  </a14:imgProps>
+                </a:ext>
+                <a:ext uri="{28A0092B-C50C-407E-A947-70E740481C1C}">
+                  <a14:useLocalDpi xmlns:a14="http://schemas.microsoft.com/office/drawing/2010/main" val="0"/>
+                </a:ext>
+              </a:extLst>
+            </a:blip>
+            <a:srcRect/>
+            <a:tile tx="0" ty="-704850" sx="92000" sy="89000" flip="xy" algn="ctr"/>
+          </a:blipFill>
+          <a:ln>
+            <a:noFill/>
+          </a:ln>
+        </p:spPr>
+        <p:style>
+          <a:lnRef idx="2">
+            <a:schemeClr val="accent1">
+              <a:shade val="50000"/>
+            </a:schemeClr>
+          </a:lnRef>
+          <a:fillRef idx="1">
+            <a:schemeClr val="accent1"/>
+          </a:fillRef>
+          <a:effectRef idx="0">
+            <a:schemeClr val="accent1"/>
+          </a:effectRef>
+          <a:fontRef idx="minor">
+            <a:schemeClr val="lt1"/>
+          </a:fontRef>
+        </p:style>
+        <p:txBody>
+          <a:bodyPr rtlCol="0" anchor="ctr"/>
+          <a:lstStyle/>
+          <a:p>
+            <a:pPr algn="ctr"/>
+            <a:endParaRPr lang="en-US"/>
+          </a:p>
+        </p:txBody>
+      </p:sp>
       <p:sp>
         <p:nvSpPr>
           <p:cNvPr id="2" name="Title 1">
@@ -6082,27 +9833,155 @@
         </p:nvSpPr>
         <p:spPr>
           <a:xfrm>
-            <a:off x="1069848" y="484632"/>
-            <a:ext cx="5276088" cy="767128"/>
+            <a:off x="1113719" y="1432223"/>
+            <a:ext cx="2897826" cy="3357976"/>
           </a:xfrm>
         </p:spPr>
         <p:txBody>
-          <a:bodyPr>
-            <a:normAutofit fontScale="90000"/>
+          <a:bodyPr vert="horz" lIns="91440" tIns="45720" rIns="91440" bIns="45720" rtlCol="0" anchor="ctr">
+            <a:normAutofit/>
           </a:bodyPr>
           <a:lstStyle/>
           <a:p>
+            <a:pPr>
+              <a:lnSpc>
+                <a:spcPct val="80000"/>
+              </a:lnSpc>
+            </a:pPr>
             <a:r>
-              <a:rPr lang="en-US" dirty="0">
-                <a:solidFill>
-                  <a:sysClr val="windowText" lastClr="000000"/>
-                </a:solidFill>
+              <a:rPr lang="en-US" sz="6000" kern="1200" cap="all" baseline="0" dirty="0">
+                <a:blipFill dpi="0" rotWithShape="1">
+                  <a:blip r:embed="rId4"/>
+                  <a:srcRect/>
+                  <a:tile tx="6350" ty="-127000" sx="65000" sy="64000" flip="none" algn="tl"/>
+                </a:blipFill>
+                <a:latin typeface="+mj-lt"/>
+                <a:ea typeface="+mj-ea"/>
+                <a:cs typeface="+mj-cs"/>
               </a:rPr>
               <a:t>User Account Portal</a:t>
             </a:r>
           </a:p>
         </p:txBody>
       </p:sp>
+      <p:sp>
+        <p:nvSpPr>
+          <p:cNvPr id="33" name="Rectangle 32">
+            <a:extLst>
+              <a:ext uri="{FF2B5EF4-FFF2-40B4-BE49-F238E27FC236}">
+                <a16:creationId xmlns:a16="http://schemas.microsoft.com/office/drawing/2014/main" id="{139CA32C-70F8-4CA5-AA5D-57191F4D875C}"/>
+              </a:ext>
+              <a:ext uri="{C183D7F6-B498-43B3-948B-1728B52AA6E4}">
+                <adec:decorative xmlns:adec="http://schemas.microsoft.com/office/drawing/2017/decorative" val="1"/>
+              </a:ext>
+            </a:extLst>
+          </p:cNvPr>
+          <p:cNvSpPr>
+            <a:spLocks noGrp="1" noRot="1" noChangeAspect="1" noMove="1" noResize="1" noEditPoints="1" noAdjustHandles="1" noChangeArrowheads="1" noChangeShapeType="1" noTextEdit="1"/>
+          </p:cNvSpPr>
+          <p:nvPr>
+            <p:extLst>
+              <p:ext uri="{386F3935-93C4-4BCD-93E2-E3B085C9AB24}">
+                <p16:designElem xmlns:p16="http://schemas.microsoft.com/office/powerpoint/2015/main" val="1"/>
+              </p:ext>
+            </p:extLst>
+          </p:nvPr>
+        </p:nvSpPr>
+        <p:spPr>
+          <a:xfrm>
+            <a:off x="814033" y="928117"/>
+            <a:ext cx="3383280" cy="80683"/>
+          </a:xfrm>
+          <a:prstGeom prst="rect">
+            <a:avLst/>
+          </a:prstGeom>
+          <a:blipFill dpi="0" rotWithShape="1">
+            <a:blip r:embed="rId2">
+              <a:alphaModFix amt="85000"/>
+              <a:lum bright="70000" contrast="-70000"/>
+              <a:extLst>
+                <a:ext uri="{BEBA8EAE-BF5A-486C-A8C5-ECC9F3942E4B}">
+                  <a14:imgProps xmlns:a14="http://schemas.microsoft.com/office/drawing/2010/main">
+                    <a14:imgLayer r:embed="rId3">
+                      <a14:imgEffect>
+                        <a14:sharpenSoften amount="61000"/>
+                      </a14:imgEffect>
+                    </a14:imgLayer>
+                  </a14:imgProps>
+                </a:ext>
+                <a:ext uri="{28A0092B-C50C-407E-A947-70E740481C1C}">
+                  <a14:useLocalDpi xmlns:a14="http://schemas.microsoft.com/office/drawing/2010/main" val="0"/>
+                </a:ext>
+              </a:extLst>
+            </a:blip>
+            <a:srcRect/>
+            <a:tile tx="0" ty="-762000" sx="92000" sy="89000" flip="xy" algn="ctr"/>
+          </a:blipFill>
+          <a:ln>
+            <a:noFill/>
+          </a:ln>
+        </p:spPr>
+        <p:style>
+          <a:lnRef idx="2">
+            <a:schemeClr val="accent1">
+              <a:shade val="50000"/>
+            </a:schemeClr>
+          </a:lnRef>
+          <a:fillRef idx="1">
+            <a:schemeClr val="accent1"/>
+          </a:fillRef>
+          <a:effectRef idx="0">
+            <a:schemeClr val="accent1"/>
+          </a:effectRef>
+          <a:fontRef idx="minor">
+            <a:schemeClr val="lt1"/>
+          </a:fontRef>
+        </p:style>
+        <p:txBody>
+          <a:bodyPr rtlCol="0" anchor="ctr"/>
+          <a:lstStyle/>
+          <a:p>
+            <a:pPr algn="ctr"/>
+            <a:endParaRPr lang="en-US"/>
+          </a:p>
+        </p:txBody>
+      </p:sp>
+      <p:pic>
+        <p:nvPicPr>
+          <p:cNvPr id="14" name="Picture 13">
+            <a:extLst>
+              <a:ext uri="{FF2B5EF4-FFF2-40B4-BE49-F238E27FC236}">
+                <a16:creationId xmlns:a16="http://schemas.microsoft.com/office/drawing/2014/main" id="{7BE31776-F426-8AE6-74FC-D07693145B13}"/>
+              </a:ext>
+            </a:extLst>
+          </p:cNvPr>
+          <p:cNvPicPr>
+            <a:picLocks noChangeAspect="1"/>
+          </p:cNvPicPr>
+          <p:nvPr/>
+        </p:nvPicPr>
+        <p:blipFill>
+          <a:blip r:embed="rId6"/>
+          <a:srcRect b="2686"/>
+          <a:stretch>
+            <a:fillRect/>
+          </a:stretch>
+        </p:blipFill>
+        <p:spPr>
+          <a:xfrm>
+            <a:off x="4598243" y="1008800"/>
+            <a:ext cx="3460727" cy="4431280"/>
+          </a:xfrm>
+          <a:prstGeom prst="rect">
+            <a:avLst/>
+          </a:prstGeom>
+          <a:ln>
+            <a:solidFill>
+              <a:schemeClr val="tx1"/>
+            </a:solidFill>
+          </a:ln>
+        </p:spPr>
+      </p:pic>
       <p:pic>
         <p:nvPicPr>
           <p:cNvPr id="10" name="Picture 9">
@@ -6118,52 +9997,302 @@
           <p:nvPr/>
         </p:nvPicPr>
         <p:blipFill>
-          <a:blip r:embed="rId2"/>
+          <a:blip r:embed="rId7"/>
           <a:stretch>
             <a:fillRect/>
           </a:stretch>
         </p:blipFill>
         <p:spPr>
           <a:xfrm>
-            <a:off x="681242" y="1588756"/>
-            <a:ext cx="3966958" cy="4920440"/>
+            <a:off x="8340770" y="1008800"/>
+            <a:ext cx="3567180" cy="4431280"/>
           </a:xfrm>
           <a:prstGeom prst="rect">
             <a:avLst/>
           </a:prstGeom>
+          <a:ln>
+            <a:solidFill>
+              <a:schemeClr val="tx1"/>
+            </a:solidFill>
+          </a:ln>
         </p:spPr>
       </p:pic>
-      <p:pic>
-        <p:nvPicPr>
-          <p:cNvPr id="14" name="Picture 13">
+      <p:sp>
+        <p:nvSpPr>
+          <p:cNvPr id="35" name="Rectangle 34">
             <a:extLst>
               <a:ext uri="{FF2B5EF4-FFF2-40B4-BE49-F238E27FC236}">
-                <a16:creationId xmlns:a16="http://schemas.microsoft.com/office/drawing/2014/main" id="{7BE31776-F426-8AE6-74FC-D07693145B13}"/>
+                <a16:creationId xmlns:a16="http://schemas.microsoft.com/office/drawing/2014/main" id="{22A7090A-8739-4C0E-AE2B-E9574F8390E5}"/>
+              </a:ext>
+              <a:ext uri="{C183D7F6-B498-43B3-948B-1728B52AA6E4}">
+                <adec:decorative xmlns:adec="http://schemas.microsoft.com/office/drawing/2017/decorative" val="1"/>
               </a:ext>
             </a:extLst>
           </p:cNvPr>
-          <p:cNvPicPr>
-            <a:picLocks noChangeAspect="1"/>
-          </p:cNvPicPr>
-          <p:nvPr/>
-        </p:nvPicPr>
-        <p:blipFill>
-          <a:blip r:embed="rId3"/>
-          <a:srcRect b="2686"/>
-          <a:stretch>
-            <a:fillRect/>
-          </a:stretch>
-        </p:blipFill>
+          <p:cNvSpPr>
+            <a:spLocks noGrp="1" noRot="1" noChangeAspect="1" noMove="1" noResize="1" noEditPoints="1" noAdjustHandles="1" noChangeArrowheads="1" noChangeShapeType="1" noTextEdit="1"/>
+          </p:cNvSpPr>
+          <p:nvPr>
+            <p:extLst>
+              <p:ext uri="{386F3935-93C4-4BCD-93E2-E3B085C9AB24}">
+                <p16:designElem xmlns:p16="http://schemas.microsoft.com/office/powerpoint/2015/main" val="1"/>
+              </p:ext>
+            </p:extLst>
+          </p:nvPr>
+        </p:nvSpPr>
         <p:spPr>
           <a:xfrm>
-            <a:off x="6585711" y="1588756"/>
-            <a:ext cx="3842016" cy="4920440"/>
+            <a:off x="814033" y="5782820"/>
+            <a:ext cx="3383280" cy="80683"/>
           </a:xfrm>
           <a:prstGeom prst="rect">
             <a:avLst/>
           </a:prstGeom>
+          <a:blipFill dpi="0" rotWithShape="1">
+            <a:blip r:embed="rId2">
+              <a:alphaModFix amt="85000"/>
+              <a:lum bright="70000" contrast="-70000"/>
+              <a:extLst>
+                <a:ext uri="{BEBA8EAE-BF5A-486C-A8C5-ECC9F3942E4B}">
+                  <a14:imgProps xmlns:a14="http://schemas.microsoft.com/office/drawing/2010/main">
+                    <a14:imgLayer r:embed="rId3">
+                      <a14:imgEffect>
+                        <a14:sharpenSoften amount="61000"/>
+                      </a14:imgEffect>
+                    </a14:imgLayer>
+                  </a14:imgProps>
+                </a:ext>
+                <a:ext uri="{28A0092B-C50C-407E-A947-70E740481C1C}">
+                  <a14:useLocalDpi xmlns:a14="http://schemas.microsoft.com/office/drawing/2010/main" val="0"/>
+                </a:ext>
+              </a:extLst>
+            </a:blip>
+            <a:srcRect/>
+            <a:tile tx="0" ty="-762000" sx="92000" sy="89000" flip="xy" algn="ctr"/>
+          </a:blipFill>
+          <a:ln>
+            <a:noFill/>
+          </a:ln>
         </p:spPr>
-      </p:pic>
+        <p:style>
+          <a:lnRef idx="2">
+            <a:schemeClr val="accent1">
+              <a:shade val="50000"/>
+            </a:schemeClr>
+          </a:lnRef>
+          <a:fillRef idx="1">
+            <a:schemeClr val="accent1"/>
+          </a:fillRef>
+          <a:effectRef idx="0">
+            <a:schemeClr val="accent1"/>
+          </a:effectRef>
+          <a:fontRef idx="minor">
+            <a:schemeClr val="lt1"/>
+          </a:fontRef>
+        </p:style>
+        <p:txBody>
+          <a:bodyPr rtlCol="0" anchor="ctr"/>
+          <a:lstStyle/>
+          <a:p>
+            <a:pPr algn="ctr"/>
+            <a:endParaRPr lang="en-US"/>
+          </a:p>
+        </p:txBody>
+      </p:sp>
+      <p:grpSp>
+        <p:nvGrpSpPr>
+          <p:cNvPr id="37" name="Group 36">
+            <a:extLst>
+              <a:ext uri="{FF2B5EF4-FFF2-40B4-BE49-F238E27FC236}">
+                <a16:creationId xmlns:a16="http://schemas.microsoft.com/office/drawing/2014/main" id="{E74DD241-70FF-4D92-99B7-2E3262D3476B}"/>
+              </a:ext>
+              <a:ext uri="{C183D7F6-B498-43B3-948B-1728B52AA6E4}">
+                <adec:decorative xmlns:adec="http://schemas.microsoft.com/office/drawing/2017/decorative" val="1"/>
+              </a:ext>
+            </a:extLst>
+          </p:cNvPr>
+          <p:cNvGrpSpPr>
+            <a:grpSpLocks noGrp="1" noUngrp="1" noRot="1" noChangeAspect="1" noMove="1" noResize="1"/>
+          </p:cNvGrpSpPr>
+          <p:nvPr>
+            <p:extLst>
+              <p:ext uri="{386F3935-93C4-4BCD-93E2-E3B085C9AB24}">
+                <p16:designElem xmlns:p16="http://schemas.microsoft.com/office/powerpoint/2015/main" val="1"/>
+              </p:ext>
+            </p:extLst>
+          </p:nvPr>
+        </p:nvGrpSpPr>
+        <p:grpSpPr>
+          <a:xfrm>
+            <a:off x="9646920" y="5257800"/>
+            <a:ext cx="1080904" cy="1080902"/>
+            <a:chOff x="9685338" y="4460675"/>
+            <a:chExt cx="1080904" cy="1080902"/>
+          </a:xfrm>
+        </p:grpSpPr>
+        <p:sp>
+          <p:nvSpPr>
+            <p:cNvPr id="38" name="Oval 37">
+              <a:extLst>
+                <a:ext uri="{FF2B5EF4-FFF2-40B4-BE49-F238E27FC236}">
+                  <a16:creationId xmlns:a16="http://schemas.microsoft.com/office/drawing/2014/main" id="{37C4DBDA-CE47-4C85-9D28-009A33B03B5D}"/>
+                </a:ext>
+                <a:ext uri="{C183D7F6-B498-43B3-948B-1728B52AA6E4}">
+                  <adec:decorative xmlns:adec="http://schemas.microsoft.com/office/drawing/2017/decorative" val="1"/>
+                </a:ext>
+              </a:extLst>
+            </p:cNvPr>
+            <p:cNvSpPr/>
+            <p:nvPr>
+              <p:extLst>
+                <p:ext uri="{386F3935-93C4-4BCD-93E2-E3B085C9AB24}">
+                  <p16:designElem xmlns:p16="http://schemas.microsoft.com/office/powerpoint/2015/main" val="1"/>
+                </p:ext>
+              </p:extLst>
+            </p:nvPr>
+          </p:nvSpPr>
+          <p:spPr>
+            <a:xfrm>
+              <a:off x="9685338" y="4460675"/>
+              <a:ext cx="1080904" cy="1080902"/>
+            </a:xfrm>
+            <a:prstGeom prst="ellipse">
+              <a:avLst/>
+            </a:prstGeom>
+            <a:blipFill dpi="0" rotWithShape="1">
+              <a:blip r:embed="rId4">
+                <a:duotone>
+                  <a:schemeClr val="accent1">
+                    <a:shade val="45000"/>
+                    <a:satMod val="135000"/>
+                  </a:schemeClr>
+                  <a:prstClr val="white"/>
+                </a:duotone>
+              </a:blip>
+              <a:srcRect/>
+              <a:tile tx="0" ty="0" sx="85000" sy="85000" flip="none" algn="tl"/>
+            </a:blipFill>
+            <a:ln w="25400" cap="flat" cmpd="sng" algn="ctr">
+              <a:noFill/>
+              <a:prstDash val="solid"/>
+            </a:ln>
+            <a:effectLst/>
+          </p:spPr>
+          <p:txBody>
+            <a:bodyPr lIns="0" tIns="0" rIns="0" bIns="0" rtlCol="0" anchor="ctr"/>
+            <a:lstStyle/>
+            <a:p>
+              <a:pPr marL="0" marR="0" lvl="0" indent="0" algn="ctr" defTabSz="914400" eaLnBrk="1" fontAlgn="auto" latinLnBrk="0" hangingPunct="1">
+                <a:lnSpc>
+                  <a:spcPct val="100000"/>
+                </a:lnSpc>
+                <a:spcBef>
+                  <a:spcPts val="0"/>
+                </a:spcBef>
+                <a:spcAft>
+                  <a:spcPts val="0"/>
+                </a:spcAft>
+                <a:buClrTx/>
+                <a:buSzTx/>
+                <a:buFontTx/>
+                <a:buNone/>
+                <a:tabLst/>
+                <a:defRPr/>
+              </a:pPr>
+              <a:endParaRPr kumimoji="0" lang="en-US" sz="2000" b="0" i="0" u="none" strike="noStrike" kern="0" cap="none" spc="0" normalizeH="0" baseline="0" noProof="0" dirty="0">
+                <a:ln>
+                  <a:noFill/>
+                </a:ln>
+                <a:solidFill>
+                  <a:prstClr val="white"/>
+                </a:solidFill>
+                <a:effectLst/>
+                <a:uLnTx/>
+                <a:uFillTx/>
+                <a:latin typeface="Rockwell Extra Bold" pitchFamily="18" charset="0"/>
+                <a:ea typeface="+mn-ea"/>
+                <a:cs typeface="+mn-cs"/>
+              </a:endParaRPr>
+            </a:p>
+          </p:txBody>
+        </p:sp>
+        <p:sp>
+          <p:nvSpPr>
+            <p:cNvPr id="39" name="Oval 38">
+              <a:extLst>
+                <a:ext uri="{FF2B5EF4-FFF2-40B4-BE49-F238E27FC236}">
+                  <a16:creationId xmlns:a16="http://schemas.microsoft.com/office/drawing/2014/main" id="{5402800A-EB0F-495B-AD52-CBAF6B3FFC10}"/>
+                </a:ext>
+                <a:ext uri="{C183D7F6-B498-43B3-948B-1728B52AA6E4}">
+                  <adec:decorative xmlns:adec="http://schemas.microsoft.com/office/drawing/2017/decorative" val="1"/>
+                </a:ext>
+              </a:extLst>
+            </p:cNvPr>
+            <p:cNvSpPr/>
+            <p:nvPr>
+              <p:extLst>
+                <p:ext uri="{386F3935-93C4-4BCD-93E2-E3B085C9AB24}">
+                  <p16:designElem xmlns:p16="http://schemas.microsoft.com/office/powerpoint/2015/main" val="1"/>
+                </p:ext>
+              </p:extLst>
+            </p:nvPr>
+          </p:nvSpPr>
+          <p:spPr>
+            <a:xfrm>
+              <a:off x="9793429" y="4568765"/>
+              <a:ext cx="864723" cy="864722"/>
+            </a:xfrm>
+            <a:prstGeom prst="ellipse">
+              <a:avLst/>
+            </a:prstGeom>
+            <a:noFill/>
+            <a:ln w="25400" cap="flat" cmpd="sng" algn="ctr">
+              <a:solidFill>
+                <a:sysClr val="window" lastClr="FFFFFF"/>
+              </a:solidFill>
+              <a:prstDash val="solid"/>
+            </a:ln>
+            <a:effectLst/>
+          </p:spPr>
+          <p:txBody>
+            <a:bodyPr rtlCol="0" anchor="ctr"/>
+            <a:lstStyle/>
+            <a:p>
+              <a:pPr marL="0" marR="0" lvl="0" indent="0" algn="ctr" defTabSz="914400" eaLnBrk="1" fontAlgn="auto" latinLnBrk="0" hangingPunct="1">
+                <a:lnSpc>
+                  <a:spcPct val="100000"/>
+                </a:lnSpc>
+                <a:spcBef>
+                  <a:spcPts val="0"/>
+                </a:spcBef>
+                <a:spcAft>
+                  <a:spcPts val="0"/>
+                </a:spcAft>
+                <a:buClrTx/>
+                <a:buSzTx/>
+                <a:buFontTx/>
+                <a:buNone/>
+                <a:tabLst/>
+                <a:defRPr/>
+              </a:pPr>
+              <a:endParaRPr kumimoji="0" lang="en-US" sz="1800" b="0" i="0" u="none" strike="noStrike" kern="0" cap="none" spc="0" normalizeH="0" baseline="0" noProof="0" dirty="0">
+                <a:ln>
+                  <a:noFill/>
+                </a:ln>
+                <a:solidFill>
+                  <a:prstClr val="white"/>
+                </a:solidFill>
+                <a:effectLst/>
+                <a:uLnTx/>
+                <a:uFillTx/>
+                <a:latin typeface="Calibri"/>
+                <a:ea typeface="+mn-ea"/>
+                <a:cs typeface="+mn-cs"/>
+              </a:endParaRPr>
+            </a:p>
+          </p:txBody>
+        </p:sp>
+      </p:grpSp>
     </p:spTree>
     <p:extLst>
       <p:ext uri="{BB962C8B-B14F-4D97-AF65-F5344CB8AC3E}">
@@ -6221,13 +10350,18 @@
           <a:lstStyle/>
           <a:p>
             <a:r>
-              <a:rPr lang="en-US" dirty="0">
+              <a:rPr lang="en-US">
                 <a:solidFill>
                   <a:sysClr val="windowText" lastClr="000000"/>
                 </a:solidFill>
               </a:rPr>
               <a:t>Dashboard</a:t>
             </a:r>
+            <a:endParaRPr lang="en-US" dirty="0">
+              <a:solidFill>
+                <a:sysClr val="windowText" lastClr="000000"/>
+              </a:solidFill>
+            </a:endParaRPr>
           </a:p>
         </p:txBody>
       </p:sp>
@@ -6261,6 +10395,11 @@
           <a:prstGeom prst="rect">
             <a:avLst/>
           </a:prstGeom>
+          <a:ln>
+            <a:solidFill>
+              <a:schemeClr val="tx1"/>
+            </a:solidFill>
+          </a:ln>
         </p:spPr>
       </p:pic>
     </p:spTree>
@@ -6360,12 +10499,203 @@
           <a:prstGeom prst="rect">
             <a:avLst/>
           </a:prstGeom>
+          <a:ln>
+            <a:solidFill>
+              <a:schemeClr val="tx1"/>
+            </a:solidFill>
+          </a:ln>
         </p:spPr>
       </p:pic>
     </p:spTree>
     <p:extLst>
       <p:ext uri="{BB962C8B-B14F-4D97-AF65-F5344CB8AC3E}">
         <p14:creationId xmlns:p14="http://schemas.microsoft.com/office/powerpoint/2010/main" val="244322644"/>
+      </p:ext>
+    </p:extLst>
+  </p:cSld>
+  <p:clrMapOvr>
+    <a:masterClrMapping/>
+  </p:clrMapOvr>
+</p:sld>
+</file>
+
+<file path=ppt/slides/slide8.xml><?xml version="1.0" encoding="utf-8"?>
+<p:sld xmlns:a="http://schemas.openxmlformats.org/drawingml/2006/main" xmlns:r="http://schemas.openxmlformats.org/officeDocument/2006/relationships" xmlns:p="http://schemas.openxmlformats.org/presentationml/2006/main">
+  <p:cSld>
+    <p:bg>
+      <p:bgPr>
+        <a:solidFill>
+          <a:schemeClr val="bg1"/>
+        </a:solidFill>
+        <a:effectLst/>
+      </p:bgPr>
+    </p:bg>
+    <p:spTree>
+      <p:nvGrpSpPr>
+        <p:cNvPr id="1" name=""/>
+        <p:cNvGrpSpPr/>
+        <p:nvPr/>
+      </p:nvGrpSpPr>
+      <p:grpSpPr>
+        <a:xfrm>
+          <a:off x="0" y="0"/>
+          <a:ext cx="0" cy="0"/>
+          <a:chOff x="0" y="0"/>
+          <a:chExt cx="0" cy="0"/>
+        </a:xfrm>
+      </p:grpSpPr>
+      <p:sp>
+        <p:nvSpPr>
+          <p:cNvPr id="2" name="Title 1">
+            <a:extLst>
+              <a:ext uri="{FF2B5EF4-FFF2-40B4-BE49-F238E27FC236}">
+                <a16:creationId xmlns:a16="http://schemas.microsoft.com/office/drawing/2014/main" id="{9CD0FCC9-9B2B-2FB9-60E5-72F1827F24DF}"/>
+              </a:ext>
+            </a:extLst>
+          </p:cNvPr>
+          <p:cNvSpPr>
+            <a:spLocks noGrp="1"/>
+          </p:cNvSpPr>
+          <p:nvPr>
+            <p:ph type="title"/>
+          </p:nvPr>
+        </p:nvSpPr>
+        <p:spPr>
+          <a:xfrm>
+            <a:off x="1069848" y="484632"/>
+            <a:ext cx="10058400" cy="1609344"/>
+          </a:xfrm>
+        </p:spPr>
+        <p:txBody>
+          <a:bodyPr>
+            <a:normAutofit/>
+          </a:bodyPr>
+          <a:lstStyle/>
+          <a:p>
+            <a:r>
+              <a:rPr lang="en-US"/>
+              <a:t>Team Week 3 Schedule:</a:t>
+            </a:r>
+          </a:p>
+        </p:txBody>
+      </p:sp>
+      <p:sp>
+        <p:nvSpPr>
+          <p:cNvPr id="43" name="Rectangle 42">
+            <a:extLst>
+              <a:ext uri="{FF2B5EF4-FFF2-40B4-BE49-F238E27FC236}">
+                <a16:creationId xmlns:a16="http://schemas.microsoft.com/office/drawing/2014/main" id="{3FD711E9-7F79-40A9-8D9E-4AE293C154A5}"/>
+              </a:ext>
+              <a:ext uri="{C183D7F6-B498-43B3-948B-1728B52AA6E4}">
+                <adec:decorative xmlns:adec="http://schemas.microsoft.com/office/drawing/2017/decorative" val="1"/>
+              </a:ext>
+            </a:extLst>
+          </p:cNvPr>
+          <p:cNvSpPr>
+            <a:spLocks noGrp="1" noRot="1" noChangeAspect="1" noMove="1" noResize="1" noEditPoints="1" noAdjustHandles="1" noChangeArrowheads="1" noChangeShapeType="1" noTextEdit="1"/>
+          </p:cNvSpPr>
+          <p:nvPr>
+            <p:extLst>
+              <p:ext uri="{386F3935-93C4-4BCD-93E2-E3B085C9AB24}">
+                <p16:designElem xmlns:p16="http://schemas.microsoft.com/office/powerpoint/2015/main" val="1"/>
+              </p:ext>
+            </p:extLst>
+          </p:nvPr>
+        </p:nvSpPr>
+        <p:spPr>
+          <a:xfrm>
+            <a:off x="1066800" y="2013293"/>
+            <a:ext cx="10058400" cy="80683"/>
+          </a:xfrm>
+          <a:prstGeom prst="rect">
+            <a:avLst/>
+          </a:prstGeom>
+          <a:blipFill dpi="0" rotWithShape="1">
+            <a:blip r:embed="rId2">
+              <a:alphaModFix amt="85000"/>
+              <a:lum bright="70000" contrast="-70000"/>
+              <a:extLst>
+                <a:ext uri="{BEBA8EAE-BF5A-486C-A8C5-ECC9F3942E4B}">
+                  <a14:imgProps xmlns:a14="http://schemas.microsoft.com/office/drawing/2010/main">
+                    <a14:imgLayer r:embed="rId3">
+                      <a14:imgEffect>
+                        <a14:sharpenSoften amount="61000"/>
+                      </a14:imgEffect>
+                    </a14:imgLayer>
+                  </a14:imgProps>
+                </a:ext>
+                <a:ext uri="{28A0092B-C50C-407E-A947-70E740481C1C}">
+                  <a14:useLocalDpi xmlns:a14="http://schemas.microsoft.com/office/drawing/2010/main" val="0"/>
+                </a:ext>
+              </a:extLst>
+            </a:blip>
+            <a:srcRect/>
+            <a:tile tx="0" ty="-762000" sx="92000" sy="89000" flip="xy" algn="ctr"/>
+          </a:blipFill>
+          <a:ln>
+            <a:noFill/>
+          </a:ln>
+        </p:spPr>
+        <p:style>
+          <a:lnRef idx="2">
+            <a:schemeClr val="accent1">
+              <a:shade val="50000"/>
+            </a:schemeClr>
+          </a:lnRef>
+          <a:fillRef idx="1">
+            <a:schemeClr val="accent1"/>
+          </a:fillRef>
+          <a:effectRef idx="0">
+            <a:schemeClr val="accent1"/>
+          </a:effectRef>
+          <a:fontRef idx="minor">
+            <a:schemeClr val="lt1"/>
+          </a:fontRef>
+        </p:style>
+        <p:txBody>
+          <a:bodyPr rtlCol="0" anchor="ctr"/>
+          <a:lstStyle/>
+          <a:p>
+            <a:pPr algn="ctr"/>
+            <a:endParaRPr lang="en-US"/>
+          </a:p>
+        </p:txBody>
+      </p:sp>
+      <p:graphicFrame>
+        <p:nvGraphicFramePr>
+          <p:cNvPr id="23" name="Content Placeholder 2">
+            <a:extLst>
+              <a:ext uri="{FF2B5EF4-FFF2-40B4-BE49-F238E27FC236}">
+                <a16:creationId xmlns:a16="http://schemas.microsoft.com/office/drawing/2014/main" id="{44CD89A8-8DA1-F116-3D4F-01244121EF2F}"/>
+              </a:ext>
+            </a:extLst>
+          </p:cNvPr>
+          <p:cNvGraphicFramePr>
+            <a:graphicFrameLocks noGrp="1"/>
+          </p:cNvGraphicFramePr>
+          <p:nvPr>
+            <p:ph idx="1"/>
+            <p:extLst>
+              <p:ext uri="{D42A27DB-BD31-4B8C-83A1-F6EECF244321}">
+                <p14:modId xmlns:p14="http://schemas.microsoft.com/office/powerpoint/2010/main" val="4159256366"/>
+              </p:ext>
+            </p:extLst>
+          </p:nvPr>
+        </p:nvGraphicFramePr>
+        <p:xfrm>
+          <a:off x="1069975" y="2385390"/>
+          <a:ext cx="10058400" cy="3617845"/>
+        </p:xfrm>
+        <a:graphic>
+          <a:graphicData uri="http://schemas.openxmlformats.org/drawingml/2006/diagram">
+            <dgm:relIds xmlns:dgm="http://schemas.openxmlformats.org/drawingml/2006/diagram" xmlns:r="http://schemas.openxmlformats.org/officeDocument/2006/relationships" r:dm="rId4" r:lo="rId5" r:qs="rId6" r:cs="rId7"/>
+          </a:graphicData>
+        </a:graphic>
+      </p:graphicFrame>
+    </p:spTree>
+    <p:extLst>
+      <p:ext uri="{BB962C8B-B14F-4D97-AF65-F5344CB8AC3E}">
+        <p14:creationId xmlns:p14="http://schemas.microsoft.com/office/powerpoint/2010/main" val="908531274"/>
       </p:ext>
     </p:extLst>
   </p:cSld>

--- a/Documentation/Weekly Report/week3/CMSC-4920-Group2-Week3.pptx
+++ b/Documentation/Weekly Report/week3/CMSC-4920-Group2-Week3.pptx
@@ -122,14 +122,6 @@
 </p:presentation>
 </file>
 
-<file path=ppt/revisionInfo.xml><?xml version="1.0" encoding="utf-8"?>
-<p1510:revInfo xmlns:a="http://schemas.openxmlformats.org/drawingml/2006/main" xmlns:r="http://schemas.openxmlformats.org/officeDocument/2006/relationships" xmlns:p1510="http://schemas.microsoft.com/office/powerpoint/2015/10/main">
-  <p1510:revLst>
-    <p1510:client id="{64087836-9088-4F5D-A2AF-1C99B709D4CC}" v="17" dt="2026-01-31T22:58:00.380"/>
-  </p1510:revLst>
-</p1510:revInfo>
-</file>
-
 <file path=ppt/changesInfos/changesInfo1.xml><?xml version="1.0" encoding="utf-8"?>
 <pc:chgInfo xmlns:a="http://schemas.openxmlformats.org/drawingml/2006/main" xmlns:r="http://schemas.openxmlformats.org/officeDocument/2006/relationships" xmlns:ac="http://schemas.microsoft.com/office/drawing/2013/main/command" xmlns:pc="http://schemas.microsoft.com/office/powerpoint/2013/main/command">
   <pc:docChgLst>
@@ -209,6 +201,30 @@
         </pc:spChg>
         <pc:spChg chg="mod">
           <ac:chgData name="John Gerega" userId="bd3e1e46fb6a714b" providerId="LiveId" clId="{45F0C402-C550-4C82-B31D-5B32217A5E94}" dt="2026-01-27T20:24:50.420" v="172" actId="20577"/>
+          <ac:spMkLst>
+            <pc:docMk/>
+            <pc:sldMk cId="2435356693" sldId="259"/>
+            <ac:spMk id="6" creationId="{997BBA28-00C8-8F7A-94FF-B6415063757E}"/>
+          </ac:spMkLst>
+        </pc:spChg>
+      </pc:sldChg>
+    </pc:docChg>
+  </pc:docChgLst>
+  <pc:docChgLst>
+    <pc:chgData name="Margo Bonal" userId="18c9fa0f-b53d-478b-9dc0-6ad88786c19f" providerId="ADAL" clId="{93D479E5-F67F-4B8A-A78F-A0B574A116B6}"/>
+    <pc:docChg chg="modSld">
+      <pc:chgData name="Margo Bonal" userId="18c9fa0f-b53d-478b-9dc0-6ad88786c19f" providerId="ADAL" clId="{93D479E5-F67F-4B8A-A78F-A0B574A116B6}" dt="2026-02-01T23:20:15.838" v="3" actId="20577"/>
+      <pc:docMkLst>
+        <pc:docMk/>
+      </pc:docMkLst>
+      <pc:sldChg chg="modSp mod">
+        <pc:chgData name="Margo Bonal" userId="18c9fa0f-b53d-478b-9dc0-6ad88786c19f" providerId="ADAL" clId="{93D479E5-F67F-4B8A-A78F-A0B574A116B6}" dt="2026-02-01T23:20:15.838" v="3" actId="20577"/>
+        <pc:sldMkLst>
+          <pc:docMk/>
+          <pc:sldMk cId="2435356693" sldId="259"/>
+        </pc:sldMkLst>
+        <pc:spChg chg="mod">
+          <ac:chgData name="Margo Bonal" userId="18c9fa0f-b53d-478b-9dc0-6ad88786c19f" providerId="ADAL" clId="{93D479E5-F67F-4B8A-A78F-A0B574A116B6}" dt="2026-02-01T23:20:15.838" v="3" actId="20577"/>
           <ac:spMkLst>
             <pc:docMk/>
             <pc:sldMk cId="2435356693" sldId="259"/>
@@ -4004,7 +4020,7 @@
           <a:p>
             <a:fld id="{53F7EA64-47A8-4745-A689-3AB1D5C1369D}" type="datetimeFigureOut">
               <a:rPr lang="en-US" smtClean="0"/>
-              <a:t>1/31/2026</a:t>
+              <a:t>2/1/2026</a:t>
             </a:fld>
             <a:endParaRPr lang="en-US"/>
           </a:p>
@@ -4709,7 +4725,7 @@
           <a:p>
             <a:fld id="{713DB78E-3C9A-457B-8BC6-E3BEE2B0AC0A}" type="datetimeFigureOut">
               <a:rPr lang="en-US" smtClean="0"/>
-              <a:t>1/31/2026</a:t>
+              <a:t>2/1/2026</a:t>
             </a:fld>
             <a:endParaRPr lang="en-US"/>
           </a:p>
@@ -4888,7 +4904,7 @@
           <a:p>
             <a:fld id="{713DB78E-3C9A-457B-8BC6-E3BEE2B0AC0A}" type="datetimeFigureOut">
               <a:rPr lang="en-US" smtClean="0"/>
-              <a:t>1/31/2026</a:t>
+              <a:t>2/1/2026</a:t>
             </a:fld>
             <a:endParaRPr lang="en-US"/>
           </a:p>
@@ -5068,7 +5084,7 @@
           <a:p>
             <a:fld id="{713DB78E-3C9A-457B-8BC6-E3BEE2B0AC0A}" type="datetimeFigureOut">
               <a:rPr lang="en-US" smtClean="0"/>
-              <a:t>1/31/2026</a:t>
+              <a:t>2/1/2026</a:t>
             </a:fld>
             <a:endParaRPr lang="en-US"/>
           </a:p>
@@ -5238,7 +5254,7 @@
           <a:p>
             <a:fld id="{713DB78E-3C9A-457B-8BC6-E3BEE2B0AC0A}" type="datetimeFigureOut">
               <a:rPr lang="en-US" smtClean="0"/>
-              <a:t>1/31/2026</a:t>
+              <a:t>2/1/2026</a:t>
             </a:fld>
             <a:endParaRPr lang="en-US"/>
           </a:p>
@@ -5551,7 +5567,7 @@
           <a:p>
             <a:fld id="{713DB78E-3C9A-457B-8BC6-E3BEE2B0AC0A}" type="datetimeFigureOut">
               <a:rPr lang="en-US" smtClean="0"/>
-              <a:t>1/31/2026</a:t>
+              <a:t>2/1/2026</a:t>
             </a:fld>
             <a:endParaRPr lang="en-US"/>
           </a:p>
@@ -5937,7 +5953,7 @@
           <a:p>
             <a:fld id="{713DB78E-3C9A-457B-8BC6-E3BEE2B0AC0A}" type="datetimeFigureOut">
               <a:rPr lang="en-US" smtClean="0"/>
-              <a:t>1/31/2026</a:t>
+              <a:t>2/1/2026</a:t>
             </a:fld>
             <a:endParaRPr lang="en-US"/>
           </a:p>
@@ -6371,7 +6387,7 @@
           <a:p>
             <a:fld id="{713DB78E-3C9A-457B-8BC6-E3BEE2B0AC0A}" type="datetimeFigureOut">
               <a:rPr lang="en-US" smtClean="0"/>
-              <a:t>1/31/2026</a:t>
+              <a:t>2/1/2026</a:t>
             </a:fld>
             <a:endParaRPr lang="en-US"/>
           </a:p>
@@ -6489,7 +6505,7 @@
           <a:p>
             <a:fld id="{713DB78E-3C9A-457B-8BC6-E3BEE2B0AC0A}" type="datetimeFigureOut">
               <a:rPr lang="en-US" smtClean="0"/>
-              <a:t>1/31/2026</a:t>
+              <a:t>2/1/2026</a:t>
             </a:fld>
             <a:endParaRPr lang="en-US"/>
           </a:p>
@@ -6584,7 +6600,7 @@
           <a:p>
             <a:fld id="{713DB78E-3C9A-457B-8BC6-E3BEE2B0AC0A}" type="datetimeFigureOut">
               <a:rPr lang="en-US" smtClean="0"/>
-              <a:t>1/31/2026</a:t>
+              <a:t>2/1/2026</a:t>
             </a:fld>
             <a:endParaRPr lang="en-US"/>
           </a:p>
@@ -6934,7 +6950,7 @@
           <a:p>
             <a:fld id="{713DB78E-3C9A-457B-8BC6-E3BEE2B0AC0A}" type="datetimeFigureOut">
               <a:rPr lang="en-US" smtClean="0"/>
-              <a:t>1/31/2026</a:t>
+              <a:t>2/1/2026</a:t>
             </a:fld>
             <a:endParaRPr lang="en-US"/>
           </a:p>
@@ -7359,7 +7375,7 @@
           <a:p>
             <a:fld id="{713DB78E-3C9A-457B-8BC6-E3BEE2B0AC0A}" type="datetimeFigureOut">
               <a:rPr lang="en-US" smtClean="0"/>
-              <a:t>1/31/2026</a:t>
+              <a:t>2/1/2026</a:t>
             </a:fld>
             <a:endParaRPr lang="en-US"/>
           </a:p>
@@ -7640,7 +7656,7 @@
           <a:p>
             <a:fld id="{713DB78E-3C9A-457B-8BC6-E3BEE2B0AC0A}" type="datetimeFigureOut">
               <a:rPr lang="en-US" smtClean="0"/>
-              <a:t>1/31/2026</a:t>
+              <a:t>2/1/2026</a:t>
             </a:fld>
             <a:endParaRPr lang="en-US"/>
           </a:p>
@@ -8558,8 +8574,12 @@
           </a:p>
           <a:p>
             <a:r>
+              <a:rPr lang="en-US"/>
+              <a:t>DOM </a:t>
+            </a:r>
+            <a:r>
               <a:rPr lang="en-US" dirty="0"/>
-              <a:t>Dom not registering API quick enough</a:t>
+              <a:t>not registering API quick enough</a:t>
             </a:r>
           </a:p>
           <a:p>

--- a/Documentation/Weekly Report/week3/CMSC-4920-Group2-Week3.pptx
+++ b/Documentation/Weekly Report/week3/CMSC-4920-Group2-Week3.pptx
@@ -125,6 +125,30 @@
 <file path=ppt/changesInfos/changesInfo1.xml><?xml version="1.0" encoding="utf-8"?>
 <pc:chgInfo xmlns:a="http://schemas.openxmlformats.org/drawingml/2006/main" xmlns:r="http://schemas.openxmlformats.org/officeDocument/2006/relationships" xmlns:ac="http://schemas.microsoft.com/office/drawing/2013/main/command" xmlns:pc="http://schemas.microsoft.com/office/powerpoint/2013/main/command">
   <pc:docChgLst>
+    <pc:chgData name="Margo Bonal" userId="18c9fa0f-b53d-478b-9dc0-6ad88786c19f" providerId="ADAL" clId="{93D479E5-F67F-4B8A-A78F-A0B574A116B6}"/>
+    <pc:docChg chg="modSld">
+      <pc:chgData name="Margo Bonal" userId="18c9fa0f-b53d-478b-9dc0-6ad88786c19f" providerId="ADAL" clId="{93D479E5-F67F-4B8A-A78F-A0B574A116B6}" dt="2026-02-01T23:20:15.838" v="3" actId="20577"/>
+      <pc:docMkLst>
+        <pc:docMk/>
+      </pc:docMkLst>
+      <pc:sldChg chg="modSp mod">
+        <pc:chgData name="Margo Bonal" userId="18c9fa0f-b53d-478b-9dc0-6ad88786c19f" providerId="ADAL" clId="{93D479E5-F67F-4B8A-A78F-A0B574A116B6}" dt="2026-02-01T23:20:15.838" v="3" actId="20577"/>
+        <pc:sldMkLst>
+          <pc:docMk/>
+          <pc:sldMk cId="2435356693" sldId="259"/>
+        </pc:sldMkLst>
+        <pc:spChg chg="mod">
+          <ac:chgData name="Margo Bonal" userId="18c9fa0f-b53d-478b-9dc0-6ad88786c19f" providerId="ADAL" clId="{93D479E5-F67F-4B8A-A78F-A0B574A116B6}" dt="2026-02-01T23:20:15.838" v="3" actId="20577"/>
+          <ac:spMkLst>
+            <pc:docMk/>
+            <pc:sldMk cId="2435356693" sldId="259"/>
+            <ac:spMk id="6" creationId="{997BBA28-00C8-8F7A-94FF-B6415063757E}"/>
+          </ac:spMkLst>
+        </pc:spChg>
+      </pc:sldChg>
+    </pc:docChg>
+  </pc:docChgLst>
+  <pc:docChgLst>
     <pc:chgData name="John Gerega" userId="bd3e1e46fb6a714b" providerId="LiveId" clId="{45F0C402-C550-4C82-B31D-5B32217A5E94}"/>
     <pc:docChg chg="custSel addSld delSld modSld">
       <pc:chgData name="John Gerega" userId="bd3e1e46fb6a714b" providerId="LiveId" clId="{45F0C402-C550-4C82-B31D-5B32217A5E94}" dt="2026-01-29T19:30:17.690" v="506" actId="1076"/>
@@ -201,30 +225,6 @@
         </pc:spChg>
         <pc:spChg chg="mod">
           <ac:chgData name="John Gerega" userId="bd3e1e46fb6a714b" providerId="LiveId" clId="{45F0C402-C550-4C82-B31D-5B32217A5E94}" dt="2026-01-27T20:24:50.420" v="172" actId="20577"/>
-          <ac:spMkLst>
-            <pc:docMk/>
-            <pc:sldMk cId="2435356693" sldId="259"/>
-            <ac:spMk id="6" creationId="{997BBA28-00C8-8F7A-94FF-B6415063757E}"/>
-          </ac:spMkLst>
-        </pc:spChg>
-      </pc:sldChg>
-    </pc:docChg>
-  </pc:docChgLst>
-  <pc:docChgLst>
-    <pc:chgData name="Margo Bonal" userId="18c9fa0f-b53d-478b-9dc0-6ad88786c19f" providerId="ADAL" clId="{93D479E5-F67F-4B8A-A78F-A0B574A116B6}"/>
-    <pc:docChg chg="modSld">
-      <pc:chgData name="Margo Bonal" userId="18c9fa0f-b53d-478b-9dc0-6ad88786c19f" providerId="ADAL" clId="{93D479E5-F67F-4B8A-A78F-A0B574A116B6}" dt="2026-02-01T23:20:15.838" v="3" actId="20577"/>
-      <pc:docMkLst>
-        <pc:docMk/>
-      </pc:docMkLst>
-      <pc:sldChg chg="modSp mod">
-        <pc:chgData name="Margo Bonal" userId="18c9fa0f-b53d-478b-9dc0-6ad88786c19f" providerId="ADAL" clId="{93D479E5-F67F-4B8A-A78F-A0B574A116B6}" dt="2026-02-01T23:20:15.838" v="3" actId="20577"/>
-        <pc:sldMkLst>
-          <pc:docMk/>
-          <pc:sldMk cId="2435356693" sldId="259"/>
-        </pc:sldMkLst>
-        <pc:spChg chg="mod">
-          <ac:chgData name="Margo Bonal" userId="18c9fa0f-b53d-478b-9dc0-6ad88786c19f" providerId="ADAL" clId="{93D479E5-F67F-4B8A-A78F-A0B574A116B6}" dt="2026-02-01T23:20:15.838" v="3" actId="20577"/>
           <ac:spMkLst>
             <pc:docMk/>
             <pc:sldMk cId="2435356693" sldId="259"/>
@@ -4020,7 +4020,7 @@
           <a:p>
             <a:fld id="{53F7EA64-47A8-4745-A689-3AB1D5C1369D}" type="datetimeFigureOut">
               <a:rPr lang="en-US" smtClean="0"/>
-              <a:t>2/1/2026</a:t>
+              <a:t>2/7/2026</a:t>
             </a:fld>
             <a:endParaRPr lang="en-US"/>
           </a:p>
@@ -4725,7 +4725,7 @@
           <a:p>
             <a:fld id="{713DB78E-3C9A-457B-8BC6-E3BEE2B0AC0A}" type="datetimeFigureOut">
               <a:rPr lang="en-US" smtClean="0"/>
-              <a:t>2/1/2026</a:t>
+              <a:t>2/7/2026</a:t>
             </a:fld>
             <a:endParaRPr lang="en-US"/>
           </a:p>
@@ -4904,7 +4904,7 @@
           <a:p>
             <a:fld id="{713DB78E-3C9A-457B-8BC6-E3BEE2B0AC0A}" type="datetimeFigureOut">
               <a:rPr lang="en-US" smtClean="0"/>
-              <a:t>2/1/2026</a:t>
+              <a:t>2/7/2026</a:t>
             </a:fld>
             <a:endParaRPr lang="en-US"/>
           </a:p>
@@ -5084,7 +5084,7 @@
           <a:p>
             <a:fld id="{713DB78E-3C9A-457B-8BC6-E3BEE2B0AC0A}" type="datetimeFigureOut">
               <a:rPr lang="en-US" smtClean="0"/>
-              <a:t>2/1/2026</a:t>
+              <a:t>2/7/2026</a:t>
             </a:fld>
             <a:endParaRPr lang="en-US"/>
           </a:p>
@@ -5254,7 +5254,7 @@
           <a:p>
             <a:fld id="{713DB78E-3C9A-457B-8BC6-E3BEE2B0AC0A}" type="datetimeFigureOut">
               <a:rPr lang="en-US" smtClean="0"/>
-              <a:t>2/1/2026</a:t>
+              <a:t>2/7/2026</a:t>
             </a:fld>
             <a:endParaRPr lang="en-US"/>
           </a:p>
@@ -5567,7 +5567,7 @@
           <a:p>
             <a:fld id="{713DB78E-3C9A-457B-8BC6-E3BEE2B0AC0A}" type="datetimeFigureOut">
               <a:rPr lang="en-US" smtClean="0"/>
-              <a:t>2/1/2026</a:t>
+              <a:t>2/7/2026</a:t>
             </a:fld>
             <a:endParaRPr lang="en-US"/>
           </a:p>
@@ -5953,7 +5953,7 @@
           <a:p>
             <a:fld id="{713DB78E-3C9A-457B-8BC6-E3BEE2B0AC0A}" type="datetimeFigureOut">
               <a:rPr lang="en-US" smtClean="0"/>
-              <a:t>2/1/2026</a:t>
+              <a:t>2/7/2026</a:t>
             </a:fld>
             <a:endParaRPr lang="en-US"/>
           </a:p>
@@ -6387,7 +6387,7 @@
           <a:p>
             <a:fld id="{713DB78E-3C9A-457B-8BC6-E3BEE2B0AC0A}" type="datetimeFigureOut">
               <a:rPr lang="en-US" smtClean="0"/>
-              <a:t>2/1/2026</a:t>
+              <a:t>2/7/2026</a:t>
             </a:fld>
             <a:endParaRPr lang="en-US"/>
           </a:p>
@@ -6505,7 +6505,7 @@
           <a:p>
             <a:fld id="{713DB78E-3C9A-457B-8BC6-E3BEE2B0AC0A}" type="datetimeFigureOut">
               <a:rPr lang="en-US" smtClean="0"/>
-              <a:t>2/1/2026</a:t>
+              <a:t>2/7/2026</a:t>
             </a:fld>
             <a:endParaRPr lang="en-US"/>
           </a:p>
@@ -6600,7 +6600,7 @@
           <a:p>
             <a:fld id="{713DB78E-3C9A-457B-8BC6-E3BEE2B0AC0A}" type="datetimeFigureOut">
               <a:rPr lang="en-US" smtClean="0"/>
-              <a:t>2/1/2026</a:t>
+              <a:t>2/7/2026</a:t>
             </a:fld>
             <a:endParaRPr lang="en-US"/>
           </a:p>
@@ -6950,7 +6950,7 @@
           <a:p>
             <a:fld id="{713DB78E-3C9A-457B-8BC6-E3BEE2B0AC0A}" type="datetimeFigureOut">
               <a:rPr lang="en-US" smtClean="0"/>
-              <a:t>2/1/2026</a:t>
+              <a:t>2/7/2026</a:t>
             </a:fld>
             <a:endParaRPr lang="en-US"/>
           </a:p>
@@ -7375,7 +7375,7 @@
           <a:p>
             <a:fld id="{713DB78E-3C9A-457B-8BC6-E3BEE2B0AC0A}" type="datetimeFigureOut">
               <a:rPr lang="en-US" smtClean="0"/>
-              <a:t>2/1/2026</a:t>
+              <a:t>2/7/2026</a:t>
             </a:fld>
             <a:endParaRPr lang="en-US"/>
           </a:p>
@@ -7656,7 +7656,7 @@
           <a:p>
             <a:fld id="{713DB78E-3C9A-457B-8BC6-E3BEE2B0AC0A}" type="datetimeFigureOut">
               <a:rPr lang="en-US" smtClean="0"/>
-              <a:t>2/1/2026</a:t>
+              <a:t>2/7/2026</a:t>
             </a:fld>
             <a:endParaRPr lang="en-US"/>
           </a:p>
